--- a/docs/Basic CPU.pptx
+++ b/docs/Basic CPU.pptx
@@ -6,17 +6,20 @@
   </p:sldMasterIdLst>
   <p:sldIdLst>
     <p:sldId id="256" r:id="rId2"/>
-    <p:sldId id="257" r:id="rId3"/>
-    <p:sldId id="258" r:id="rId4"/>
-    <p:sldId id="259" r:id="rId5"/>
-    <p:sldId id="260" r:id="rId6"/>
-    <p:sldId id="261" r:id="rId7"/>
-    <p:sldId id="262" r:id="rId8"/>
-    <p:sldId id="263" r:id="rId9"/>
-    <p:sldId id="264" r:id="rId10"/>
-    <p:sldId id="265" r:id="rId11"/>
-    <p:sldId id="267" r:id="rId12"/>
+    <p:sldId id="272" r:id="rId3"/>
+    <p:sldId id="257" r:id="rId4"/>
+    <p:sldId id="258" r:id="rId5"/>
+    <p:sldId id="259" r:id="rId6"/>
+    <p:sldId id="260" r:id="rId7"/>
+    <p:sldId id="261" r:id="rId8"/>
+    <p:sldId id="262" r:id="rId9"/>
+    <p:sldId id="263" r:id="rId10"/>
+    <p:sldId id="264" r:id="rId11"/>
+    <p:sldId id="265" r:id="rId12"/>
     <p:sldId id="268" r:id="rId13"/>
+    <p:sldId id="269" r:id="rId14"/>
+    <p:sldId id="270" r:id="rId15"/>
+    <p:sldId id="271" r:id="rId16"/>
   </p:sldIdLst>
   <p:sldSz cx="12192000" cy="6858000"/>
   <p:notesSz cx="6858000" cy="9144000"/>
@@ -117,7 +120,18 @@
   </p:defaultTextStyle>
   <p:extLst>
     <p:ext uri="{EFAFB233-063F-42B5-8137-9DF3F51BA10A}">
-      <p15:sldGuideLst xmlns:p15="http://schemas.microsoft.com/office/powerpoint/2012/main"/>
+      <p15:sldGuideLst xmlns:p15="http://schemas.microsoft.com/office/powerpoint/2012/main">
+        <p15:guide id="1" orient="horz" pos="2160" userDrawn="1">
+          <p15:clr>
+            <a:srgbClr val="A4A3A4"/>
+          </p15:clr>
+        </p15:guide>
+        <p15:guide id="2" pos="3840" userDrawn="1">
+          <p15:clr>
+            <a:srgbClr val="A4A3A4"/>
+          </p15:clr>
+        </p15:guide>
+      </p15:sldGuideLst>
     </p:ext>
   </p:extLst>
 </p:presentation>
@@ -845,7 +859,7 @@
           <a:p>
             <a:fld id="{A3DF9231-E84B-4D8B-81C8-9C015D8DE8CC}" type="datetimeFigureOut">
               <a:rPr lang="en-IN" smtClean="0"/>
-              <a:t>28-05-2024</a:t>
+              <a:t>06-07-2024</a:t>
             </a:fld>
             <a:endParaRPr lang="en-IN"/>
           </a:p>
@@ -1096,7 +1110,7 @@
           <a:p>
             <a:fld id="{A3DF9231-E84B-4D8B-81C8-9C015D8DE8CC}" type="datetimeFigureOut">
               <a:rPr lang="en-IN" smtClean="0"/>
-              <a:t>28-05-2024</a:t>
+              <a:t>06-07-2024</a:t>
             </a:fld>
             <a:endParaRPr lang="en-IN"/>
           </a:p>
@@ -1410,7 +1424,7 @@
           <a:p>
             <a:fld id="{A3DF9231-E84B-4D8B-81C8-9C015D8DE8CC}" type="datetimeFigureOut">
               <a:rPr lang="en-IN" smtClean="0"/>
-              <a:t>28-05-2024</a:t>
+              <a:t>06-07-2024</a:t>
             </a:fld>
             <a:endParaRPr lang="en-IN"/>
           </a:p>
@@ -1751,7 +1765,7 @@
           <a:p>
             <a:fld id="{A3DF9231-E84B-4D8B-81C8-9C015D8DE8CC}" type="datetimeFigureOut">
               <a:rPr lang="en-IN" smtClean="0"/>
-              <a:t>28-05-2024</a:t>
+              <a:t>06-07-2024</a:t>
             </a:fld>
             <a:endParaRPr lang="en-IN"/>
           </a:p>
@@ -2065,7 +2079,7 @@
           <a:p>
             <a:fld id="{A3DF9231-E84B-4D8B-81C8-9C015D8DE8CC}" type="datetimeFigureOut">
               <a:rPr lang="en-IN" smtClean="0"/>
-              <a:t>28-05-2024</a:t>
+              <a:t>06-07-2024</a:t>
             </a:fld>
             <a:endParaRPr lang="en-IN"/>
           </a:p>
@@ -2458,7 +2472,7 @@
           <a:p>
             <a:fld id="{A3DF9231-E84B-4D8B-81C8-9C015D8DE8CC}" type="datetimeFigureOut">
               <a:rPr lang="en-IN" smtClean="0"/>
-              <a:t>28-05-2024</a:t>
+              <a:t>06-07-2024</a:t>
             </a:fld>
             <a:endParaRPr lang="en-IN"/>
           </a:p>
@@ -2628,7 +2642,7 @@
           <a:p>
             <a:fld id="{A3DF9231-E84B-4D8B-81C8-9C015D8DE8CC}" type="datetimeFigureOut">
               <a:rPr lang="en-IN" smtClean="0"/>
-              <a:t>28-05-2024</a:t>
+              <a:t>06-07-2024</a:t>
             </a:fld>
             <a:endParaRPr lang="en-IN"/>
           </a:p>
@@ -2808,7 +2822,7 @@
           <a:p>
             <a:fld id="{A3DF9231-E84B-4D8B-81C8-9C015D8DE8CC}" type="datetimeFigureOut">
               <a:rPr lang="en-IN" smtClean="0"/>
-              <a:t>28-05-2024</a:t>
+              <a:t>06-07-2024</a:t>
             </a:fld>
             <a:endParaRPr lang="en-IN"/>
           </a:p>
@@ -2984,7 +2998,7 @@
           <a:p>
             <a:fld id="{A3DF9231-E84B-4D8B-81C8-9C015D8DE8CC}" type="datetimeFigureOut">
               <a:rPr lang="en-IN" smtClean="0"/>
-              <a:t>28-05-2024</a:t>
+              <a:t>06-07-2024</a:t>
             </a:fld>
             <a:endParaRPr lang="en-IN"/>
           </a:p>
@@ -3231,7 +3245,7 @@
           <a:p>
             <a:fld id="{A3DF9231-E84B-4D8B-81C8-9C015D8DE8CC}" type="datetimeFigureOut">
               <a:rPr lang="en-IN" smtClean="0"/>
-              <a:t>28-05-2024</a:t>
+              <a:t>06-07-2024</a:t>
             </a:fld>
             <a:endParaRPr lang="en-IN"/>
           </a:p>
@@ -3463,7 +3477,7 @@
           <a:p>
             <a:fld id="{A3DF9231-E84B-4D8B-81C8-9C015D8DE8CC}" type="datetimeFigureOut">
               <a:rPr lang="en-IN" smtClean="0"/>
-              <a:t>28-05-2024</a:t>
+              <a:t>06-07-2024</a:t>
             </a:fld>
             <a:endParaRPr lang="en-IN"/>
           </a:p>
@@ -3837,7 +3851,7 @@
           <a:p>
             <a:fld id="{A3DF9231-E84B-4D8B-81C8-9C015D8DE8CC}" type="datetimeFigureOut">
               <a:rPr lang="en-IN" smtClean="0"/>
-              <a:t>28-05-2024</a:t>
+              <a:t>06-07-2024</a:t>
             </a:fld>
             <a:endParaRPr lang="en-IN"/>
           </a:p>
@@ -3960,7 +3974,7 @@
           <a:p>
             <a:fld id="{A3DF9231-E84B-4D8B-81C8-9C015D8DE8CC}" type="datetimeFigureOut">
               <a:rPr lang="en-IN" smtClean="0"/>
-              <a:t>28-05-2024</a:t>
+              <a:t>06-07-2024</a:t>
             </a:fld>
             <a:endParaRPr lang="en-IN"/>
           </a:p>
@@ -4055,7 +4069,7 @@
           <a:p>
             <a:fld id="{A3DF9231-E84B-4D8B-81C8-9C015D8DE8CC}" type="datetimeFigureOut">
               <a:rPr lang="en-IN" smtClean="0"/>
-              <a:t>28-05-2024</a:t>
+              <a:t>06-07-2024</a:t>
             </a:fld>
             <a:endParaRPr lang="en-IN"/>
           </a:p>
@@ -4310,7 +4324,7 @@
           <a:p>
             <a:fld id="{A3DF9231-E84B-4D8B-81C8-9C015D8DE8CC}" type="datetimeFigureOut">
               <a:rPr lang="en-IN" smtClean="0"/>
-              <a:t>28-05-2024</a:t>
+              <a:t>06-07-2024</a:t>
             </a:fld>
             <a:endParaRPr lang="en-IN"/>
           </a:p>
@@ -4573,7 +4587,7 @@
           <a:p>
             <a:fld id="{A3DF9231-E84B-4D8B-81C8-9C015D8DE8CC}" type="datetimeFigureOut">
               <a:rPr lang="en-IN" smtClean="0"/>
-              <a:t>28-05-2024</a:t>
+              <a:t>06-07-2024</a:t>
             </a:fld>
             <a:endParaRPr lang="en-IN"/>
           </a:p>
@@ -5316,7 +5330,7 @@
           <a:p>
             <a:fld id="{A3DF9231-E84B-4D8B-81C8-9C015D8DE8CC}" type="datetimeFigureOut">
               <a:rPr lang="en-IN" smtClean="0"/>
-              <a:t>28-05-2024</a:t>
+              <a:t>06-07-2024</a:t>
             </a:fld>
             <a:endParaRPr lang="en-IN"/>
           </a:p>
@@ -5955,6 +5969,119 @@
             <a:pPr algn="r"/>
             <a:r>
               <a:rPr lang="en-US" sz="5400" dirty="0"/>
+              <a:t>Conditional jump, pass:</a:t>
+            </a:r>
+            <a:br>
+              <a:rPr lang="en-US" sz="5400" dirty="0"/>
+            </a:br>
+            <a:endParaRPr lang="en-US" sz="5400" kern="1200" dirty="0">
+              <a:solidFill>
+                <a:schemeClr val="accent1"/>
+              </a:solidFill>
+              <a:latin typeface="+mj-lt"/>
+              <a:ea typeface="+mj-ea"/>
+              <a:cs typeface="+mj-cs"/>
+            </a:endParaRPr>
+          </a:p>
+        </p:txBody>
+      </p:sp>
+      <p:pic>
+        <p:nvPicPr>
+          <p:cNvPr id="4" name="Picture 3" descr="A diagram of a computer&#10;&#10;Description automatically generated">
+            <a:extLst>
+              <a:ext uri="{FF2B5EF4-FFF2-40B4-BE49-F238E27FC236}">
+                <a16:creationId xmlns:a16="http://schemas.microsoft.com/office/drawing/2014/main" id="{6B98307E-A69F-7A20-110A-C23D01010F3F}"/>
+              </a:ext>
+            </a:extLst>
+          </p:cNvPr>
+          <p:cNvPicPr>
+            <a:picLocks noChangeAspect="1"/>
+          </p:cNvPicPr>
+          <p:nvPr/>
+        </p:nvPicPr>
+        <p:blipFill>
+          <a:blip r:embed="rId2">
+            <a:extLst>
+              <a:ext uri="{28A0092B-C50C-407E-A947-70E740481C1C}">
+                <a14:useLocalDpi xmlns:a14="http://schemas.microsoft.com/office/drawing/2010/main" val="0"/>
+              </a:ext>
+            </a:extLst>
+          </a:blip>
+          <a:stretch>
+            <a:fillRect/>
+          </a:stretch>
+        </p:blipFill>
+        <p:spPr>
+          <a:xfrm>
+            <a:off x="7148039" y="479804"/>
+            <a:ext cx="4458086" cy="5898391"/>
+          </a:xfrm>
+          <a:prstGeom prst="rect">
+            <a:avLst/>
+          </a:prstGeom>
+        </p:spPr>
+      </p:pic>
+    </p:spTree>
+    <p:extLst>
+      <p:ext uri="{BB962C8B-B14F-4D97-AF65-F5344CB8AC3E}">
+        <p14:creationId xmlns:p14="http://schemas.microsoft.com/office/powerpoint/2010/main" val="2686032263"/>
+      </p:ext>
+    </p:extLst>
+  </p:cSld>
+  <p:clrMapOvr>
+    <a:masterClrMapping/>
+  </p:clrMapOvr>
+</p:sld>
+</file>
+
+<file path=ppt/slides/slide11.xml><?xml version="1.0" encoding="utf-8"?>
+<p:sld xmlns:a="http://schemas.openxmlformats.org/drawingml/2006/main" xmlns:r="http://schemas.openxmlformats.org/officeDocument/2006/relationships" xmlns:p="http://schemas.openxmlformats.org/presentationml/2006/main">
+  <p:cSld>
+    <p:spTree>
+      <p:nvGrpSpPr>
+        <p:cNvPr id="1" name=""/>
+        <p:cNvGrpSpPr/>
+        <p:nvPr/>
+      </p:nvGrpSpPr>
+      <p:grpSpPr>
+        <a:xfrm>
+          <a:off x="0" y="0"/>
+          <a:ext cx="0" cy="0"/>
+          <a:chOff x="0" y="0"/>
+          <a:chExt cx="0" cy="0"/>
+        </a:xfrm>
+      </p:grpSpPr>
+      <p:sp>
+        <p:nvSpPr>
+          <p:cNvPr id="2" name="Title 1">
+            <a:extLst>
+              <a:ext uri="{FF2B5EF4-FFF2-40B4-BE49-F238E27FC236}">
+                <a16:creationId xmlns:a16="http://schemas.microsoft.com/office/drawing/2014/main" id="{5E9DAB2F-5F10-414E-EFA9-CA78D5D877E7}"/>
+              </a:ext>
+            </a:extLst>
+          </p:cNvPr>
+          <p:cNvSpPr>
+            <a:spLocks noGrp="1"/>
+          </p:cNvSpPr>
+          <p:nvPr>
+            <p:ph type="title"/>
+          </p:nvPr>
+        </p:nvSpPr>
+        <p:spPr>
+          <a:xfrm>
+            <a:off x="1507067" y="1578133"/>
+            <a:ext cx="4335468" cy="2875534"/>
+          </a:xfrm>
+        </p:spPr>
+        <p:txBody>
+          <a:bodyPr vert="horz" lIns="91440" tIns="45720" rIns="91440" bIns="45720" rtlCol="0" anchor="b">
+            <a:normAutofit/>
+          </a:bodyPr>
+          <a:lstStyle/>
+          <a:p>
+            <a:pPr algn="r"/>
+            <a:r>
+              <a:rPr lang="en-US" sz="5400" dirty="0"/>
               <a:t>Conditional jump, fail:</a:t>
             </a:r>
             <a:br>
@@ -6011,90 +6138,6 @@
     <p:extLst>
       <p:ext uri="{BB962C8B-B14F-4D97-AF65-F5344CB8AC3E}">
         <p14:creationId xmlns:p14="http://schemas.microsoft.com/office/powerpoint/2010/main" val="3029837045"/>
-      </p:ext>
-    </p:extLst>
-  </p:cSld>
-  <p:clrMapOvr>
-    <a:masterClrMapping/>
-  </p:clrMapOvr>
-</p:sld>
-</file>
-
-<file path=ppt/slides/slide11.xml><?xml version="1.0" encoding="utf-8"?>
-<p:sld xmlns:a="http://schemas.openxmlformats.org/drawingml/2006/main" xmlns:r="http://schemas.openxmlformats.org/officeDocument/2006/relationships" xmlns:p="http://schemas.openxmlformats.org/presentationml/2006/main">
-  <p:cSld>
-    <p:spTree>
-      <p:nvGrpSpPr>
-        <p:cNvPr id="1" name=""/>
-        <p:cNvGrpSpPr/>
-        <p:nvPr/>
-      </p:nvGrpSpPr>
-      <p:grpSpPr>
-        <a:xfrm>
-          <a:off x="0" y="0"/>
-          <a:ext cx="0" cy="0"/>
-          <a:chOff x="0" y="0"/>
-          <a:chExt cx="0" cy="0"/>
-        </a:xfrm>
-      </p:grpSpPr>
-      <p:sp>
-        <p:nvSpPr>
-          <p:cNvPr id="2" name="Title 1">
-            <a:extLst>
-              <a:ext uri="{FF2B5EF4-FFF2-40B4-BE49-F238E27FC236}">
-                <a16:creationId xmlns:a16="http://schemas.microsoft.com/office/drawing/2014/main" id="{7E66DA29-2A70-611E-AC25-480BA7480A9A}"/>
-              </a:ext>
-            </a:extLst>
-          </p:cNvPr>
-          <p:cNvSpPr>
-            <a:spLocks noGrp="1"/>
-          </p:cNvSpPr>
-          <p:nvPr>
-            <p:ph type="title"/>
-          </p:nvPr>
-        </p:nvSpPr>
-        <p:spPr/>
-        <p:txBody>
-          <a:bodyPr/>
-          <a:lstStyle/>
-          <a:p>
-            <a:r>
-              <a:rPr lang="en-US" dirty="0"/>
-              <a:t>Control Unit</a:t>
-            </a:r>
-            <a:endParaRPr lang="en-IN" dirty="0"/>
-          </a:p>
-        </p:txBody>
-      </p:sp>
-      <p:sp>
-        <p:nvSpPr>
-          <p:cNvPr id="3" name="Text Placeholder 2">
-            <a:extLst>
-              <a:ext uri="{FF2B5EF4-FFF2-40B4-BE49-F238E27FC236}">
-                <a16:creationId xmlns:a16="http://schemas.microsoft.com/office/drawing/2014/main" id="{BDD661B5-0A9F-C8A9-15E7-C3A6DC8961C1}"/>
-              </a:ext>
-            </a:extLst>
-          </p:cNvPr>
-          <p:cNvSpPr>
-            <a:spLocks noGrp="1"/>
-          </p:cNvSpPr>
-          <p:nvPr>
-            <p:ph type="body" idx="1"/>
-          </p:nvPr>
-        </p:nvSpPr>
-        <p:spPr/>
-        <p:txBody>
-          <a:bodyPr/>
-          <a:lstStyle/>
-          <a:p>
-            <a:endParaRPr lang="en-IN"/>
-          </a:p>
-        </p:txBody>
-      </p:sp>
-    </p:spTree>
-    <p:extLst>
-      <p:ext uri="{BB962C8B-B14F-4D97-AF65-F5344CB8AC3E}">
-        <p14:creationId xmlns:p14="http://schemas.microsoft.com/office/powerpoint/2010/main" val="1978759659"/>
       </p:ext>
     </p:extLst>
   </p:cSld>
@@ -6232,7 +6275,6136 @@
 </p:sld>
 </file>
 
+<file path=ppt/slides/slide13.xml><?xml version="1.0" encoding="utf-8"?>
+<p:sld xmlns:a="http://schemas.openxmlformats.org/drawingml/2006/main" xmlns:r="http://schemas.openxmlformats.org/officeDocument/2006/relationships" xmlns:p="http://schemas.openxmlformats.org/presentationml/2006/main" show="0">
+  <p:cSld>
+    <p:spTree>
+      <p:nvGrpSpPr>
+        <p:cNvPr id="1" name=""/>
+        <p:cNvGrpSpPr/>
+        <p:nvPr/>
+      </p:nvGrpSpPr>
+      <p:grpSpPr>
+        <a:xfrm>
+          <a:off x="0" y="0"/>
+          <a:ext cx="0" cy="0"/>
+          <a:chOff x="0" y="0"/>
+          <a:chExt cx="0" cy="0"/>
+        </a:xfrm>
+      </p:grpSpPr>
+      <p:sp>
+        <p:nvSpPr>
+          <p:cNvPr id="2" name="Title 1">
+            <a:extLst>
+              <a:ext uri="{FF2B5EF4-FFF2-40B4-BE49-F238E27FC236}">
+                <a16:creationId xmlns:a16="http://schemas.microsoft.com/office/drawing/2014/main" id="{A71DC52B-69EB-9BB6-3DA2-9AC653A01DF1}"/>
+              </a:ext>
+            </a:extLst>
+          </p:cNvPr>
+          <p:cNvSpPr>
+            <a:spLocks noGrp="1"/>
+          </p:cNvSpPr>
+          <p:nvPr>
+            <p:ph type="title"/>
+          </p:nvPr>
+        </p:nvSpPr>
+        <p:spPr/>
+        <p:txBody>
+          <a:bodyPr/>
+          <a:lstStyle/>
+          <a:p>
+            <a:r>
+              <a:rPr lang="en-US" dirty="0"/>
+              <a:t>CPU Block Diagram</a:t>
+            </a:r>
+            <a:endParaRPr lang="en-IN" dirty="0"/>
+          </a:p>
+        </p:txBody>
+      </p:sp>
+      <p:sp>
+        <p:nvSpPr>
+          <p:cNvPr id="3" name="Text Placeholder 2">
+            <a:extLst>
+              <a:ext uri="{FF2B5EF4-FFF2-40B4-BE49-F238E27FC236}">
+                <a16:creationId xmlns:a16="http://schemas.microsoft.com/office/drawing/2014/main" id="{E07C73C9-AA74-797D-ADD5-B29CFAD1C88C}"/>
+              </a:ext>
+            </a:extLst>
+          </p:cNvPr>
+          <p:cNvSpPr>
+            <a:spLocks noGrp="1"/>
+          </p:cNvSpPr>
+          <p:nvPr>
+            <p:ph type="body" idx="1"/>
+          </p:nvPr>
+        </p:nvSpPr>
+        <p:spPr/>
+        <p:txBody>
+          <a:bodyPr/>
+          <a:lstStyle/>
+          <a:p>
+            <a:endParaRPr lang="en-IN"/>
+          </a:p>
+        </p:txBody>
+      </p:sp>
+    </p:spTree>
+    <p:extLst>
+      <p:ext uri="{BB962C8B-B14F-4D97-AF65-F5344CB8AC3E}">
+        <p14:creationId xmlns:p14="http://schemas.microsoft.com/office/powerpoint/2010/main" val="3896416241"/>
+      </p:ext>
+    </p:extLst>
+  </p:cSld>
+  <p:clrMapOvr>
+    <a:masterClrMapping/>
+  </p:clrMapOvr>
+</p:sld>
+</file>
+
+<file path=ppt/slides/slide14.xml><?xml version="1.0" encoding="utf-8"?>
+<p:sld xmlns:a="http://schemas.openxmlformats.org/drawingml/2006/main" xmlns:r="http://schemas.openxmlformats.org/officeDocument/2006/relationships" xmlns:p="http://schemas.openxmlformats.org/presentationml/2006/main" show="0">
+  <p:cSld>
+    <p:spTree>
+      <p:nvGrpSpPr>
+        <p:cNvPr id="1" name=""/>
+        <p:cNvGrpSpPr/>
+        <p:nvPr/>
+      </p:nvGrpSpPr>
+      <p:grpSpPr>
+        <a:xfrm>
+          <a:off x="0" y="0"/>
+          <a:ext cx="0" cy="0"/>
+          <a:chOff x="0" y="0"/>
+          <a:chExt cx="0" cy="0"/>
+        </a:xfrm>
+      </p:grpSpPr>
+      <p:sp>
+        <p:nvSpPr>
+          <p:cNvPr id="3" name="Rectangle: Rounded Corners 2">
+            <a:extLst>
+              <a:ext uri="{FF2B5EF4-FFF2-40B4-BE49-F238E27FC236}">
+                <a16:creationId xmlns:a16="http://schemas.microsoft.com/office/drawing/2014/main" id="{F6F6B86C-17F9-F522-5BB2-C94E17DC5C56}"/>
+              </a:ext>
+            </a:extLst>
+          </p:cNvPr>
+          <p:cNvSpPr/>
+          <p:nvPr/>
+        </p:nvSpPr>
+        <p:spPr>
+          <a:xfrm>
+            <a:off x="4180000" y="701040"/>
+            <a:ext cx="904063" cy="383253"/>
+          </a:xfrm>
+          <a:prstGeom prst="roundRect">
+            <a:avLst/>
+          </a:prstGeom>
+        </p:spPr>
+        <p:style>
+          <a:lnRef idx="1">
+            <a:schemeClr val="accent1"/>
+          </a:lnRef>
+          <a:fillRef idx="2">
+            <a:schemeClr val="accent1"/>
+          </a:fillRef>
+          <a:effectRef idx="1">
+            <a:schemeClr val="accent1"/>
+          </a:effectRef>
+          <a:fontRef idx="minor">
+            <a:schemeClr val="dk1"/>
+          </a:fontRef>
+        </p:style>
+        <p:txBody>
+          <a:bodyPr rtlCol="0" anchor="ctr"/>
+          <a:lstStyle/>
+          <a:p>
+            <a:pPr algn="ctr"/>
+            <a:r>
+              <a:rPr lang="en-US" dirty="0"/>
+              <a:t>A</a:t>
+            </a:r>
+          </a:p>
+        </p:txBody>
+      </p:sp>
+      <p:sp>
+        <p:nvSpPr>
+          <p:cNvPr id="4" name="Rectangle: Rounded Corners 3">
+            <a:extLst>
+              <a:ext uri="{FF2B5EF4-FFF2-40B4-BE49-F238E27FC236}">
+                <a16:creationId xmlns:a16="http://schemas.microsoft.com/office/drawing/2014/main" id="{A394AC33-9A83-007D-71FC-64A7371ADA86}"/>
+              </a:ext>
+            </a:extLst>
+          </p:cNvPr>
+          <p:cNvSpPr/>
+          <p:nvPr/>
+        </p:nvSpPr>
+        <p:spPr>
+          <a:xfrm>
+            <a:off x="4180000" y="1455088"/>
+            <a:ext cx="904063" cy="383253"/>
+          </a:xfrm>
+          <a:prstGeom prst="roundRect">
+            <a:avLst/>
+          </a:prstGeom>
+        </p:spPr>
+        <p:style>
+          <a:lnRef idx="1">
+            <a:schemeClr val="accent1"/>
+          </a:lnRef>
+          <a:fillRef idx="2">
+            <a:schemeClr val="accent1"/>
+          </a:fillRef>
+          <a:effectRef idx="1">
+            <a:schemeClr val="accent1"/>
+          </a:effectRef>
+          <a:fontRef idx="minor">
+            <a:schemeClr val="dk1"/>
+          </a:fontRef>
+        </p:style>
+        <p:txBody>
+          <a:bodyPr rtlCol="0" anchor="ctr"/>
+          <a:lstStyle/>
+          <a:p>
+            <a:pPr algn="ctr"/>
+            <a:r>
+              <a:rPr lang="en-US" dirty="0"/>
+              <a:t>B</a:t>
+            </a:r>
+            <a:endParaRPr lang="en-IN" dirty="0"/>
+          </a:p>
+        </p:txBody>
+      </p:sp>
+      <p:sp>
+        <p:nvSpPr>
+          <p:cNvPr id="5" name="Rectangle: Rounded Corners 4">
+            <a:extLst>
+              <a:ext uri="{FF2B5EF4-FFF2-40B4-BE49-F238E27FC236}">
+                <a16:creationId xmlns:a16="http://schemas.microsoft.com/office/drawing/2014/main" id="{B06EF545-4ED8-6B8C-597F-6C76F87787BB}"/>
+              </a:ext>
+            </a:extLst>
+          </p:cNvPr>
+          <p:cNvSpPr/>
+          <p:nvPr/>
+        </p:nvSpPr>
+        <p:spPr>
+          <a:xfrm>
+            <a:off x="4180000" y="2209136"/>
+            <a:ext cx="904063" cy="383253"/>
+          </a:xfrm>
+          <a:prstGeom prst="roundRect">
+            <a:avLst/>
+          </a:prstGeom>
+        </p:spPr>
+        <p:style>
+          <a:lnRef idx="1">
+            <a:schemeClr val="accent1"/>
+          </a:lnRef>
+          <a:fillRef idx="2">
+            <a:schemeClr val="accent1"/>
+          </a:fillRef>
+          <a:effectRef idx="1">
+            <a:schemeClr val="accent1"/>
+          </a:effectRef>
+          <a:fontRef idx="minor">
+            <a:schemeClr val="dk1"/>
+          </a:fontRef>
+        </p:style>
+        <p:txBody>
+          <a:bodyPr rtlCol="0" anchor="ctr"/>
+          <a:lstStyle/>
+          <a:p>
+            <a:pPr algn="ctr"/>
+            <a:r>
+              <a:rPr lang="en-US" dirty="0"/>
+              <a:t>IR</a:t>
+            </a:r>
+            <a:endParaRPr lang="en-IN" dirty="0"/>
+          </a:p>
+        </p:txBody>
+      </p:sp>
+      <p:sp>
+        <p:nvSpPr>
+          <p:cNvPr id="6" name="Rectangle: Rounded Corners 5">
+            <a:extLst>
+              <a:ext uri="{FF2B5EF4-FFF2-40B4-BE49-F238E27FC236}">
+                <a16:creationId xmlns:a16="http://schemas.microsoft.com/office/drawing/2014/main" id="{823D34CC-3F10-5EED-2703-F077A72CC35C}"/>
+              </a:ext>
+            </a:extLst>
+          </p:cNvPr>
+          <p:cNvSpPr/>
+          <p:nvPr/>
+        </p:nvSpPr>
+        <p:spPr>
+          <a:xfrm>
+            <a:off x="4180000" y="5019659"/>
+            <a:ext cx="904063" cy="383253"/>
+          </a:xfrm>
+          <a:prstGeom prst="roundRect">
+            <a:avLst/>
+          </a:prstGeom>
+        </p:spPr>
+        <p:style>
+          <a:lnRef idx="1">
+            <a:schemeClr val="accent1"/>
+          </a:lnRef>
+          <a:fillRef idx="2">
+            <a:schemeClr val="accent1"/>
+          </a:fillRef>
+          <a:effectRef idx="1">
+            <a:schemeClr val="accent1"/>
+          </a:effectRef>
+          <a:fontRef idx="minor">
+            <a:schemeClr val="dk1"/>
+          </a:fontRef>
+        </p:style>
+        <p:txBody>
+          <a:bodyPr rtlCol="0" anchor="ctr"/>
+          <a:lstStyle/>
+          <a:p>
+            <a:pPr algn="ctr"/>
+            <a:r>
+              <a:rPr lang="en-US" dirty="0"/>
+              <a:t>PC</a:t>
+            </a:r>
+            <a:endParaRPr lang="en-IN" dirty="0"/>
+          </a:p>
+        </p:txBody>
+      </p:sp>
+      <p:sp>
+        <p:nvSpPr>
+          <p:cNvPr id="7" name="Rectangle: Rounded Corners 6">
+            <a:extLst>
+              <a:ext uri="{FF2B5EF4-FFF2-40B4-BE49-F238E27FC236}">
+                <a16:creationId xmlns:a16="http://schemas.microsoft.com/office/drawing/2014/main" id="{D2933599-3F8D-1F57-8B37-A037C9673461}"/>
+              </a:ext>
+            </a:extLst>
+          </p:cNvPr>
+          <p:cNvSpPr/>
+          <p:nvPr/>
+        </p:nvSpPr>
+        <p:spPr>
+          <a:xfrm>
+            <a:off x="4180000" y="4265611"/>
+            <a:ext cx="904063" cy="383253"/>
+          </a:xfrm>
+          <a:prstGeom prst="roundRect">
+            <a:avLst/>
+          </a:prstGeom>
+        </p:spPr>
+        <p:style>
+          <a:lnRef idx="1">
+            <a:schemeClr val="accent1"/>
+          </a:lnRef>
+          <a:fillRef idx="2">
+            <a:schemeClr val="accent1"/>
+          </a:fillRef>
+          <a:effectRef idx="1">
+            <a:schemeClr val="accent1"/>
+          </a:effectRef>
+          <a:fontRef idx="minor">
+            <a:schemeClr val="dk1"/>
+          </a:fontRef>
+        </p:style>
+        <p:txBody>
+          <a:bodyPr rtlCol="0" anchor="ctr"/>
+          <a:lstStyle/>
+          <a:p>
+            <a:pPr algn="ctr"/>
+            <a:r>
+              <a:rPr lang="en-US" dirty="0"/>
+              <a:t>AR</a:t>
+            </a:r>
+            <a:endParaRPr lang="en-IN" dirty="0"/>
+          </a:p>
+        </p:txBody>
+      </p:sp>
+      <p:sp>
+        <p:nvSpPr>
+          <p:cNvPr id="8" name="Rectangle 7">
+            <a:extLst>
+              <a:ext uri="{FF2B5EF4-FFF2-40B4-BE49-F238E27FC236}">
+                <a16:creationId xmlns:a16="http://schemas.microsoft.com/office/drawing/2014/main" id="{681A063F-32A3-2514-7BB0-31553B06AE2F}"/>
+              </a:ext>
+            </a:extLst>
+          </p:cNvPr>
+          <p:cNvSpPr/>
+          <p:nvPr/>
+        </p:nvSpPr>
+        <p:spPr>
+          <a:xfrm>
+            <a:off x="4180000" y="2961861"/>
+            <a:ext cx="1657583" cy="932955"/>
+          </a:xfrm>
+          <a:prstGeom prst="rect">
+            <a:avLst/>
+          </a:prstGeom>
+        </p:spPr>
+        <p:style>
+          <a:lnRef idx="1">
+            <a:schemeClr val="accent1"/>
+          </a:lnRef>
+          <a:fillRef idx="2">
+            <a:schemeClr val="accent1"/>
+          </a:fillRef>
+          <a:effectRef idx="1">
+            <a:schemeClr val="accent1"/>
+          </a:effectRef>
+          <a:fontRef idx="minor">
+            <a:schemeClr val="dk1"/>
+          </a:fontRef>
+        </p:style>
+        <p:txBody>
+          <a:bodyPr rtlCol="0" anchor="ctr"/>
+          <a:lstStyle/>
+          <a:p>
+            <a:pPr algn="ctr"/>
+            <a:r>
+              <a:rPr lang="en-US" dirty="0"/>
+              <a:t>Control Unit</a:t>
+            </a:r>
+            <a:endParaRPr lang="en-IN" dirty="0"/>
+          </a:p>
+        </p:txBody>
+      </p:sp>
+      <p:sp>
+        <p:nvSpPr>
+          <p:cNvPr id="9" name="Rectangle 8">
+            <a:extLst>
+              <a:ext uri="{FF2B5EF4-FFF2-40B4-BE49-F238E27FC236}">
+                <a16:creationId xmlns:a16="http://schemas.microsoft.com/office/drawing/2014/main" id="{845BAA6F-0744-8F61-69CB-7A69ED7EAD21}"/>
+              </a:ext>
+            </a:extLst>
+          </p:cNvPr>
+          <p:cNvSpPr/>
+          <p:nvPr/>
+        </p:nvSpPr>
+        <p:spPr>
+          <a:xfrm>
+            <a:off x="4179999" y="5772384"/>
+            <a:ext cx="1657583" cy="932955"/>
+          </a:xfrm>
+          <a:prstGeom prst="rect">
+            <a:avLst/>
+          </a:prstGeom>
+        </p:spPr>
+        <p:style>
+          <a:lnRef idx="1">
+            <a:schemeClr val="accent1"/>
+          </a:lnRef>
+          <a:fillRef idx="2">
+            <a:schemeClr val="accent1"/>
+          </a:fillRef>
+          <a:effectRef idx="1">
+            <a:schemeClr val="accent1"/>
+          </a:effectRef>
+          <a:fontRef idx="minor">
+            <a:schemeClr val="dk1"/>
+          </a:fontRef>
+        </p:style>
+        <p:txBody>
+          <a:bodyPr rtlCol="0" anchor="ctr"/>
+          <a:lstStyle/>
+          <a:p>
+            <a:pPr algn="ctr"/>
+            <a:r>
+              <a:rPr lang="en-US" dirty="0"/>
+              <a:t>RAM</a:t>
+            </a:r>
+          </a:p>
+          <a:p>
+            <a:pPr algn="ctr"/>
+            <a:r>
+              <a:rPr lang="en-US" dirty="0"/>
+              <a:t>256X8</a:t>
+            </a:r>
+            <a:endParaRPr lang="en-IN" dirty="0"/>
+          </a:p>
+        </p:txBody>
+      </p:sp>
+      <p:sp>
+        <p:nvSpPr>
+          <p:cNvPr id="11" name="Trapezoid 10">
+            <a:extLst>
+              <a:ext uri="{FF2B5EF4-FFF2-40B4-BE49-F238E27FC236}">
+                <a16:creationId xmlns:a16="http://schemas.microsoft.com/office/drawing/2014/main" id="{B3BE8204-06D8-ED1A-677C-6A2826CD8D69}"/>
+              </a:ext>
+            </a:extLst>
+          </p:cNvPr>
+          <p:cNvSpPr/>
+          <p:nvPr/>
+        </p:nvSpPr>
+        <p:spPr>
+          <a:xfrm rot="5400000">
+            <a:off x="5059672" y="4625003"/>
+            <a:ext cx="1138624" cy="417195"/>
+          </a:xfrm>
+          <a:prstGeom prst="trapezoid">
+            <a:avLst>
+              <a:gd name="adj" fmla="val 55137"/>
+            </a:avLst>
+          </a:prstGeom>
+        </p:spPr>
+        <p:style>
+          <a:lnRef idx="1">
+            <a:schemeClr val="accent1"/>
+          </a:lnRef>
+          <a:fillRef idx="2">
+            <a:schemeClr val="accent1"/>
+          </a:fillRef>
+          <a:effectRef idx="1">
+            <a:schemeClr val="accent1"/>
+          </a:effectRef>
+          <a:fontRef idx="minor">
+            <a:schemeClr val="dk1"/>
+          </a:fontRef>
+        </p:style>
+        <p:txBody>
+          <a:bodyPr rtlCol="0" anchor="ctr"/>
+          <a:lstStyle/>
+          <a:p>
+            <a:pPr algn="ctr"/>
+            <a:endParaRPr lang="en-IN"/>
+          </a:p>
+        </p:txBody>
+      </p:sp>
+      <p:sp>
+        <p:nvSpPr>
+          <p:cNvPr id="12" name="Heptagon 11">
+            <a:extLst>
+              <a:ext uri="{FF2B5EF4-FFF2-40B4-BE49-F238E27FC236}">
+                <a16:creationId xmlns:a16="http://schemas.microsoft.com/office/drawing/2014/main" id="{65AD053B-FC73-AEEE-FE50-7B7A145A83CD}"/>
+              </a:ext>
+            </a:extLst>
+          </p:cNvPr>
+          <p:cNvSpPr/>
+          <p:nvPr/>
+        </p:nvSpPr>
+        <p:spPr>
+          <a:xfrm>
+            <a:off x="5374167" y="560070"/>
+            <a:ext cx="1045683" cy="1396745"/>
+          </a:xfrm>
+          <a:custGeom>
+            <a:avLst/>
+            <a:gdLst>
+              <a:gd name="connsiteX0" fmla="*/ -4 w 1405890"/>
+              <a:gd name="connsiteY0" fmla="*/ 803678 h 1249680"/>
+              <a:gd name="connsiteX1" fmla="*/ 139226 w 1405890"/>
+              <a:gd name="connsiteY1" fmla="*/ 247515 h 1249680"/>
+              <a:gd name="connsiteX2" fmla="*/ 702945 w 1405890"/>
+              <a:gd name="connsiteY2" fmla="*/ 0 h 1249680"/>
+              <a:gd name="connsiteX3" fmla="*/ 1266664 w 1405890"/>
+              <a:gd name="connsiteY3" fmla="*/ 247515 h 1249680"/>
+              <a:gd name="connsiteX4" fmla="*/ 1405894 w 1405890"/>
+              <a:gd name="connsiteY4" fmla="*/ 803678 h 1249680"/>
+              <a:gd name="connsiteX5" fmla="*/ 1015783 w 1405890"/>
+              <a:gd name="connsiteY5" fmla="*/ 1249687 h 1249680"/>
+              <a:gd name="connsiteX6" fmla="*/ 390107 w 1405890"/>
+              <a:gd name="connsiteY6" fmla="*/ 1249687 h 1249680"/>
+              <a:gd name="connsiteX7" fmla="*/ -4 w 1405890"/>
+              <a:gd name="connsiteY7" fmla="*/ 803678 h 1249680"/>
+              <a:gd name="connsiteX0" fmla="*/ 653250 w 1266668"/>
+              <a:gd name="connsiteY0" fmla="*/ 792248 h 1249687"/>
+              <a:gd name="connsiteX1" fmla="*/ 0 w 1266668"/>
+              <a:gd name="connsiteY1" fmla="*/ 247515 h 1249687"/>
+              <a:gd name="connsiteX2" fmla="*/ 563719 w 1266668"/>
+              <a:gd name="connsiteY2" fmla="*/ 0 h 1249687"/>
+              <a:gd name="connsiteX3" fmla="*/ 1127438 w 1266668"/>
+              <a:gd name="connsiteY3" fmla="*/ 247515 h 1249687"/>
+              <a:gd name="connsiteX4" fmla="*/ 1266668 w 1266668"/>
+              <a:gd name="connsiteY4" fmla="*/ 803678 h 1249687"/>
+              <a:gd name="connsiteX5" fmla="*/ 876557 w 1266668"/>
+              <a:gd name="connsiteY5" fmla="*/ 1249687 h 1249687"/>
+              <a:gd name="connsiteX6" fmla="*/ 250881 w 1266668"/>
+              <a:gd name="connsiteY6" fmla="*/ 1249687 h 1249687"/>
+              <a:gd name="connsiteX7" fmla="*/ 653250 w 1266668"/>
+              <a:gd name="connsiteY7" fmla="*/ 792248 h 1249687"/>
+              <a:gd name="connsiteX0" fmla="*/ 668651 w 1282069"/>
+              <a:gd name="connsiteY0" fmla="*/ 952268 h 1409707"/>
+              <a:gd name="connsiteX1" fmla="*/ 15401 w 1282069"/>
+              <a:gd name="connsiteY1" fmla="*/ 407535 h 1409707"/>
+              <a:gd name="connsiteX2" fmla="*/ 0 w 1282069"/>
+              <a:gd name="connsiteY2" fmla="*/ 0 h 1409707"/>
+              <a:gd name="connsiteX3" fmla="*/ 1142839 w 1282069"/>
+              <a:gd name="connsiteY3" fmla="*/ 407535 h 1409707"/>
+              <a:gd name="connsiteX4" fmla="*/ 1282069 w 1282069"/>
+              <a:gd name="connsiteY4" fmla="*/ 963698 h 1409707"/>
+              <a:gd name="connsiteX5" fmla="*/ 891958 w 1282069"/>
+              <a:gd name="connsiteY5" fmla="*/ 1409707 h 1409707"/>
+              <a:gd name="connsiteX6" fmla="*/ 266282 w 1282069"/>
+              <a:gd name="connsiteY6" fmla="*/ 1409707 h 1409707"/>
+              <a:gd name="connsiteX7" fmla="*/ 668651 w 1282069"/>
+              <a:gd name="connsiteY7" fmla="*/ 952268 h 1409707"/>
+              <a:gd name="connsiteX0" fmla="*/ 360041 w 1282069"/>
+              <a:gd name="connsiteY0" fmla="*/ 636038 h 1409707"/>
+              <a:gd name="connsiteX1" fmla="*/ 15401 w 1282069"/>
+              <a:gd name="connsiteY1" fmla="*/ 407535 h 1409707"/>
+              <a:gd name="connsiteX2" fmla="*/ 0 w 1282069"/>
+              <a:gd name="connsiteY2" fmla="*/ 0 h 1409707"/>
+              <a:gd name="connsiteX3" fmla="*/ 1142839 w 1282069"/>
+              <a:gd name="connsiteY3" fmla="*/ 407535 h 1409707"/>
+              <a:gd name="connsiteX4" fmla="*/ 1282069 w 1282069"/>
+              <a:gd name="connsiteY4" fmla="*/ 963698 h 1409707"/>
+              <a:gd name="connsiteX5" fmla="*/ 891958 w 1282069"/>
+              <a:gd name="connsiteY5" fmla="*/ 1409707 h 1409707"/>
+              <a:gd name="connsiteX6" fmla="*/ 266282 w 1282069"/>
+              <a:gd name="connsiteY6" fmla="*/ 1409707 h 1409707"/>
+              <a:gd name="connsiteX7" fmla="*/ 360041 w 1282069"/>
+              <a:gd name="connsiteY7" fmla="*/ 636038 h 1409707"/>
+              <a:gd name="connsiteX0" fmla="*/ 360041 w 1282069"/>
+              <a:gd name="connsiteY0" fmla="*/ 636038 h 1409707"/>
+              <a:gd name="connsiteX1" fmla="*/ 15401 w 1282069"/>
+              <a:gd name="connsiteY1" fmla="*/ 407535 h 1409707"/>
+              <a:gd name="connsiteX2" fmla="*/ 0 w 1282069"/>
+              <a:gd name="connsiteY2" fmla="*/ 0 h 1409707"/>
+              <a:gd name="connsiteX3" fmla="*/ 1142839 w 1282069"/>
+              <a:gd name="connsiteY3" fmla="*/ 407535 h 1409707"/>
+              <a:gd name="connsiteX4" fmla="*/ 1282069 w 1282069"/>
+              <a:gd name="connsiteY4" fmla="*/ 963698 h 1409707"/>
+              <a:gd name="connsiteX5" fmla="*/ 891958 w 1282069"/>
+              <a:gd name="connsiteY5" fmla="*/ 1409707 h 1409707"/>
+              <a:gd name="connsiteX6" fmla="*/ 64352 w 1282069"/>
+              <a:gd name="connsiteY6" fmla="*/ 918217 h 1409707"/>
+              <a:gd name="connsiteX7" fmla="*/ 360041 w 1282069"/>
+              <a:gd name="connsiteY7" fmla="*/ 636038 h 1409707"/>
+              <a:gd name="connsiteX0" fmla="*/ 360041 w 1282069"/>
+              <a:gd name="connsiteY0" fmla="*/ 636038 h 1348747"/>
+              <a:gd name="connsiteX1" fmla="*/ 15401 w 1282069"/>
+              <a:gd name="connsiteY1" fmla="*/ 407535 h 1348747"/>
+              <a:gd name="connsiteX2" fmla="*/ 0 w 1282069"/>
+              <a:gd name="connsiteY2" fmla="*/ 0 h 1348747"/>
+              <a:gd name="connsiteX3" fmla="*/ 1142839 w 1282069"/>
+              <a:gd name="connsiteY3" fmla="*/ 407535 h 1348747"/>
+              <a:gd name="connsiteX4" fmla="*/ 1282069 w 1282069"/>
+              <a:gd name="connsiteY4" fmla="*/ 963698 h 1348747"/>
+              <a:gd name="connsiteX5" fmla="*/ 68998 w 1282069"/>
+              <a:gd name="connsiteY5" fmla="*/ 1348747 h 1348747"/>
+              <a:gd name="connsiteX6" fmla="*/ 64352 w 1282069"/>
+              <a:gd name="connsiteY6" fmla="*/ 918217 h 1348747"/>
+              <a:gd name="connsiteX7" fmla="*/ 360041 w 1282069"/>
+              <a:gd name="connsiteY7" fmla="*/ 636038 h 1348747"/>
+              <a:gd name="connsiteX0" fmla="*/ 360041 w 1142839"/>
+              <a:gd name="connsiteY0" fmla="*/ 636038 h 1348747"/>
+              <a:gd name="connsiteX1" fmla="*/ 15401 w 1142839"/>
+              <a:gd name="connsiteY1" fmla="*/ 407535 h 1348747"/>
+              <a:gd name="connsiteX2" fmla="*/ 0 w 1142839"/>
+              <a:gd name="connsiteY2" fmla="*/ 0 h 1348747"/>
+              <a:gd name="connsiteX3" fmla="*/ 1142839 w 1142839"/>
+              <a:gd name="connsiteY3" fmla="*/ 407535 h 1348747"/>
+              <a:gd name="connsiteX4" fmla="*/ 733429 w 1142839"/>
+              <a:gd name="connsiteY4" fmla="*/ 937028 h 1348747"/>
+              <a:gd name="connsiteX5" fmla="*/ 68998 w 1142839"/>
+              <a:gd name="connsiteY5" fmla="*/ 1348747 h 1348747"/>
+              <a:gd name="connsiteX6" fmla="*/ 64352 w 1142839"/>
+              <a:gd name="connsiteY6" fmla="*/ 918217 h 1348747"/>
+              <a:gd name="connsiteX7" fmla="*/ 360041 w 1142839"/>
+              <a:gd name="connsiteY7" fmla="*/ 636038 h 1348747"/>
+              <a:gd name="connsiteX0" fmla="*/ 360041 w 742789"/>
+              <a:gd name="connsiteY0" fmla="*/ 636038 h 1348747"/>
+              <a:gd name="connsiteX1" fmla="*/ 15401 w 742789"/>
+              <a:gd name="connsiteY1" fmla="*/ 407535 h 1348747"/>
+              <a:gd name="connsiteX2" fmla="*/ 0 w 742789"/>
+              <a:gd name="connsiteY2" fmla="*/ 0 h 1348747"/>
+              <a:gd name="connsiteX3" fmla="*/ 742789 w 742789"/>
+              <a:gd name="connsiteY3" fmla="*/ 373245 h 1348747"/>
+              <a:gd name="connsiteX4" fmla="*/ 733429 w 742789"/>
+              <a:gd name="connsiteY4" fmla="*/ 937028 h 1348747"/>
+              <a:gd name="connsiteX5" fmla="*/ 68998 w 742789"/>
+              <a:gd name="connsiteY5" fmla="*/ 1348747 h 1348747"/>
+              <a:gd name="connsiteX6" fmla="*/ 64352 w 742789"/>
+              <a:gd name="connsiteY6" fmla="*/ 918217 h 1348747"/>
+              <a:gd name="connsiteX7" fmla="*/ 360041 w 742789"/>
+              <a:gd name="connsiteY7" fmla="*/ 636038 h 1348747"/>
+              <a:gd name="connsiteX0" fmla="*/ 360041 w 742789"/>
+              <a:gd name="connsiteY0" fmla="*/ 636038 h 1348747"/>
+              <a:gd name="connsiteX1" fmla="*/ 15401 w 742789"/>
+              <a:gd name="connsiteY1" fmla="*/ 407535 h 1348747"/>
+              <a:gd name="connsiteX2" fmla="*/ 0 w 742789"/>
+              <a:gd name="connsiteY2" fmla="*/ 0 h 1348747"/>
+              <a:gd name="connsiteX3" fmla="*/ 742789 w 742789"/>
+              <a:gd name="connsiteY3" fmla="*/ 373245 h 1348747"/>
+              <a:gd name="connsiteX4" fmla="*/ 733429 w 742789"/>
+              <a:gd name="connsiteY4" fmla="*/ 937028 h 1348747"/>
+              <a:gd name="connsiteX5" fmla="*/ 68998 w 742789"/>
+              <a:gd name="connsiteY5" fmla="*/ 1348747 h 1348747"/>
+              <a:gd name="connsiteX6" fmla="*/ 26252 w 742789"/>
+              <a:gd name="connsiteY6" fmla="*/ 853447 h 1348747"/>
+              <a:gd name="connsiteX7" fmla="*/ 360041 w 742789"/>
+              <a:gd name="connsiteY7" fmla="*/ 636038 h 1348747"/>
+              <a:gd name="connsiteX0" fmla="*/ 600071 w 982819"/>
+              <a:gd name="connsiteY0" fmla="*/ 666518 h 1379227"/>
+              <a:gd name="connsiteX1" fmla="*/ 255431 w 982819"/>
+              <a:gd name="connsiteY1" fmla="*/ 438015 h 1379227"/>
+              <a:gd name="connsiteX2" fmla="*/ 0 w 982819"/>
+              <a:gd name="connsiteY2" fmla="*/ 0 h 1379227"/>
+              <a:gd name="connsiteX3" fmla="*/ 982819 w 982819"/>
+              <a:gd name="connsiteY3" fmla="*/ 403725 h 1379227"/>
+              <a:gd name="connsiteX4" fmla="*/ 973459 w 982819"/>
+              <a:gd name="connsiteY4" fmla="*/ 967508 h 1379227"/>
+              <a:gd name="connsiteX5" fmla="*/ 309028 w 982819"/>
+              <a:gd name="connsiteY5" fmla="*/ 1379227 h 1379227"/>
+              <a:gd name="connsiteX6" fmla="*/ 266282 w 982819"/>
+              <a:gd name="connsiteY6" fmla="*/ 883927 h 1379227"/>
+              <a:gd name="connsiteX7" fmla="*/ 600071 w 982819"/>
+              <a:gd name="connsiteY7" fmla="*/ 666518 h 1379227"/>
+              <a:gd name="connsiteX0" fmla="*/ 600071 w 982819"/>
+              <a:gd name="connsiteY0" fmla="*/ 666518 h 1379227"/>
+              <a:gd name="connsiteX1" fmla="*/ 7781 w 982819"/>
+              <a:gd name="connsiteY1" fmla="*/ 700905 h 1379227"/>
+              <a:gd name="connsiteX2" fmla="*/ 0 w 982819"/>
+              <a:gd name="connsiteY2" fmla="*/ 0 h 1379227"/>
+              <a:gd name="connsiteX3" fmla="*/ 982819 w 982819"/>
+              <a:gd name="connsiteY3" fmla="*/ 403725 h 1379227"/>
+              <a:gd name="connsiteX4" fmla="*/ 973459 w 982819"/>
+              <a:gd name="connsiteY4" fmla="*/ 967508 h 1379227"/>
+              <a:gd name="connsiteX5" fmla="*/ 309028 w 982819"/>
+              <a:gd name="connsiteY5" fmla="*/ 1379227 h 1379227"/>
+              <a:gd name="connsiteX6" fmla="*/ 266282 w 982819"/>
+              <a:gd name="connsiteY6" fmla="*/ 883927 h 1379227"/>
+              <a:gd name="connsiteX7" fmla="*/ 600071 w 982819"/>
+              <a:gd name="connsiteY7" fmla="*/ 666518 h 1379227"/>
+              <a:gd name="connsiteX0" fmla="*/ 321941 w 982819"/>
+              <a:gd name="connsiteY0" fmla="*/ 1093238 h 1379227"/>
+              <a:gd name="connsiteX1" fmla="*/ 7781 w 982819"/>
+              <a:gd name="connsiteY1" fmla="*/ 700905 h 1379227"/>
+              <a:gd name="connsiteX2" fmla="*/ 0 w 982819"/>
+              <a:gd name="connsiteY2" fmla="*/ 0 h 1379227"/>
+              <a:gd name="connsiteX3" fmla="*/ 982819 w 982819"/>
+              <a:gd name="connsiteY3" fmla="*/ 403725 h 1379227"/>
+              <a:gd name="connsiteX4" fmla="*/ 973459 w 982819"/>
+              <a:gd name="connsiteY4" fmla="*/ 967508 h 1379227"/>
+              <a:gd name="connsiteX5" fmla="*/ 309028 w 982819"/>
+              <a:gd name="connsiteY5" fmla="*/ 1379227 h 1379227"/>
+              <a:gd name="connsiteX6" fmla="*/ 266282 w 982819"/>
+              <a:gd name="connsiteY6" fmla="*/ 883927 h 1379227"/>
+              <a:gd name="connsiteX7" fmla="*/ 321941 w 982819"/>
+              <a:gd name="connsiteY7" fmla="*/ 1093238 h 1379227"/>
+              <a:gd name="connsiteX0" fmla="*/ 349029 w 1009907"/>
+              <a:gd name="connsiteY0" fmla="*/ 1093238 h 1489663"/>
+              <a:gd name="connsiteX1" fmla="*/ 34869 w 1009907"/>
+              <a:gd name="connsiteY1" fmla="*/ 700905 h 1489663"/>
+              <a:gd name="connsiteX2" fmla="*/ 27088 w 1009907"/>
+              <a:gd name="connsiteY2" fmla="*/ 0 h 1489663"/>
+              <a:gd name="connsiteX3" fmla="*/ 1009907 w 1009907"/>
+              <a:gd name="connsiteY3" fmla="*/ 403725 h 1489663"/>
+              <a:gd name="connsiteX4" fmla="*/ 1000547 w 1009907"/>
+              <a:gd name="connsiteY4" fmla="*/ 967508 h 1489663"/>
+              <a:gd name="connsiteX5" fmla="*/ 336116 w 1009907"/>
+              <a:gd name="connsiteY5" fmla="*/ 1379227 h 1489663"/>
+              <a:gd name="connsiteX6" fmla="*/ 0 w 1009907"/>
+              <a:gd name="connsiteY6" fmla="*/ 1455427 h 1489663"/>
+              <a:gd name="connsiteX7" fmla="*/ 349029 w 1009907"/>
+              <a:gd name="connsiteY7" fmla="*/ 1093238 h 1489663"/>
+              <a:gd name="connsiteX0" fmla="*/ 349029 w 1009907"/>
+              <a:gd name="connsiteY0" fmla="*/ 1093238 h 2145037"/>
+              <a:gd name="connsiteX1" fmla="*/ 34869 w 1009907"/>
+              <a:gd name="connsiteY1" fmla="*/ 700905 h 2145037"/>
+              <a:gd name="connsiteX2" fmla="*/ 27088 w 1009907"/>
+              <a:gd name="connsiteY2" fmla="*/ 0 h 2145037"/>
+              <a:gd name="connsiteX3" fmla="*/ 1009907 w 1009907"/>
+              <a:gd name="connsiteY3" fmla="*/ 403725 h 2145037"/>
+              <a:gd name="connsiteX4" fmla="*/ 1000547 w 1009907"/>
+              <a:gd name="connsiteY4" fmla="*/ 967508 h 2145037"/>
+              <a:gd name="connsiteX5" fmla="*/ 19886 w 1009907"/>
+              <a:gd name="connsiteY5" fmla="*/ 2145037 h 2145037"/>
+              <a:gd name="connsiteX6" fmla="*/ 0 w 1009907"/>
+              <a:gd name="connsiteY6" fmla="*/ 1455427 h 2145037"/>
+              <a:gd name="connsiteX7" fmla="*/ 349029 w 1009907"/>
+              <a:gd name="connsiteY7" fmla="*/ 1093238 h 2145037"/>
+              <a:gd name="connsiteX0" fmla="*/ 341409 w 1002287"/>
+              <a:gd name="connsiteY0" fmla="*/ 1093238 h 2145037"/>
+              <a:gd name="connsiteX1" fmla="*/ 27249 w 1002287"/>
+              <a:gd name="connsiteY1" fmla="*/ 700905 h 2145037"/>
+              <a:gd name="connsiteX2" fmla="*/ 19468 w 1002287"/>
+              <a:gd name="connsiteY2" fmla="*/ 0 h 2145037"/>
+              <a:gd name="connsiteX3" fmla="*/ 1002287 w 1002287"/>
+              <a:gd name="connsiteY3" fmla="*/ 403725 h 2145037"/>
+              <a:gd name="connsiteX4" fmla="*/ 992927 w 1002287"/>
+              <a:gd name="connsiteY4" fmla="*/ 967508 h 2145037"/>
+              <a:gd name="connsiteX5" fmla="*/ 12266 w 1002287"/>
+              <a:gd name="connsiteY5" fmla="*/ 2145037 h 2145037"/>
+              <a:gd name="connsiteX6" fmla="*/ 0 w 1002287"/>
+              <a:gd name="connsiteY6" fmla="*/ 1440187 h 2145037"/>
+              <a:gd name="connsiteX7" fmla="*/ 341409 w 1002287"/>
+              <a:gd name="connsiteY7" fmla="*/ 1093238 h 2145037"/>
+              <a:gd name="connsiteX0" fmla="*/ 375699 w 1002287"/>
+              <a:gd name="connsiteY0" fmla="*/ 1089428 h 2145037"/>
+              <a:gd name="connsiteX1" fmla="*/ 27249 w 1002287"/>
+              <a:gd name="connsiteY1" fmla="*/ 700905 h 2145037"/>
+              <a:gd name="connsiteX2" fmla="*/ 19468 w 1002287"/>
+              <a:gd name="connsiteY2" fmla="*/ 0 h 2145037"/>
+              <a:gd name="connsiteX3" fmla="*/ 1002287 w 1002287"/>
+              <a:gd name="connsiteY3" fmla="*/ 403725 h 2145037"/>
+              <a:gd name="connsiteX4" fmla="*/ 992927 w 1002287"/>
+              <a:gd name="connsiteY4" fmla="*/ 967508 h 2145037"/>
+              <a:gd name="connsiteX5" fmla="*/ 12266 w 1002287"/>
+              <a:gd name="connsiteY5" fmla="*/ 2145037 h 2145037"/>
+              <a:gd name="connsiteX6" fmla="*/ 0 w 1002287"/>
+              <a:gd name="connsiteY6" fmla="*/ 1440187 h 2145037"/>
+              <a:gd name="connsiteX7" fmla="*/ 375699 w 1002287"/>
+              <a:gd name="connsiteY7" fmla="*/ 1089428 h 2145037"/>
+              <a:gd name="connsiteX0" fmla="*/ 375699 w 1023407"/>
+              <a:gd name="connsiteY0" fmla="*/ 1089428 h 2145037"/>
+              <a:gd name="connsiteX1" fmla="*/ 27249 w 1023407"/>
+              <a:gd name="connsiteY1" fmla="*/ 700905 h 2145037"/>
+              <a:gd name="connsiteX2" fmla="*/ 19468 w 1023407"/>
+              <a:gd name="connsiteY2" fmla="*/ 0 h 2145037"/>
+              <a:gd name="connsiteX3" fmla="*/ 1002287 w 1023407"/>
+              <a:gd name="connsiteY3" fmla="*/ 403725 h 2145037"/>
+              <a:gd name="connsiteX4" fmla="*/ 1023407 w 1023407"/>
+              <a:gd name="connsiteY4" fmla="*/ 1424708 h 2145037"/>
+              <a:gd name="connsiteX5" fmla="*/ 12266 w 1023407"/>
+              <a:gd name="connsiteY5" fmla="*/ 2145037 h 2145037"/>
+              <a:gd name="connsiteX6" fmla="*/ 0 w 1023407"/>
+              <a:gd name="connsiteY6" fmla="*/ 1440187 h 2145037"/>
+              <a:gd name="connsiteX7" fmla="*/ 375699 w 1023407"/>
+              <a:gd name="connsiteY7" fmla="*/ 1089428 h 2145037"/>
+              <a:gd name="connsiteX0" fmla="*/ 375699 w 1023407"/>
+              <a:gd name="connsiteY0" fmla="*/ 1089428 h 2145037"/>
+              <a:gd name="connsiteX1" fmla="*/ 27249 w 1023407"/>
+              <a:gd name="connsiteY1" fmla="*/ 700905 h 2145037"/>
+              <a:gd name="connsiteX2" fmla="*/ 19468 w 1023407"/>
+              <a:gd name="connsiteY2" fmla="*/ 0 h 2145037"/>
+              <a:gd name="connsiteX3" fmla="*/ 945137 w 1023407"/>
+              <a:gd name="connsiteY3" fmla="*/ 704715 h 2145037"/>
+              <a:gd name="connsiteX4" fmla="*/ 1023407 w 1023407"/>
+              <a:gd name="connsiteY4" fmla="*/ 1424708 h 2145037"/>
+              <a:gd name="connsiteX5" fmla="*/ 12266 w 1023407"/>
+              <a:gd name="connsiteY5" fmla="*/ 2145037 h 2145037"/>
+              <a:gd name="connsiteX6" fmla="*/ 0 w 1023407"/>
+              <a:gd name="connsiteY6" fmla="*/ 1440187 h 2145037"/>
+              <a:gd name="connsiteX7" fmla="*/ 375699 w 1023407"/>
+              <a:gd name="connsiteY7" fmla="*/ 1089428 h 2145037"/>
+              <a:gd name="connsiteX0" fmla="*/ 375699 w 958637"/>
+              <a:gd name="connsiteY0" fmla="*/ 1089428 h 2145037"/>
+              <a:gd name="connsiteX1" fmla="*/ 27249 w 958637"/>
+              <a:gd name="connsiteY1" fmla="*/ 700905 h 2145037"/>
+              <a:gd name="connsiteX2" fmla="*/ 19468 w 958637"/>
+              <a:gd name="connsiteY2" fmla="*/ 0 h 2145037"/>
+              <a:gd name="connsiteX3" fmla="*/ 945137 w 958637"/>
+              <a:gd name="connsiteY3" fmla="*/ 704715 h 2145037"/>
+              <a:gd name="connsiteX4" fmla="*/ 958637 w 958637"/>
+              <a:gd name="connsiteY4" fmla="*/ 1447568 h 2145037"/>
+              <a:gd name="connsiteX5" fmla="*/ 12266 w 958637"/>
+              <a:gd name="connsiteY5" fmla="*/ 2145037 h 2145037"/>
+              <a:gd name="connsiteX6" fmla="*/ 0 w 958637"/>
+              <a:gd name="connsiteY6" fmla="*/ 1440187 h 2145037"/>
+              <a:gd name="connsiteX7" fmla="*/ 375699 w 958637"/>
+              <a:gd name="connsiteY7" fmla="*/ 1089428 h 2145037"/>
+              <a:gd name="connsiteX0" fmla="*/ 375699 w 964187"/>
+              <a:gd name="connsiteY0" fmla="*/ 1089428 h 2145037"/>
+              <a:gd name="connsiteX1" fmla="*/ 27249 w 964187"/>
+              <a:gd name="connsiteY1" fmla="*/ 700905 h 2145037"/>
+              <a:gd name="connsiteX2" fmla="*/ 19468 w 964187"/>
+              <a:gd name="connsiteY2" fmla="*/ 0 h 2145037"/>
+              <a:gd name="connsiteX3" fmla="*/ 964187 w 964187"/>
+              <a:gd name="connsiteY3" fmla="*/ 716145 h 2145037"/>
+              <a:gd name="connsiteX4" fmla="*/ 958637 w 964187"/>
+              <a:gd name="connsiteY4" fmla="*/ 1447568 h 2145037"/>
+              <a:gd name="connsiteX5" fmla="*/ 12266 w 964187"/>
+              <a:gd name="connsiteY5" fmla="*/ 2145037 h 2145037"/>
+              <a:gd name="connsiteX6" fmla="*/ 0 w 964187"/>
+              <a:gd name="connsiteY6" fmla="*/ 1440187 h 2145037"/>
+              <a:gd name="connsiteX7" fmla="*/ 375699 w 964187"/>
+              <a:gd name="connsiteY7" fmla="*/ 1089428 h 2145037"/>
+              <a:gd name="connsiteX0" fmla="*/ 375699 w 958637"/>
+              <a:gd name="connsiteY0" fmla="*/ 1089428 h 2145037"/>
+              <a:gd name="connsiteX1" fmla="*/ 27249 w 958637"/>
+              <a:gd name="connsiteY1" fmla="*/ 700905 h 2145037"/>
+              <a:gd name="connsiteX2" fmla="*/ 19468 w 958637"/>
+              <a:gd name="connsiteY2" fmla="*/ 0 h 2145037"/>
+              <a:gd name="connsiteX3" fmla="*/ 853697 w 958637"/>
+              <a:gd name="connsiteY3" fmla="*/ 742815 h 2145037"/>
+              <a:gd name="connsiteX4" fmla="*/ 958637 w 958637"/>
+              <a:gd name="connsiteY4" fmla="*/ 1447568 h 2145037"/>
+              <a:gd name="connsiteX5" fmla="*/ 12266 w 958637"/>
+              <a:gd name="connsiteY5" fmla="*/ 2145037 h 2145037"/>
+              <a:gd name="connsiteX6" fmla="*/ 0 w 958637"/>
+              <a:gd name="connsiteY6" fmla="*/ 1440187 h 2145037"/>
+              <a:gd name="connsiteX7" fmla="*/ 375699 w 958637"/>
+              <a:gd name="connsiteY7" fmla="*/ 1089428 h 2145037"/>
+              <a:gd name="connsiteX0" fmla="*/ 375699 w 958637"/>
+              <a:gd name="connsiteY0" fmla="*/ 1089428 h 2145037"/>
+              <a:gd name="connsiteX1" fmla="*/ 27249 w 958637"/>
+              <a:gd name="connsiteY1" fmla="*/ 700905 h 2145037"/>
+              <a:gd name="connsiteX2" fmla="*/ 19468 w 958637"/>
+              <a:gd name="connsiteY2" fmla="*/ 0 h 2145037"/>
+              <a:gd name="connsiteX3" fmla="*/ 952757 w 958637"/>
+              <a:gd name="connsiteY3" fmla="*/ 719955 h 2145037"/>
+              <a:gd name="connsiteX4" fmla="*/ 958637 w 958637"/>
+              <a:gd name="connsiteY4" fmla="*/ 1447568 h 2145037"/>
+              <a:gd name="connsiteX5" fmla="*/ 12266 w 958637"/>
+              <a:gd name="connsiteY5" fmla="*/ 2145037 h 2145037"/>
+              <a:gd name="connsiteX6" fmla="*/ 0 w 958637"/>
+              <a:gd name="connsiteY6" fmla="*/ 1440187 h 2145037"/>
+              <a:gd name="connsiteX7" fmla="*/ 375699 w 958637"/>
+              <a:gd name="connsiteY7" fmla="*/ 1089428 h 2145037"/>
+              <a:gd name="connsiteX0" fmla="*/ 363689 w 946627"/>
+              <a:gd name="connsiteY0" fmla="*/ 1089428 h 2145037"/>
+              <a:gd name="connsiteX1" fmla="*/ 15239 w 946627"/>
+              <a:gd name="connsiteY1" fmla="*/ 700905 h 2145037"/>
+              <a:gd name="connsiteX2" fmla="*/ 7458 w 946627"/>
+              <a:gd name="connsiteY2" fmla="*/ 0 h 2145037"/>
+              <a:gd name="connsiteX3" fmla="*/ 940747 w 946627"/>
+              <a:gd name="connsiteY3" fmla="*/ 719955 h 2145037"/>
+              <a:gd name="connsiteX4" fmla="*/ 946627 w 946627"/>
+              <a:gd name="connsiteY4" fmla="*/ 1447568 h 2145037"/>
+              <a:gd name="connsiteX5" fmla="*/ 256 w 946627"/>
+              <a:gd name="connsiteY5" fmla="*/ 2145037 h 2145037"/>
+              <a:gd name="connsiteX6" fmla="*/ 3230 w 946627"/>
+              <a:gd name="connsiteY6" fmla="*/ 1428757 h 2145037"/>
+              <a:gd name="connsiteX7" fmla="*/ 363689 w 946627"/>
+              <a:gd name="connsiteY7" fmla="*/ 1089428 h 2145037"/>
+              <a:gd name="connsiteX0" fmla="*/ 364042 w 946980"/>
+              <a:gd name="connsiteY0" fmla="*/ 1089428 h 2145037"/>
+              <a:gd name="connsiteX1" fmla="*/ 352 w 946980"/>
+              <a:gd name="connsiteY1" fmla="*/ 700905 h 2145037"/>
+              <a:gd name="connsiteX2" fmla="*/ 7811 w 946980"/>
+              <a:gd name="connsiteY2" fmla="*/ 0 h 2145037"/>
+              <a:gd name="connsiteX3" fmla="*/ 941100 w 946980"/>
+              <a:gd name="connsiteY3" fmla="*/ 719955 h 2145037"/>
+              <a:gd name="connsiteX4" fmla="*/ 946980 w 946980"/>
+              <a:gd name="connsiteY4" fmla="*/ 1447568 h 2145037"/>
+              <a:gd name="connsiteX5" fmla="*/ 609 w 946980"/>
+              <a:gd name="connsiteY5" fmla="*/ 2145037 h 2145037"/>
+              <a:gd name="connsiteX6" fmla="*/ 3583 w 946980"/>
+              <a:gd name="connsiteY6" fmla="*/ 1428757 h 2145037"/>
+              <a:gd name="connsiteX7" fmla="*/ 364042 w 946980"/>
+              <a:gd name="connsiteY7" fmla="*/ 1089428 h 2145037"/>
+              <a:gd name="connsiteX0" fmla="*/ 363689 w 946627"/>
+              <a:gd name="connsiteY0" fmla="*/ 1089428 h 2145037"/>
+              <a:gd name="connsiteX1" fmla="*/ 11429 w 946627"/>
+              <a:gd name="connsiteY1" fmla="*/ 719955 h 2145037"/>
+              <a:gd name="connsiteX2" fmla="*/ 7458 w 946627"/>
+              <a:gd name="connsiteY2" fmla="*/ 0 h 2145037"/>
+              <a:gd name="connsiteX3" fmla="*/ 940747 w 946627"/>
+              <a:gd name="connsiteY3" fmla="*/ 719955 h 2145037"/>
+              <a:gd name="connsiteX4" fmla="*/ 946627 w 946627"/>
+              <a:gd name="connsiteY4" fmla="*/ 1447568 h 2145037"/>
+              <a:gd name="connsiteX5" fmla="*/ 256 w 946627"/>
+              <a:gd name="connsiteY5" fmla="*/ 2145037 h 2145037"/>
+              <a:gd name="connsiteX6" fmla="*/ 3230 w 946627"/>
+              <a:gd name="connsiteY6" fmla="*/ 1428757 h 2145037"/>
+              <a:gd name="connsiteX7" fmla="*/ 363689 w 946627"/>
+              <a:gd name="connsiteY7" fmla="*/ 1089428 h 2145037"/>
+              <a:gd name="connsiteX0" fmla="*/ 459525 w 946627"/>
+              <a:gd name="connsiteY0" fmla="*/ 1089428 h 2145037"/>
+              <a:gd name="connsiteX1" fmla="*/ 11429 w 946627"/>
+              <a:gd name="connsiteY1" fmla="*/ 719955 h 2145037"/>
+              <a:gd name="connsiteX2" fmla="*/ 7458 w 946627"/>
+              <a:gd name="connsiteY2" fmla="*/ 0 h 2145037"/>
+              <a:gd name="connsiteX3" fmla="*/ 940747 w 946627"/>
+              <a:gd name="connsiteY3" fmla="*/ 719955 h 2145037"/>
+              <a:gd name="connsiteX4" fmla="*/ 946627 w 946627"/>
+              <a:gd name="connsiteY4" fmla="*/ 1447568 h 2145037"/>
+              <a:gd name="connsiteX5" fmla="*/ 256 w 946627"/>
+              <a:gd name="connsiteY5" fmla="*/ 2145037 h 2145037"/>
+              <a:gd name="connsiteX6" fmla="*/ 3230 w 946627"/>
+              <a:gd name="connsiteY6" fmla="*/ 1428757 h 2145037"/>
+              <a:gd name="connsiteX7" fmla="*/ 459525 w 946627"/>
+              <a:gd name="connsiteY7" fmla="*/ 1089428 h 2145037"/>
+              <a:gd name="connsiteX0" fmla="*/ 576194 w 946627"/>
+              <a:gd name="connsiteY0" fmla="*/ 1105031 h 2145037"/>
+              <a:gd name="connsiteX1" fmla="*/ 11429 w 946627"/>
+              <a:gd name="connsiteY1" fmla="*/ 719955 h 2145037"/>
+              <a:gd name="connsiteX2" fmla="*/ 7458 w 946627"/>
+              <a:gd name="connsiteY2" fmla="*/ 0 h 2145037"/>
+              <a:gd name="connsiteX3" fmla="*/ 940747 w 946627"/>
+              <a:gd name="connsiteY3" fmla="*/ 719955 h 2145037"/>
+              <a:gd name="connsiteX4" fmla="*/ 946627 w 946627"/>
+              <a:gd name="connsiteY4" fmla="*/ 1447568 h 2145037"/>
+              <a:gd name="connsiteX5" fmla="*/ 256 w 946627"/>
+              <a:gd name="connsiteY5" fmla="*/ 2145037 h 2145037"/>
+              <a:gd name="connsiteX6" fmla="*/ 3230 w 946627"/>
+              <a:gd name="connsiteY6" fmla="*/ 1428757 h 2145037"/>
+              <a:gd name="connsiteX7" fmla="*/ 576194 w 946627"/>
+              <a:gd name="connsiteY7" fmla="*/ 1105031 h 2145037"/>
+              <a:gd name="connsiteX0" fmla="*/ 497025 w 946627"/>
+              <a:gd name="connsiteY0" fmla="*/ 1089428 h 2145037"/>
+              <a:gd name="connsiteX1" fmla="*/ 11429 w 946627"/>
+              <a:gd name="connsiteY1" fmla="*/ 719955 h 2145037"/>
+              <a:gd name="connsiteX2" fmla="*/ 7458 w 946627"/>
+              <a:gd name="connsiteY2" fmla="*/ 0 h 2145037"/>
+              <a:gd name="connsiteX3" fmla="*/ 940747 w 946627"/>
+              <a:gd name="connsiteY3" fmla="*/ 719955 h 2145037"/>
+              <a:gd name="connsiteX4" fmla="*/ 946627 w 946627"/>
+              <a:gd name="connsiteY4" fmla="*/ 1447568 h 2145037"/>
+              <a:gd name="connsiteX5" fmla="*/ 256 w 946627"/>
+              <a:gd name="connsiteY5" fmla="*/ 2145037 h 2145037"/>
+              <a:gd name="connsiteX6" fmla="*/ 3230 w 946627"/>
+              <a:gd name="connsiteY6" fmla="*/ 1428757 h 2145037"/>
+              <a:gd name="connsiteX7" fmla="*/ 497025 w 946627"/>
+              <a:gd name="connsiteY7" fmla="*/ 1089428 h 2145037"/>
+            </a:gdLst>
+            <a:ahLst/>
+            <a:cxnLst>
+              <a:cxn ang="0">
+                <a:pos x="connsiteX0" y="connsiteY0"/>
+              </a:cxn>
+              <a:cxn ang="0">
+                <a:pos x="connsiteX1" y="connsiteY1"/>
+              </a:cxn>
+              <a:cxn ang="0">
+                <a:pos x="connsiteX2" y="connsiteY2"/>
+              </a:cxn>
+              <a:cxn ang="0">
+                <a:pos x="connsiteX3" y="connsiteY3"/>
+              </a:cxn>
+              <a:cxn ang="0">
+                <a:pos x="connsiteX4" y="connsiteY4"/>
+              </a:cxn>
+              <a:cxn ang="0">
+                <a:pos x="connsiteX5" y="connsiteY5"/>
+              </a:cxn>
+              <a:cxn ang="0">
+                <a:pos x="connsiteX6" y="connsiteY6"/>
+              </a:cxn>
+              <a:cxn ang="0">
+                <a:pos x="connsiteX7" y="connsiteY7"/>
+              </a:cxn>
+            </a:cxnLst>
+            <a:rect l="l" t="t" r="r" b="b"/>
+            <a:pathLst>
+              <a:path w="946627" h="2145037">
+                <a:moveTo>
+                  <a:pt x="497025" y="1089428"/>
+                </a:moveTo>
+                <a:lnTo>
+                  <a:pt x="11429" y="719955"/>
+                </a:lnTo>
+                <a:cubicBezTo>
+                  <a:pt x="8835" y="486320"/>
+                  <a:pt x="10052" y="233635"/>
+                  <a:pt x="7458" y="0"/>
+                </a:cubicBezTo>
+                <a:lnTo>
+                  <a:pt x="940747" y="719955"/>
+                </a:lnTo>
+                <a:lnTo>
+                  <a:pt x="946627" y="1447568"/>
+                </a:lnTo>
+                <a:lnTo>
+                  <a:pt x="256" y="2145037"/>
+                </a:lnTo>
+                <a:cubicBezTo>
+                  <a:pt x="-1293" y="2001527"/>
+                  <a:pt x="4779" y="1572267"/>
+                  <a:pt x="3230" y="1428757"/>
+                </a:cubicBezTo>
+                <a:lnTo>
+                  <a:pt x="497025" y="1089428"/>
+                </a:lnTo>
+                <a:close/>
+              </a:path>
+            </a:pathLst>
+          </a:custGeom>
+        </p:spPr>
+        <p:style>
+          <a:lnRef idx="1">
+            <a:schemeClr val="accent1"/>
+          </a:lnRef>
+          <a:fillRef idx="2">
+            <a:schemeClr val="accent1"/>
+          </a:fillRef>
+          <a:effectRef idx="1">
+            <a:schemeClr val="accent1"/>
+          </a:effectRef>
+          <a:fontRef idx="minor">
+            <a:schemeClr val="dk1"/>
+          </a:fontRef>
+        </p:style>
+        <p:txBody>
+          <a:bodyPr rtlCol="0" anchor="ctr"/>
+          <a:lstStyle/>
+          <a:p>
+            <a:pPr algn="ctr"/>
+            <a:r>
+              <a:rPr lang="en-US" dirty="0"/>
+              <a:t>	ALU</a:t>
+            </a:r>
+            <a:endParaRPr lang="en-IN" dirty="0"/>
+          </a:p>
+        </p:txBody>
+      </p:sp>
+      <p:cxnSp>
+        <p:nvCxnSpPr>
+          <p:cNvPr id="17" name="Connector: Elbow 16">
+            <a:extLst>
+              <a:ext uri="{FF2B5EF4-FFF2-40B4-BE49-F238E27FC236}">
+                <a16:creationId xmlns:a16="http://schemas.microsoft.com/office/drawing/2014/main" id="{99792430-69EA-1163-E516-A4231BDDEAFF}"/>
+              </a:ext>
+            </a:extLst>
+          </p:cNvPr>
+          <p:cNvCxnSpPr>
+            <a:stCxn id="6" idx="3"/>
+          </p:cNvCxnSpPr>
+          <p:nvPr/>
+        </p:nvCxnSpPr>
+        <p:spPr>
+          <a:xfrm flipV="1">
+            <a:off x="5084063" y="5019659"/>
+            <a:ext cx="336323" cy="191627"/>
+          </a:xfrm>
+          <a:prstGeom prst="bentConnector3">
+            <a:avLst/>
+          </a:prstGeom>
+          <a:ln>
+            <a:tailEnd type="triangle"/>
+          </a:ln>
+        </p:spPr>
+        <p:style>
+          <a:lnRef idx="1">
+            <a:schemeClr val="accent1"/>
+          </a:lnRef>
+          <a:fillRef idx="0">
+            <a:schemeClr val="accent1"/>
+          </a:fillRef>
+          <a:effectRef idx="0">
+            <a:schemeClr val="accent1"/>
+          </a:effectRef>
+          <a:fontRef idx="minor">
+            <a:schemeClr val="tx1"/>
+          </a:fontRef>
+        </p:style>
+      </p:cxnSp>
+      <p:cxnSp>
+        <p:nvCxnSpPr>
+          <p:cNvPr id="19" name="Connector: Elbow 18">
+            <a:extLst>
+              <a:ext uri="{FF2B5EF4-FFF2-40B4-BE49-F238E27FC236}">
+                <a16:creationId xmlns:a16="http://schemas.microsoft.com/office/drawing/2014/main" id="{1FAE24F8-3309-3961-11AB-9232F07BA855}"/>
+              </a:ext>
+            </a:extLst>
+          </p:cNvPr>
+          <p:cNvCxnSpPr>
+            <a:stCxn id="7" idx="3"/>
+          </p:cNvCxnSpPr>
+          <p:nvPr/>
+        </p:nvCxnSpPr>
+        <p:spPr>
+          <a:xfrm>
+            <a:off x="5084063" y="4457238"/>
+            <a:ext cx="336323" cy="191626"/>
+          </a:xfrm>
+          <a:prstGeom prst="bentConnector3">
+            <a:avLst/>
+          </a:prstGeom>
+          <a:ln>
+            <a:tailEnd type="triangle"/>
+          </a:ln>
+        </p:spPr>
+        <p:style>
+          <a:lnRef idx="1">
+            <a:schemeClr val="accent1"/>
+          </a:lnRef>
+          <a:fillRef idx="0">
+            <a:schemeClr val="accent1"/>
+          </a:fillRef>
+          <a:effectRef idx="0">
+            <a:schemeClr val="accent1"/>
+          </a:effectRef>
+          <a:fontRef idx="minor">
+            <a:schemeClr val="tx1"/>
+          </a:fontRef>
+        </p:style>
+      </p:cxnSp>
+      <p:cxnSp>
+        <p:nvCxnSpPr>
+          <p:cNvPr id="21" name="Straight Arrow Connector 20">
+            <a:extLst>
+              <a:ext uri="{FF2B5EF4-FFF2-40B4-BE49-F238E27FC236}">
+                <a16:creationId xmlns:a16="http://schemas.microsoft.com/office/drawing/2014/main" id="{EC336047-7707-22B1-DE92-1943FD06AF2E}"/>
+              </a:ext>
+            </a:extLst>
+          </p:cNvPr>
+          <p:cNvCxnSpPr>
+            <a:stCxn id="11" idx="0"/>
+          </p:cNvCxnSpPr>
+          <p:nvPr/>
+        </p:nvCxnSpPr>
+        <p:spPr>
+          <a:xfrm>
+            <a:off x="5837582" y="4833601"/>
+            <a:ext cx="385418" cy="6890"/>
+          </a:xfrm>
+          <a:prstGeom prst="straightConnector1">
+            <a:avLst/>
+          </a:prstGeom>
+          <a:ln>
+            <a:tailEnd type="triangle"/>
+          </a:ln>
+        </p:spPr>
+        <p:style>
+          <a:lnRef idx="1">
+            <a:schemeClr val="accent1"/>
+          </a:lnRef>
+          <a:fillRef idx="0">
+            <a:schemeClr val="accent1"/>
+          </a:fillRef>
+          <a:effectRef idx="0">
+            <a:schemeClr val="accent1"/>
+          </a:effectRef>
+          <a:fontRef idx="minor">
+            <a:schemeClr val="tx1"/>
+          </a:fontRef>
+        </p:style>
+      </p:cxnSp>
+      <p:cxnSp>
+        <p:nvCxnSpPr>
+          <p:cNvPr id="25" name="Connector: Elbow 24">
+            <a:extLst>
+              <a:ext uri="{FF2B5EF4-FFF2-40B4-BE49-F238E27FC236}">
+                <a16:creationId xmlns:a16="http://schemas.microsoft.com/office/drawing/2014/main" id="{5AB0012C-4F29-CD0E-A393-C1294829C566}"/>
+              </a:ext>
+            </a:extLst>
+          </p:cNvPr>
+          <p:cNvCxnSpPr>
+            <a:endCxn id="9" idx="3"/>
+          </p:cNvCxnSpPr>
+          <p:nvPr/>
+        </p:nvCxnSpPr>
+        <p:spPr>
+          <a:xfrm rot="10800000" flipV="1">
+            <a:off x="5837582" y="6070600"/>
+            <a:ext cx="385418" cy="168262"/>
+          </a:xfrm>
+          <a:prstGeom prst="bentConnector3">
+            <a:avLst/>
+          </a:prstGeom>
+          <a:ln>
+            <a:tailEnd type="triangle"/>
+          </a:ln>
+        </p:spPr>
+        <p:style>
+          <a:lnRef idx="1">
+            <a:schemeClr val="accent1"/>
+          </a:lnRef>
+          <a:fillRef idx="0">
+            <a:schemeClr val="accent1"/>
+          </a:fillRef>
+          <a:effectRef idx="0">
+            <a:schemeClr val="accent1"/>
+          </a:effectRef>
+          <a:fontRef idx="minor">
+            <a:schemeClr val="tx1"/>
+          </a:fontRef>
+        </p:style>
+      </p:cxnSp>
+      <p:cxnSp>
+        <p:nvCxnSpPr>
+          <p:cNvPr id="29" name="Connector: Elbow 28">
+            <a:extLst>
+              <a:ext uri="{FF2B5EF4-FFF2-40B4-BE49-F238E27FC236}">
+                <a16:creationId xmlns:a16="http://schemas.microsoft.com/office/drawing/2014/main" id="{D489839B-B1A7-C000-289D-4D736295C1D4}"/>
+              </a:ext>
+            </a:extLst>
+          </p:cNvPr>
+          <p:cNvCxnSpPr>
+            <a:stCxn id="8" idx="1"/>
+            <a:endCxn id="3" idx="1"/>
+          </p:cNvCxnSpPr>
+          <p:nvPr/>
+        </p:nvCxnSpPr>
+        <p:spPr>
+          <a:xfrm rot="10800000">
+            <a:off x="4180000" y="892667"/>
+            <a:ext cx="12700" cy="2535672"/>
+          </a:xfrm>
+          <a:prstGeom prst="bentConnector3">
+            <a:avLst>
+              <a:gd name="adj1" fmla="val 1800000"/>
+            </a:avLst>
+          </a:prstGeom>
+          <a:ln>
+            <a:tailEnd type="triangle"/>
+          </a:ln>
+        </p:spPr>
+        <p:style>
+          <a:lnRef idx="1">
+            <a:schemeClr val="accent1"/>
+          </a:lnRef>
+          <a:fillRef idx="0">
+            <a:schemeClr val="accent1"/>
+          </a:fillRef>
+          <a:effectRef idx="0">
+            <a:schemeClr val="accent1"/>
+          </a:effectRef>
+          <a:fontRef idx="minor">
+            <a:schemeClr val="tx1"/>
+          </a:fontRef>
+        </p:style>
+      </p:cxnSp>
+      <p:cxnSp>
+        <p:nvCxnSpPr>
+          <p:cNvPr id="31" name="Connector: Elbow 30">
+            <a:extLst>
+              <a:ext uri="{FF2B5EF4-FFF2-40B4-BE49-F238E27FC236}">
+                <a16:creationId xmlns:a16="http://schemas.microsoft.com/office/drawing/2014/main" id="{3F6835DB-9D4A-D72F-E3AA-22FDDF54DD07}"/>
+              </a:ext>
+            </a:extLst>
+          </p:cNvPr>
+          <p:cNvCxnSpPr>
+            <a:stCxn id="8" idx="1"/>
+            <a:endCxn id="4" idx="1"/>
+          </p:cNvCxnSpPr>
+          <p:nvPr/>
+        </p:nvCxnSpPr>
+        <p:spPr>
+          <a:xfrm rot="10800000">
+            <a:off x="4180000" y="1646715"/>
+            <a:ext cx="12700" cy="1781624"/>
+          </a:xfrm>
+          <a:prstGeom prst="bentConnector3">
+            <a:avLst>
+              <a:gd name="adj1" fmla="val 1800000"/>
+            </a:avLst>
+          </a:prstGeom>
+          <a:ln>
+            <a:tailEnd type="triangle"/>
+          </a:ln>
+        </p:spPr>
+        <p:style>
+          <a:lnRef idx="1">
+            <a:schemeClr val="accent1"/>
+          </a:lnRef>
+          <a:fillRef idx="0">
+            <a:schemeClr val="accent1"/>
+          </a:fillRef>
+          <a:effectRef idx="0">
+            <a:schemeClr val="accent1"/>
+          </a:effectRef>
+          <a:fontRef idx="minor">
+            <a:schemeClr val="tx1"/>
+          </a:fontRef>
+        </p:style>
+      </p:cxnSp>
+      <p:cxnSp>
+        <p:nvCxnSpPr>
+          <p:cNvPr id="33" name="Connector: Elbow 32">
+            <a:extLst>
+              <a:ext uri="{FF2B5EF4-FFF2-40B4-BE49-F238E27FC236}">
+                <a16:creationId xmlns:a16="http://schemas.microsoft.com/office/drawing/2014/main" id="{72A2A3E4-2B0B-CEE2-9DF8-FAED1DA22590}"/>
+              </a:ext>
+            </a:extLst>
+          </p:cNvPr>
+          <p:cNvCxnSpPr>
+            <a:stCxn id="8" idx="1"/>
+            <a:endCxn id="5" idx="1"/>
+          </p:cNvCxnSpPr>
+          <p:nvPr/>
+        </p:nvCxnSpPr>
+        <p:spPr>
+          <a:xfrm rot="10800000">
+            <a:off x="4180000" y="2400763"/>
+            <a:ext cx="12700" cy="1027576"/>
+          </a:xfrm>
+          <a:prstGeom prst="bentConnector3">
+            <a:avLst>
+              <a:gd name="adj1" fmla="val 1800000"/>
+            </a:avLst>
+          </a:prstGeom>
+          <a:ln>
+            <a:tailEnd type="triangle"/>
+          </a:ln>
+        </p:spPr>
+        <p:style>
+          <a:lnRef idx="1">
+            <a:schemeClr val="accent1"/>
+          </a:lnRef>
+          <a:fillRef idx="0">
+            <a:schemeClr val="accent1"/>
+          </a:fillRef>
+          <a:effectRef idx="0">
+            <a:schemeClr val="accent1"/>
+          </a:effectRef>
+          <a:fontRef idx="minor">
+            <a:schemeClr val="tx1"/>
+          </a:fontRef>
+        </p:style>
+      </p:cxnSp>
+      <p:cxnSp>
+        <p:nvCxnSpPr>
+          <p:cNvPr id="35" name="Connector: Elbow 34">
+            <a:extLst>
+              <a:ext uri="{FF2B5EF4-FFF2-40B4-BE49-F238E27FC236}">
+                <a16:creationId xmlns:a16="http://schemas.microsoft.com/office/drawing/2014/main" id="{053E9853-EEC6-4162-2C98-EBF339771F8F}"/>
+              </a:ext>
+            </a:extLst>
+          </p:cNvPr>
+          <p:cNvCxnSpPr>
+            <a:stCxn id="8" idx="1"/>
+            <a:endCxn id="7" idx="1"/>
+          </p:cNvCxnSpPr>
+          <p:nvPr/>
+        </p:nvCxnSpPr>
+        <p:spPr>
+          <a:xfrm rot="10800000" flipV="1">
+            <a:off x="4180000" y="3428338"/>
+            <a:ext cx="12700" cy="1028899"/>
+          </a:xfrm>
+          <a:prstGeom prst="bentConnector3">
+            <a:avLst>
+              <a:gd name="adj1" fmla="val 1800000"/>
+            </a:avLst>
+          </a:prstGeom>
+          <a:ln>
+            <a:tailEnd type="triangle"/>
+          </a:ln>
+        </p:spPr>
+        <p:style>
+          <a:lnRef idx="1">
+            <a:schemeClr val="accent1"/>
+          </a:lnRef>
+          <a:fillRef idx="0">
+            <a:schemeClr val="accent1"/>
+          </a:fillRef>
+          <a:effectRef idx="0">
+            <a:schemeClr val="accent1"/>
+          </a:effectRef>
+          <a:fontRef idx="minor">
+            <a:schemeClr val="tx1"/>
+          </a:fontRef>
+        </p:style>
+      </p:cxnSp>
+      <p:cxnSp>
+        <p:nvCxnSpPr>
+          <p:cNvPr id="37" name="Connector: Elbow 36">
+            <a:extLst>
+              <a:ext uri="{FF2B5EF4-FFF2-40B4-BE49-F238E27FC236}">
+                <a16:creationId xmlns:a16="http://schemas.microsoft.com/office/drawing/2014/main" id="{7C6C6CCD-D1F5-B80D-450A-1E21EC7BAA66}"/>
+              </a:ext>
+            </a:extLst>
+          </p:cNvPr>
+          <p:cNvCxnSpPr>
+            <a:stCxn id="8" idx="1"/>
+            <a:endCxn id="6" idx="1"/>
+          </p:cNvCxnSpPr>
+          <p:nvPr/>
+        </p:nvCxnSpPr>
+        <p:spPr>
+          <a:xfrm rot="10800000" flipV="1">
+            <a:off x="4180000" y="3428338"/>
+            <a:ext cx="12700" cy="1782947"/>
+          </a:xfrm>
+          <a:prstGeom prst="bentConnector3">
+            <a:avLst>
+              <a:gd name="adj1" fmla="val 1800000"/>
+            </a:avLst>
+          </a:prstGeom>
+          <a:ln>
+            <a:tailEnd type="triangle"/>
+          </a:ln>
+        </p:spPr>
+        <p:style>
+          <a:lnRef idx="1">
+            <a:schemeClr val="accent1"/>
+          </a:lnRef>
+          <a:fillRef idx="0">
+            <a:schemeClr val="accent1"/>
+          </a:fillRef>
+          <a:effectRef idx="0">
+            <a:schemeClr val="accent1"/>
+          </a:effectRef>
+          <a:fontRef idx="minor">
+            <a:schemeClr val="tx1"/>
+          </a:fontRef>
+        </p:style>
+      </p:cxnSp>
+      <p:cxnSp>
+        <p:nvCxnSpPr>
+          <p:cNvPr id="39" name="Connector: Elbow 38">
+            <a:extLst>
+              <a:ext uri="{FF2B5EF4-FFF2-40B4-BE49-F238E27FC236}">
+                <a16:creationId xmlns:a16="http://schemas.microsoft.com/office/drawing/2014/main" id="{14BD1EE5-53E1-3E51-D057-2A51AD843542}"/>
+              </a:ext>
+            </a:extLst>
+          </p:cNvPr>
+          <p:cNvCxnSpPr>
+            <a:stCxn id="8" idx="1"/>
+            <a:endCxn id="9" idx="1"/>
+          </p:cNvCxnSpPr>
+          <p:nvPr/>
+        </p:nvCxnSpPr>
+        <p:spPr>
+          <a:xfrm rot="10800000" flipV="1">
+            <a:off x="4180000" y="3428338"/>
+            <a:ext cx="1" cy="2810523"/>
+          </a:xfrm>
+          <a:prstGeom prst="bentConnector3">
+            <a:avLst>
+              <a:gd name="adj1" fmla="val 22860100000"/>
+            </a:avLst>
+          </a:prstGeom>
+          <a:ln>
+            <a:tailEnd type="triangle"/>
+          </a:ln>
+        </p:spPr>
+        <p:style>
+          <a:lnRef idx="1">
+            <a:schemeClr val="accent1"/>
+          </a:lnRef>
+          <a:fillRef idx="0">
+            <a:schemeClr val="accent1"/>
+          </a:fillRef>
+          <a:effectRef idx="0">
+            <a:schemeClr val="accent1"/>
+          </a:effectRef>
+          <a:fontRef idx="minor">
+            <a:schemeClr val="tx1"/>
+          </a:fontRef>
+        </p:style>
+      </p:cxnSp>
+      <p:cxnSp>
+        <p:nvCxnSpPr>
+          <p:cNvPr id="41" name="Connector: Elbow 40">
+            <a:extLst>
+              <a:ext uri="{FF2B5EF4-FFF2-40B4-BE49-F238E27FC236}">
+                <a16:creationId xmlns:a16="http://schemas.microsoft.com/office/drawing/2014/main" id="{A260E3C6-BCB2-FD30-6C21-FDEA2E4C066F}"/>
+              </a:ext>
+            </a:extLst>
+          </p:cNvPr>
+          <p:cNvCxnSpPr>
+            <a:stCxn id="3" idx="3"/>
+          </p:cNvCxnSpPr>
+          <p:nvPr/>
+        </p:nvCxnSpPr>
+        <p:spPr>
+          <a:xfrm flipV="1">
+            <a:off x="5084063" y="817880"/>
+            <a:ext cx="290104" cy="74787"/>
+          </a:xfrm>
+          <a:prstGeom prst="bentConnector3">
+            <a:avLst/>
+          </a:prstGeom>
+          <a:ln>
+            <a:tailEnd type="triangle"/>
+          </a:ln>
+        </p:spPr>
+        <p:style>
+          <a:lnRef idx="1">
+            <a:schemeClr val="accent1"/>
+          </a:lnRef>
+          <a:fillRef idx="0">
+            <a:schemeClr val="accent1"/>
+          </a:fillRef>
+          <a:effectRef idx="0">
+            <a:schemeClr val="accent1"/>
+          </a:effectRef>
+          <a:fontRef idx="minor">
+            <a:schemeClr val="tx1"/>
+          </a:fontRef>
+        </p:style>
+      </p:cxnSp>
+      <p:cxnSp>
+        <p:nvCxnSpPr>
+          <p:cNvPr id="43" name="Connector: Elbow 42">
+            <a:extLst>
+              <a:ext uri="{FF2B5EF4-FFF2-40B4-BE49-F238E27FC236}">
+                <a16:creationId xmlns:a16="http://schemas.microsoft.com/office/drawing/2014/main" id="{2973CD11-1B74-6F41-8825-4D48CAD1C18E}"/>
+              </a:ext>
+            </a:extLst>
+          </p:cNvPr>
+          <p:cNvCxnSpPr>
+            <a:stCxn id="4" idx="3"/>
+          </p:cNvCxnSpPr>
+          <p:nvPr/>
+        </p:nvCxnSpPr>
+        <p:spPr>
+          <a:xfrm>
+            <a:off x="5084063" y="1646715"/>
+            <a:ext cx="290104" cy="65245"/>
+          </a:xfrm>
+          <a:prstGeom prst="bentConnector3">
+            <a:avLst/>
+          </a:prstGeom>
+          <a:ln>
+            <a:tailEnd type="triangle"/>
+          </a:ln>
+        </p:spPr>
+        <p:style>
+          <a:lnRef idx="1">
+            <a:schemeClr val="accent1"/>
+          </a:lnRef>
+          <a:fillRef idx="0">
+            <a:schemeClr val="accent1"/>
+          </a:fillRef>
+          <a:effectRef idx="0">
+            <a:schemeClr val="accent1"/>
+          </a:effectRef>
+          <a:fontRef idx="minor">
+            <a:schemeClr val="tx1"/>
+          </a:fontRef>
+        </p:style>
+      </p:cxnSp>
+      <p:cxnSp>
+        <p:nvCxnSpPr>
+          <p:cNvPr id="49" name="Straight Arrow Connector 48">
+            <a:extLst>
+              <a:ext uri="{FF2B5EF4-FFF2-40B4-BE49-F238E27FC236}">
+                <a16:creationId xmlns:a16="http://schemas.microsoft.com/office/drawing/2014/main" id="{7A2D6CBD-B2ED-5967-5508-965EE7C3C911}"/>
+              </a:ext>
+            </a:extLst>
+          </p:cNvPr>
+          <p:cNvCxnSpPr>
+            <a:endCxn id="3" idx="0"/>
+          </p:cNvCxnSpPr>
+          <p:nvPr/>
+        </p:nvCxnSpPr>
+        <p:spPr>
+          <a:xfrm flipH="1">
+            <a:off x="4632032" y="375920"/>
+            <a:ext cx="928" cy="325120"/>
+          </a:xfrm>
+          <a:prstGeom prst="straightConnector1">
+            <a:avLst/>
+          </a:prstGeom>
+          <a:ln>
+            <a:tailEnd type="triangle"/>
+          </a:ln>
+        </p:spPr>
+        <p:style>
+          <a:lnRef idx="1">
+            <a:schemeClr val="accent1"/>
+          </a:lnRef>
+          <a:fillRef idx="0">
+            <a:schemeClr val="accent1"/>
+          </a:fillRef>
+          <a:effectRef idx="0">
+            <a:schemeClr val="accent1"/>
+          </a:effectRef>
+          <a:fontRef idx="minor">
+            <a:schemeClr val="tx1"/>
+          </a:fontRef>
+        </p:style>
+      </p:cxnSp>
+      <p:cxnSp>
+        <p:nvCxnSpPr>
+          <p:cNvPr id="51" name="Connector: Elbow 50">
+            <a:extLst>
+              <a:ext uri="{FF2B5EF4-FFF2-40B4-BE49-F238E27FC236}">
+                <a16:creationId xmlns:a16="http://schemas.microsoft.com/office/drawing/2014/main" id="{3C49E081-0948-BA3B-F05A-12ADFFC8A734}"/>
+              </a:ext>
+            </a:extLst>
+          </p:cNvPr>
+          <p:cNvCxnSpPr/>
+          <p:nvPr/>
+        </p:nvCxnSpPr>
+        <p:spPr>
+          <a:xfrm rot="10800000">
+            <a:off x="4632032" y="375920"/>
+            <a:ext cx="1787818" cy="889000"/>
+          </a:xfrm>
+          <a:prstGeom prst="bentConnector3">
+            <a:avLst>
+              <a:gd name="adj1" fmla="val -12796"/>
+            </a:avLst>
+          </a:prstGeom>
+        </p:spPr>
+        <p:style>
+          <a:lnRef idx="1">
+            <a:schemeClr val="accent1"/>
+          </a:lnRef>
+          <a:fillRef idx="0">
+            <a:schemeClr val="accent1"/>
+          </a:fillRef>
+          <a:effectRef idx="0">
+            <a:schemeClr val="accent1"/>
+          </a:effectRef>
+          <a:fontRef idx="minor">
+            <a:schemeClr val="tx1"/>
+          </a:fontRef>
+        </p:style>
+      </p:cxnSp>
+      <p:sp>
+        <p:nvSpPr>
+          <p:cNvPr id="54" name="Arrow: Left-Right 53">
+            <a:extLst>
+              <a:ext uri="{FF2B5EF4-FFF2-40B4-BE49-F238E27FC236}">
+                <a16:creationId xmlns:a16="http://schemas.microsoft.com/office/drawing/2014/main" id="{B0EB86E2-91AA-8517-B556-484156341E2D}"/>
+              </a:ext>
+            </a:extLst>
+          </p:cNvPr>
+          <p:cNvSpPr/>
+          <p:nvPr/>
+        </p:nvSpPr>
+        <p:spPr>
+          <a:xfrm rot="16200000">
+            <a:off x="285126" y="3246795"/>
+            <a:ext cx="6329420" cy="581661"/>
+          </a:xfrm>
+          <a:prstGeom prst="leftRightArrow">
+            <a:avLst/>
+          </a:prstGeom>
+        </p:spPr>
+        <p:style>
+          <a:lnRef idx="1">
+            <a:schemeClr val="accent1"/>
+          </a:lnRef>
+          <a:fillRef idx="2">
+            <a:schemeClr val="accent1"/>
+          </a:fillRef>
+          <a:effectRef idx="1">
+            <a:schemeClr val="accent1"/>
+          </a:effectRef>
+          <a:fontRef idx="minor">
+            <a:schemeClr val="dk1"/>
+          </a:fontRef>
+        </p:style>
+        <p:txBody>
+          <a:bodyPr rtlCol="0" anchor="ctr"/>
+          <a:lstStyle/>
+          <a:p>
+            <a:pPr algn="ctr"/>
+            <a:r>
+              <a:rPr lang="en-US" dirty="0"/>
+              <a:t>DATA BUS 8bit</a:t>
+            </a:r>
+            <a:endParaRPr lang="en-IN" dirty="0"/>
+          </a:p>
+        </p:txBody>
+      </p:sp>
+      <p:sp>
+        <p:nvSpPr>
+          <p:cNvPr id="56" name="Arrow: Left 55">
+            <a:extLst>
+              <a:ext uri="{FF2B5EF4-FFF2-40B4-BE49-F238E27FC236}">
+                <a16:creationId xmlns:a16="http://schemas.microsoft.com/office/drawing/2014/main" id="{1E7161E7-9D61-39BA-7532-43F4CDD84606}"/>
+              </a:ext>
+            </a:extLst>
+          </p:cNvPr>
+          <p:cNvSpPr/>
+          <p:nvPr/>
+        </p:nvSpPr>
+        <p:spPr>
+          <a:xfrm rot="16200000">
+            <a:off x="5167096" y="5193192"/>
+            <a:ext cx="2438048" cy="580240"/>
+          </a:xfrm>
+          <a:prstGeom prst="leftArrow">
+            <a:avLst/>
+          </a:prstGeom>
+        </p:spPr>
+        <p:style>
+          <a:lnRef idx="1">
+            <a:schemeClr val="accent1"/>
+          </a:lnRef>
+          <a:fillRef idx="2">
+            <a:schemeClr val="accent1"/>
+          </a:fillRef>
+          <a:effectRef idx="1">
+            <a:schemeClr val="accent1"/>
+          </a:effectRef>
+          <a:fontRef idx="minor">
+            <a:schemeClr val="dk1"/>
+          </a:fontRef>
+        </p:style>
+        <p:txBody>
+          <a:bodyPr rtlCol="0" anchor="ctr"/>
+          <a:lstStyle/>
+          <a:p>
+            <a:pPr algn="ctr"/>
+            <a:r>
+              <a:rPr lang="en-US" dirty="0"/>
+              <a:t>ADDR BUS 8bit</a:t>
+            </a:r>
+            <a:endParaRPr lang="en-IN" dirty="0"/>
+          </a:p>
+        </p:txBody>
+      </p:sp>
+      <p:cxnSp>
+        <p:nvCxnSpPr>
+          <p:cNvPr id="58" name="Straight Arrow Connector 57">
+            <a:extLst>
+              <a:ext uri="{FF2B5EF4-FFF2-40B4-BE49-F238E27FC236}">
+                <a16:creationId xmlns:a16="http://schemas.microsoft.com/office/drawing/2014/main" id="{798182A9-846B-8065-C9AE-DAB4EFDAABFD}"/>
+              </a:ext>
+            </a:extLst>
+          </p:cNvPr>
+          <p:cNvCxnSpPr/>
+          <p:nvPr/>
+        </p:nvCxnSpPr>
+        <p:spPr>
+          <a:xfrm>
+            <a:off x="3596352" y="798002"/>
+            <a:ext cx="596348" cy="0"/>
+          </a:xfrm>
+          <a:prstGeom prst="straightConnector1">
+            <a:avLst/>
+          </a:prstGeom>
+          <a:ln>
+            <a:headEnd type="triangle"/>
+            <a:tailEnd type="triangle"/>
+          </a:ln>
+        </p:spPr>
+        <p:style>
+          <a:lnRef idx="1">
+            <a:schemeClr val="accent1"/>
+          </a:lnRef>
+          <a:fillRef idx="0">
+            <a:schemeClr val="accent1"/>
+          </a:fillRef>
+          <a:effectRef idx="0">
+            <a:schemeClr val="accent1"/>
+          </a:effectRef>
+          <a:fontRef idx="minor">
+            <a:schemeClr val="tx1"/>
+          </a:fontRef>
+        </p:style>
+      </p:cxnSp>
+      <p:cxnSp>
+        <p:nvCxnSpPr>
+          <p:cNvPr id="59" name="Straight Arrow Connector 58">
+            <a:extLst>
+              <a:ext uri="{FF2B5EF4-FFF2-40B4-BE49-F238E27FC236}">
+                <a16:creationId xmlns:a16="http://schemas.microsoft.com/office/drawing/2014/main" id="{03732787-7200-87D0-5BC2-24C74514C31D}"/>
+              </a:ext>
+            </a:extLst>
+          </p:cNvPr>
+          <p:cNvCxnSpPr/>
+          <p:nvPr/>
+        </p:nvCxnSpPr>
+        <p:spPr>
+          <a:xfrm>
+            <a:off x="3602978" y="1560002"/>
+            <a:ext cx="596348" cy="0"/>
+          </a:xfrm>
+          <a:prstGeom prst="straightConnector1">
+            <a:avLst/>
+          </a:prstGeom>
+          <a:ln>
+            <a:headEnd type="triangle"/>
+            <a:tailEnd type="triangle"/>
+          </a:ln>
+        </p:spPr>
+        <p:style>
+          <a:lnRef idx="1">
+            <a:schemeClr val="accent1"/>
+          </a:lnRef>
+          <a:fillRef idx="0">
+            <a:schemeClr val="accent1"/>
+          </a:fillRef>
+          <a:effectRef idx="0">
+            <a:schemeClr val="accent1"/>
+          </a:effectRef>
+          <a:fontRef idx="minor">
+            <a:schemeClr val="tx1"/>
+          </a:fontRef>
+        </p:style>
+      </p:cxnSp>
+      <p:cxnSp>
+        <p:nvCxnSpPr>
+          <p:cNvPr id="60" name="Straight Arrow Connector 59">
+            <a:extLst>
+              <a:ext uri="{FF2B5EF4-FFF2-40B4-BE49-F238E27FC236}">
+                <a16:creationId xmlns:a16="http://schemas.microsoft.com/office/drawing/2014/main" id="{B4038CDE-B763-A396-3CB9-0B3B6ECB125C}"/>
+              </a:ext>
+            </a:extLst>
+          </p:cNvPr>
+          <p:cNvCxnSpPr/>
+          <p:nvPr/>
+        </p:nvCxnSpPr>
+        <p:spPr>
+          <a:xfrm>
+            <a:off x="3580028" y="2275619"/>
+            <a:ext cx="596348" cy="0"/>
+          </a:xfrm>
+          <a:prstGeom prst="straightConnector1">
+            <a:avLst/>
+          </a:prstGeom>
+          <a:ln>
+            <a:headEnd type="triangle"/>
+            <a:tailEnd type="triangle"/>
+          </a:ln>
+        </p:spPr>
+        <p:style>
+          <a:lnRef idx="1">
+            <a:schemeClr val="accent1"/>
+          </a:lnRef>
+          <a:fillRef idx="0">
+            <a:schemeClr val="accent1"/>
+          </a:fillRef>
+          <a:effectRef idx="0">
+            <a:schemeClr val="accent1"/>
+          </a:effectRef>
+          <a:fontRef idx="minor">
+            <a:schemeClr val="tx1"/>
+          </a:fontRef>
+        </p:style>
+      </p:cxnSp>
+      <p:cxnSp>
+        <p:nvCxnSpPr>
+          <p:cNvPr id="61" name="Straight Arrow Connector 60">
+            <a:extLst>
+              <a:ext uri="{FF2B5EF4-FFF2-40B4-BE49-F238E27FC236}">
+                <a16:creationId xmlns:a16="http://schemas.microsoft.com/office/drawing/2014/main" id="{FF8BB1B2-60C7-1C6B-20BE-C8FDBA9B284F}"/>
+              </a:ext>
+            </a:extLst>
+          </p:cNvPr>
+          <p:cNvCxnSpPr/>
+          <p:nvPr/>
+        </p:nvCxnSpPr>
+        <p:spPr>
+          <a:xfrm>
+            <a:off x="3580028" y="4329309"/>
+            <a:ext cx="596348" cy="0"/>
+          </a:xfrm>
+          <a:prstGeom prst="straightConnector1">
+            <a:avLst/>
+          </a:prstGeom>
+          <a:ln>
+            <a:headEnd type="triangle"/>
+            <a:tailEnd type="triangle"/>
+          </a:ln>
+        </p:spPr>
+        <p:style>
+          <a:lnRef idx="1">
+            <a:schemeClr val="accent1"/>
+          </a:lnRef>
+          <a:fillRef idx="0">
+            <a:schemeClr val="accent1"/>
+          </a:fillRef>
+          <a:effectRef idx="0">
+            <a:schemeClr val="accent1"/>
+          </a:effectRef>
+          <a:fontRef idx="minor">
+            <a:schemeClr val="tx1"/>
+          </a:fontRef>
+        </p:style>
+      </p:cxnSp>
+      <p:cxnSp>
+        <p:nvCxnSpPr>
+          <p:cNvPr id="62" name="Straight Arrow Connector 61">
+            <a:extLst>
+              <a:ext uri="{FF2B5EF4-FFF2-40B4-BE49-F238E27FC236}">
+                <a16:creationId xmlns:a16="http://schemas.microsoft.com/office/drawing/2014/main" id="{8A2DB419-4885-248D-A99A-928E51EFB0F4}"/>
+              </a:ext>
+            </a:extLst>
+          </p:cNvPr>
+          <p:cNvCxnSpPr/>
+          <p:nvPr/>
+        </p:nvCxnSpPr>
+        <p:spPr>
+          <a:xfrm>
+            <a:off x="3580028" y="5115472"/>
+            <a:ext cx="596348" cy="0"/>
+          </a:xfrm>
+          <a:prstGeom prst="straightConnector1">
+            <a:avLst/>
+          </a:prstGeom>
+          <a:ln>
+            <a:headEnd type="triangle"/>
+            <a:tailEnd type="triangle"/>
+          </a:ln>
+        </p:spPr>
+        <p:style>
+          <a:lnRef idx="1">
+            <a:schemeClr val="accent1"/>
+          </a:lnRef>
+          <a:fillRef idx="0">
+            <a:schemeClr val="accent1"/>
+          </a:fillRef>
+          <a:effectRef idx="0">
+            <a:schemeClr val="accent1"/>
+          </a:effectRef>
+          <a:fontRef idx="minor">
+            <a:schemeClr val="tx1"/>
+          </a:fontRef>
+        </p:style>
+      </p:cxnSp>
+      <p:cxnSp>
+        <p:nvCxnSpPr>
+          <p:cNvPr id="63" name="Straight Arrow Connector 62">
+            <a:extLst>
+              <a:ext uri="{FF2B5EF4-FFF2-40B4-BE49-F238E27FC236}">
+                <a16:creationId xmlns:a16="http://schemas.microsoft.com/office/drawing/2014/main" id="{E4603A9B-0EB9-E470-2AA9-64A026C51CEF}"/>
+              </a:ext>
+            </a:extLst>
+          </p:cNvPr>
+          <p:cNvCxnSpPr/>
+          <p:nvPr/>
+        </p:nvCxnSpPr>
+        <p:spPr>
+          <a:xfrm>
+            <a:off x="3596352" y="6070600"/>
+            <a:ext cx="596348" cy="0"/>
+          </a:xfrm>
+          <a:prstGeom prst="straightConnector1">
+            <a:avLst/>
+          </a:prstGeom>
+          <a:ln>
+            <a:headEnd type="triangle"/>
+            <a:tailEnd type="triangle"/>
+          </a:ln>
+        </p:spPr>
+        <p:style>
+          <a:lnRef idx="1">
+            <a:schemeClr val="accent1"/>
+          </a:lnRef>
+          <a:fillRef idx="0">
+            <a:schemeClr val="accent1"/>
+          </a:fillRef>
+          <a:effectRef idx="0">
+            <a:schemeClr val="accent1"/>
+          </a:effectRef>
+          <a:fontRef idx="minor">
+            <a:schemeClr val="tx1"/>
+          </a:fontRef>
+        </p:style>
+      </p:cxnSp>
+      <p:cxnSp>
+        <p:nvCxnSpPr>
+          <p:cNvPr id="65" name="Connector: Elbow 64">
+            <a:extLst>
+              <a:ext uri="{FF2B5EF4-FFF2-40B4-BE49-F238E27FC236}">
+                <a16:creationId xmlns:a16="http://schemas.microsoft.com/office/drawing/2014/main" id="{A32EBC00-49E3-89F4-AAC1-1171937CD00F}"/>
+              </a:ext>
+            </a:extLst>
+          </p:cNvPr>
+          <p:cNvCxnSpPr>
+            <a:stCxn id="5" idx="2"/>
+            <a:endCxn id="8" idx="0"/>
+          </p:cNvCxnSpPr>
+          <p:nvPr/>
+        </p:nvCxnSpPr>
+        <p:spPr>
+          <a:xfrm rot="16200000" flipH="1">
+            <a:off x="4635676" y="2588745"/>
+            <a:ext cx="369472" cy="376760"/>
+          </a:xfrm>
+          <a:prstGeom prst="bentConnector3">
+            <a:avLst/>
+          </a:prstGeom>
+          <a:ln>
+            <a:tailEnd type="triangle"/>
+          </a:ln>
+        </p:spPr>
+        <p:style>
+          <a:lnRef idx="1">
+            <a:schemeClr val="accent1"/>
+          </a:lnRef>
+          <a:fillRef idx="0">
+            <a:schemeClr val="accent1"/>
+          </a:fillRef>
+          <a:effectRef idx="0">
+            <a:schemeClr val="accent1"/>
+          </a:effectRef>
+          <a:fontRef idx="minor">
+            <a:schemeClr val="tx1"/>
+          </a:fontRef>
+        </p:style>
+      </p:cxnSp>
+    </p:spTree>
+    <p:extLst>
+      <p:ext uri="{BB962C8B-B14F-4D97-AF65-F5344CB8AC3E}">
+        <p14:creationId xmlns:p14="http://schemas.microsoft.com/office/powerpoint/2010/main" val="125716043"/>
+      </p:ext>
+    </p:extLst>
+  </p:cSld>
+  <p:clrMapOvr>
+    <a:masterClrMapping/>
+  </p:clrMapOvr>
+</p:sld>
+</file>
+
+<file path=ppt/slides/slide15.xml><?xml version="1.0" encoding="utf-8"?>
+<p:sld xmlns:a="http://schemas.openxmlformats.org/drawingml/2006/main" xmlns:r="http://schemas.openxmlformats.org/officeDocument/2006/relationships" xmlns:p="http://schemas.openxmlformats.org/presentationml/2006/main" show="0">
+  <p:cSld>
+    <p:spTree>
+      <p:nvGrpSpPr>
+        <p:cNvPr id="1" name=""/>
+        <p:cNvGrpSpPr/>
+        <p:nvPr/>
+      </p:nvGrpSpPr>
+      <p:grpSpPr>
+        <a:xfrm>
+          <a:off x="0" y="0"/>
+          <a:ext cx="0" cy="0"/>
+          <a:chOff x="0" y="0"/>
+          <a:chExt cx="0" cy="0"/>
+        </a:xfrm>
+      </p:grpSpPr>
+      <p:grpSp>
+        <p:nvGrpSpPr>
+          <p:cNvPr id="53" name="Group 52">
+            <a:extLst>
+              <a:ext uri="{FF2B5EF4-FFF2-40B4-BE49-F238E27FC236}">
+                <a16:creationId xmlns:a16="http://schemas.microsoft.com/office/drawing/2014/main" id="{DE19645B-00D5-E738-9EAB-1057110CBC67}"/>
+              </a:ext>
+            </a:extLst>
+          </p:cNvPr>
+          <p:cNvGrpSpPr/>
+          <p:nvPr/>
+        </p:nvGrpSpPr>
+        <p:grpSpPr>
+          <a:xfrm>
+            <a:off x="2453833" y="1554664"/>
+            <a:ext cx="6332399" cy="3748672"/>
+            <a:chOff x="2453833" y="1554664"/>
+            <a:chExt cx="6332399" cy="3748672"/>
+          </a:xfrm>
+        </p:grpSpPr>
+        <p:sp>
+          <p:nvSpPr>
+            <p:cNvPr id="3" name="Rectangle: Rounded Corners 2">
+              <a:extLst>
+                <a:ext uri="{FF2B5EF4-FFF2-40B4-BE49-F238E27FC236}">
+                  <a16:creationId xmlns:a16="http://schemas.microsoft.com/office/drawing/2014/main" id="{F6F6B86C-17F9-F522-5BB2-C94E17DC5C56}"/>
+                </a:ext>
+              </a:extLst>
+            </p:cNvPr>
+            <p:cNvSpPr/>
+            <p:nvPr/>
+          </p:nvSpPr>
+          <p:spPr>
+            <a:xfrm rot="16200000" flipH="1">
+              <a:off x="2491807" y="2932990"/>
+              <a:ext cx="963551" cy="383252"/>
+            </a:xfrm>
+            <a:prstGeom prst="roundRect">
+              <a:avLst/>
+            </a:prstGeom>
+          </p:spPr>
+          <p:style>
+            <a:lnRef idx="1">
+              <a:schemeClr val="accent1"/>
+            </a:lnRef>
+            <a:fillRef idx="2">
+              <a:schemeClr val="accent1"/>
+            </a:fillRef>
+            <a:effectRef idx="1">
+              <a:schemeClr val="accent1"/>
+            </a:effectRef>
+            <a:fontRef idx="minor">
+              <a:schemeClr val="dk1"/>
+            </a:fontRef>
+          </p:style>
+          <p:txBody>
+            <a:bodyPr rtlCol="0" anchor="ctr">
+              <a:scene3d>
+                <a:camera prst="orthographicFront">
+                  <a:rot lat="0" lon="0" rev="16200000"/>
+                </a:camera>
+                <a:lightRig rig="threePt" dir="t"/>
+              </a:scene3d>
+            </a:bodyPr>
+            <a:lstStyle/>
+            <a:p>
+              <a:pPr algn="ctr"/>
+              <a:r>
+                <a:rPr lang="en-US" dirty="0"/>
+                <a:t>A</a:t>
+              </a:r>
+            </a:p>
+          </p:txBody>
+        </p:sp>
+        <p:sp>
+          <p:nvSpPr>
+            <p:cNvPr id="4" name="Rectangle: Rounded Corners 3">
+              <a:extLst>
+                <a:ext uri="{FF2B5EF4-FFF2-40B4-BE49-F238E27FC236}">
+                  <a16:creationId xmlns:a16="http://schemas.microsoft.com/office/drawing/2014/main" id="{A394AC33-9A83-007D-71FC-64A7371ADA86}"/>
+                </a:ext>
+              </a:extLst>
+            </p:cNvPr>
+            <p:cNvSpPr/>
+            <p:nvPr/>
+          </p:nvSpPr>
+          <p:spPr>
+            <a:xfrm rot="16200000" flipH="1">
+              <a:off x="3245852" y="2932990"/>
+              <a:ext cx="963551" cy="383252"/>
+            </a:xfrm>
+            <a:prstGeom prst="roundRect">
+              <a:avLst/>
+            </a:prstGeom>
+          </p:spPr>
+          <p:style>
+            <a:lnRef idx="1">
+              <a:schemeClr val="accent1"/>
+            </a:lnRef>
+            <a:fillRef idx="2">
+              <a:schemeClr val="accent1"/>
+            </a:fillRef>
+            <a:effectRef idx="1">
+              <a:schemeClr val="accent1"/>
+            </a:effectRef>
+            <a:fontRef idx="minor">
+              <a:schemeClr val="dk1"/>
+            </a:fontRef>
+          </p:style>
+          <p:txBody>
+            <a:bodyPr rtlCol="0" anchor="ctr">
+              <a:scene3d>
+                <a:camera prst="orthographicFront">
+                  <a:rot lat="0" lon="0" rev="16200000"/>
+                </a:camera>
+                <a:lightRig rig="threePt" dir="t"/>
+              </a:scene3d>
+            </a:bodyPr>
+            <a:lstStyle/>
+            <a:p>
+              <a:pPr algn="ctr"/>
+              <a:r>
+                <a:rPr lang="en-US" dirty="0"/>
+                <a:t>B</a:t>
+              </a:r>
+              <a:endParaRPr lang="en-IN" dirty="0"/>
+            </a:p>
+          </p:txBody>
+        </p:sp>
+        <p:sp>
+          <p:nvSpPr>
+            <p:cNvPr id="5" name="Rectangle: Rounded Corners 4">
+              <a:extLst>
+                <a:ext uri="{FF2B5EF4-FFF2-40B4-BE49-F238E27FC236}">
+                  <a16:creationId xmlns:a16="http://schemas.microsoft.com/office/drawing/2014/main" id="{B06EF545-4ED8-6B8C-597F-6C76F87787BB}"/>
+                </a:ext>
+              </a:extLst>
+            </p:cNvPr>
+            <p:cNvSpPr/>
+            <p:nvPr/>
+          </p:nvSpPr>
+          <p:spPr>
+            <a:xfrm rot="16200000" flipH="1">
+              <a:off x="3999897" y="2932990"/>
+              <a:ext cx="963551" cy="383252"/>
+            </a:xfrm>
+            <a:prstGeom prst="roundRect">
+              <a:avLst/>
+            </a:prstGeom>
+          </p:spPr>
+          <p:style>
+            <a:lnRef idx="1">
+              <a:schemeClr val="accent1"/>
+            </a:lnRef>
+            <a:fillRef idx="2">
+              <a:schemeClr val="accent1"/>
+            </a:fillRef>
+            <a:effectRef idx="1">
+              <a:schemeClr val="accent1"/>
+            </a:effectRef>
+            <a:fontRef idx="minor">
+              <a:schemeClr val="dk1"/>
+            </a:fontRef>
+          </p:style>
+          <p:txBody>
+            <a:bodyPr rtlCol="0" anchor="ctr">
+              <a:scene3d>
+                <a:camera prst="orthographicFront">
+                  <a:rot lat="0" lon="0" rev="16200000"/>
+                </a:camera>
+                <a:lightRig rig="threePt" dir="t"/>
+              </a:scene3d>
+            </a:bodyPr>
+            <a:lstStyle/>
+            <a:p>
+              <a:pPr algn="ctr"/>
+              <a:r>
+                <a:rPr lang="en-US" dirty="0"/>
+                <a:t>IR</a:t>
+              </a:r>
+              <a:endParaRPr lang="en-IN" dirty="0"/>
+            </a:p>
+          </p:txBody>
+        </p:sp>
+        <p:sp>
+          <p:nvSpPr>
+            <p:cNvPr id="6" name="Rectangle: Rounded Corners 5">
+              <a:extLst>
+                <a:ext uri="{FF2B5EF4-FFF2-40B4-BE49-F238E27FC236}">
+                  <a16:creationId xmlns:a16="http://schemas.microsoft.com/office/drawing/2014/main" id="{823D34CC-3F10-5EED-2703-F077A72CC35C}"/>
+                </a:ext>
+              </a:extLst>
+            </p:cNvPr>
+            <p:cNvSpPr/>
+            <p:nvPr/>
+          </p:nvSpPr>
+          <p:spPr>
+            <a:xfrm rot="16200000" flipH="1">
+              <a:off x="6810409" y="2932990"/>
+              <a:ext cx="963551" cy="383252"/>
+            </a:xfrm>
+            <a:prstGeom prst="roundRect">
+              <a:avLst/>
+            </a:prstGeom>
+          </p:spPr>
+          <p:style>
+            <a:lnRef idx="1">
+              <a:schemeClr val="accent1"/>
+            </a:lnRef>
+            <a:fillRef idx="2">
+              <a:schemeClr val="accent1"/>
+            </a:fillRef>
+            <a:effectRef idx="1">
+              <a:schemeClr val="accent1"/>
+            </a:effectRef>
+            <a:fontRef idx="minor">
+              <a:schemeClr val="dk1"/>
+            </a:fontRef>
+          </p:style>
+          <p:txBody>
+            <a:bodyPr rtlCol="0" anchor="ctr">
+              <a:scene3d>
+                <a:camera prst="orthographicFront">
+                  <a:rot lat="0" lon="0" rev="16200000"/>
+                </a:camera>
+                <a:lightRig rig="threePt" dir="t"/>
+              </a:scene3d>
+            </a:bodyPr>
+            <a:lstStyle/>
+            <a:p>
+              <a:pPr algn="ctr"/>
+              <a:r>
+                <a:rPr lang="en-US" dirty="0"/>
+                <a:t>PC</a:t>
+              </a:r>
+              <a:endParaRPr lang="en-IN" dirty="0"/>
+            </a:p>
+          </p:txBody>
+        </p:sp>
+        <p:sp>
+          <p:nvSpPr>
+            <p:cNvPr id="7" name="Rectangle: Rounded Corners 6">
+              <a:extLst>
+                <a:ext uri="{FF2B5EF4-FFF2-40B4-BE49-F238E27FC236}">
+                  <a16:creationId xmlns:a16="http://schemas.microsoft.com/office/drawing/2014/main" id="{D2933599-3F8D-1F57-8B37-A037C9673461}"/>
+                </a:ext>
+              </a:extLst>
+            </p:cNvPr>
+            <p:cNvSpPr/>
+            <p:nvPr/>
+          </p:nvSpPr>
+          <p:spPr>
+            <a:xfrm rot="16200000" flipH="1">
+              <a:off x="6056364" y="2932990"/>
+              <a:ext cx="963551" cy="383252"/>
+            </a:xfrm>
+            <a:prstGeom prst="roundRect">
+              <a:avLst/>
+            </a:prstGeom>
+          </p:spPr>
+          <p:style>
+            <a:lnRef idx="1">
+              <a:schemeClr val="accent1"/>
+            </a:lnRef>
+            <a:fillRef idx="2">
+              <a:schemeClr val="accent1"/>
+            </a:fillRef>
+            <a:effectRef idx="1">
+              <a:schemeClr val="accent1"/>
+            </a:effectRef>
+            <a:fontRef idx="minor">
+              <a:schemeClr val="dk1"/>
+            </a:fontRef>
+          </p:style>
+          <p:txBody>
+            <a:bodyPr rtlCol="0" anchor="ctr">
+              <a:scene3d>
+                <a:camera prst="orthographicFront">
+                  <a:rot lat="0" lon="0" rev="16200000"/>
+                </a:camera>
+                <a:lightRig rig="threePt" dir="t"/>
+              </a:scene3d>
+            </a:bodyPr>
+            <a:lstStyle/>
+            <a:p>
+              <a:pPr algn="ctr"/>
+              <a:r>
+                <a:rPr lang="en-US" dirty="0"/>
+                <a:t>AR</a:t>
+              </a:r>
+              <a:endParaRPr lang="en-IN" dirty="0"/>
+            </a:p>
+          </p:txBody>
+        </p:sp>
+        <p:sp>
+          <p:nvSpPr>
+            <p:cNvPr id="8" name="Rectangle 7">
+              <a:extLst>
+                <a:ext uri="{FF2B5EF4-FFF2-40B4-BE49-F238E27FC236}">
+                  <a16:creationId xmlns:a16="http://schemas.microsoft.com/office/drawing/2014/main" id="{681A063F-32A3-2514-7BB0-31553B06AE2F}"/>
+                </a:ext>
+              </a:extLst>
+            </p:cNvPr>
+            <p:cNvSpPr/>
+            <p:nvPr/>
+          </p:nvSpPr>
+          <p:spPr>
+            <a:xfrm rot="16200000" flipH="1">
+              <a:off x="4625918" y="3059692"/>
+              <a:ext cx="1766654" cy="932951"/>
+            </a:xfrm>
+            <a:prstGeom prst="rect">
+              <a:avLst/>
+            </a:prstGeom>
+          </p:spPr>
+          <p:style>
+            <a:lnRef idx="1">
+              <a:schemeClr val="accent1"/>
+            </a:lnRef>
+            <a:fillRef idx="2">
+              <a:schemeClr val="accent1"/>
+            </a:fillRef>
+            <a:effectRef idx="1">
+              <a:schemeClr val="accent1"/>
+            </a:effectRef>
+            <a:fontRef idx="minor">
+              <a:schemeClr val="dk1"/>
+            </a:fontRef>
+          </p:style>
+          <p:txBody>
+            <a:bodyPr rtlCol="0" anchor="ctr">
+              <a:scene3d>
+                <a:camera prst="orthographicFront">
+                  <a:rot lat="0" lon="0" rev="16200000"/>
+                </a:camera>
+                <a:lightRig rig="threePt" dir="t"/>
+              </a:scene3d>
+            </a:bodyPr>
+            <a:lstStyle/>
+            <a:p>
+              <a:pPr algn="ctr"/>
+              <a:r>
+                <a:rPr lang="en-US" dirty="0"/>
+                <a:t>Control </a:t>
+              </a:r>
+            </a:p>
+            <a:p>
+              <a:pPr algn="ctr"/>
+              <a:r>
+                <a:rPr lang="en-US" dirty="0"/>
+                <a:t>Unit</a:t>
+              </a:r>
+              <a:endParaRPr lang="en-IN" dirty="0"/>
+            </a:p>
+          </p:txBody>
+        </p:sp>
+        <p:sp>
+          <p:nvSpPr>
+            <p:cNvPr id="9" name="Rectangle 8">
+              <a:extLst>
+                <a:ext uri="{FF2B5EF4-FFF2-40B4-BE49-F238E27FC236}">
+                  <a16:creationId xmlns:a16="http://schemas.microsoft.com/office/drawing/2014/main" id="{845BAA6F-0744-8F61-69CB-7A69ED7EAD21}"/>
+                </a:ext>
+              </a:extLst>
+            </p:cNvPr>
+            <p:cNvSpPr/>
+            <p:nvPr/>
+          </p:nvSpPr>
+          <p:spPr>
+            <a:xfrm rot="16200000" flipH="1">
+              <a:off x="7436430" y="3059691"/>
+              <a:ext cx="1766654" cy="932951"/>
+            </a:xfrm>
+            <a:prstGeom prst="rect">
+              <a:avLst/>
+            </a:prstGeom>
+          </p:spPr>
+          <p:style>
+            <a:lnRef idx="1">
+              <a:schemeClr val="accent1"/>
+            </a:lnRef>
+            <a:fillRef idx="2">
+              <a:schemeClr val="accent1"/>
+            </a:fillRef>
+            <a:effectRef idx="1">
+              <a:schemeClr val="accent1"/>
+            </a:effectRef>
+            <a:fontRef idx="minor">
+              <a:schemeClr val="dk1"/>
+            </a:fontRef>
+          </p:style>
+          <p:txBody>
+            <a:bodyPr rtlCol="0" anchor="ctr">
+              <a:scene3d>
+                <a:camera prst="orthographicFront">
+                  <a:rot lat="0" lon="0" rev="16200000"/>
+                </a:camera>
+                <a:lightRig rig="threePt" dir="t"/>
+              </a:scene3d>
+            </a:bodyPr>
+            <a:lstStyle/>
+            <a:p>
+              <a:pPr algn="ctr"/>
+              <a:r>
+                <a:rPr lang="en-US" dirty="0"/>
+                <a:t>RAM</a:t>
+              </a:r>
+            </a:p>
+            <a:p>
+              <a:pPr algn="ctr"/>
+              <a:r>
+                <a:rPr lang="en-US" dirty="0"/>
+                <a:t>256X8</a:t>
+              </a:r>
+              <a:endParaRPr lang="en-IN" dirty="0"/>
+            </a:p>
+          </p:txBody>
+        </p:sp>
+        <p:sp>
+          <p:nvSpPr>
+            <p:cNvPr id="11" name="Trapezoid 10">
+              <a:extLst>
+                <a:ext uri="{FF2B5EF4-FFF2-40B4-BE49-F238E27FC236}">
+                  <a16:creationId xmlns:a16="http://schemas.microsoft.com/office/drawing/2014/main" id="{B3BE8204-06D8-ED1A-677C-6A2826CD8D69}"/>
+                </a:ext>
+              </a:extLst>
+            </p:cNvPr>
+            <p:cNvSpPr/>
+            <p:nvPr/>
+          </p:nvSpPr>
+          <p:spPr>
+            <a:xfrm rot="10800000" flipH="1">
+              <a:off x="6345191" y="3964846"/>
+              <a:ext cx="1138620" cy="444647"/>
+            </a:xfrm>
+            <a:prstGeom prst="trapezoid">
+              <a:avLst>
+                <a:gd name="adj" fmla="val 55137"/>
+              </a:avLst>
+            </a:prstGeom>
+          </p:spPr>
+          <p:style>
+            <a:lnRef idx="1">
+              <a:schemeClr val="accent1"/>
+            </a:lnRef>
+            <a:fillRef idx="2">
+              <a:schemeClr val="accent1"/>
+            </a:fillRef>
+            <a:effectRef idx="1">
+              <a:schemeClr val="accent1"/>
+            </a:effectRef>
+            <a:fontRef idx="minor">
+              <a:schemeClr val="dk1"/>
+            </a:fontRef>
+          </p:style>
+          <p:txBody>
+            <a:bodyPr rtlCol="0" anchor="ctr"/>
+            <a:lstStyle/>
+            <a:p>
+              <a:pPr algn="ctr"/>
+              <a:endParaRPr lang="en-IN"/>
+            </a:p>
+          </p:txBody>
+        </p:sp>
+        <p:sp>
+          <p:nvSpPr>
+            <p:cNvPr id="12" name="Heptagon 11">
+              <a:extLst>
+                <a:ext uri="{FF2B5EF4-FFF2-40B4-BE49-F238E27FC236}">
+                  <a16:creationId xmlns:a16="http://schemas.microsoft.com/office/drawing/2014/main" id="{65AD053B-FC73-AEEE-FE50-7B7A145A83CD}"/>
+                </a:ext>
+              </a:extLst>
+            </p:cNvPr>
+            <p:cNvSpPr/>
+            <p:nvPr/>
+          </p:nvSpPr>
+          <p:spPr>
+            <a:xfrm rot="16200000" flipH="1">
+              <a:off x="2782112" y="3774460"/>
+              <a:ext cx="1114490" cy="1396740"/>
+            </a:xfrm>
+            <a:custGeom>
+              <a:avLst/>
+              <a:gdLst>
+                <a:gd name="connsiteX0" fmla="*/ -4 w 1405890"/>
+                <a:gd name="connsiteY0" fmla="*/ 803678 h 1249680"/>
+                <a:gd name="connsiteX1" fmla="*/ 139226 w 1405890"/>
+                <a:gd name="connsiteY1" fmla="*/ 247515 h 1249680"/>
+                <a:gd name="connsiteX2" fmla="*/ 702945 w 1405890"/>
+                <a:gd name="connsiteY2" fmla="*/ 0 h 1249680"/>
+                <a:gd name="connsiteX3" fmla="*/ 1266664 w 1405890"/>
+                <a:gd name="connsiteY3" fmla="*/ 247515 h 1249680"/>
+                <a:gd name="connsiteX4" fmla="*/ 1405894 w 1405890"/>
+                <a:gd name="connsiteY4" fmla="*/ 803678 h 1249680"/>
+                <a:gd name="connsiteX5" fmla="*/ 1015783 w 1405890"/>
+                <a:gd name="connsiteY5" fmla="*/ 1249687 h 1249680"/>
+                <a:gd name="connsiteX6" fmla="*/ 390107 w 1405890"/>
+                <a:gd name="connsiteY6" fmla="*/ 1249687 h 1249680"/>
+                <a:gd name="connsiteX7" fmla="*/ -4 w 1405890"/>
+                <a:gd name="connsiteY7" fmla="*/ 803678 h 1249680"/>
+                <a:gd name="connsiteX0" fmla="*/ 653250 w 1266668"/>
+                <a:gd name="connsiteY0" fmla="*/ 792248 h 1249687"/>
+                <a:gd name="connsiteX1" fmla="*/ 0 w 1266668"/>
+                <a:gd name="connsiteY1" fmla="*/ 247515 h 1249687"/>
+                <a:gd name="connsiteX2" fmla="*/ 563719 w 1266668"/>
+                <a:gd name="connsiteY2" fmla="*/ 0 h 1249687"/>
+                <a:gd name="connsiteX3" fmla="*/ 1127438 w 1266668"/>
+                <a:gd name="connsiteY3" fmla="*/ 247515 h 1249687"/>
+                <a:gd name="connsiteX4" fmla="*/ 1266668 w 1266668"/>
+                <a:gd name="connsiteY4" fmla="*/ 803678 h 1249687"/>
+                <a:gd name="connsiteX5" fmla="*/ 876557 w 1266668"/>
+                <a:gd name="connsiteY5" fmla="*/ 1249687 h 1249687"/>
+                <a:gd name="connsiteX6" fmla="*/ 250881 w 1266668"/>
+                <a:gd name="connsiteY6" fmla="*/ 1249687 h 1249687"/>
+                <a:gd name="connsiteX7" fmla="*/ 653250 w 1266668"/>
+                <a:gd name="connsiteY7" fmla="*/ 792248 h 1249687"/>
+                <a:gd name="connsiteX0" fmla="*/ 668651 w 1282069"/>
+                <a:gd name="connsiteY0" fmla="*/ 952268 h 1409707"/>
+                <a:gd name="connsiteX1" fmla="*/ 15401 w 1282069"/>
+                <a:gd name="connsiteY1" fmla="*/ 407535 h 1409707"/>
+                <a:gd name="connsiteX2" fmla="*/ 0 w 1282069"/>
+                <a:gd name="connsiteY2" fmla="*/ 0 h 1409707"/>
+                <a:gd name="connsiteX3" fmla="*/ 1142839 w 1282069"/>
+                <a:gd name="connsiteY3" fmla="*/ 407535 h 1409707"/>
+                <a:gd name="connsiteX4" fmla="*/ 1282069 w 1282069"/>
+                <a:gd name="connsiteY4" fmla="*/ 963698 h 1409707"/>
+                <a:gd name="connsiteX5" fmla="*/ 891958 w 1282069"/>
+                <a:gd name="connsiteY5" fmla="*/ 1409707 h 1409707"/>
+                <a:gd name="connsiteX6" fmla="*/ 266282 w 1282069"/>
+                <a:gd name="connsiteY6" fmla="*/ 1409707 h 1409707"/>
+                <a:gd name="connsiteX7" fmla="*/ 668651 w 1282069"/>
+                <a:gd name="connsiteY7" fmla="*/ 952268 h 1409707"/>
+                <a:gd name="connsiteX0" fmla="*/ 360041 w 1282069"/>
+                <a:gd name="connsiteY0" fmla="*/ 636038 h 1409707"/>
+                <a:gd name="connsiteX1" fmla="*/ 15401 w 1282069"/>
+                <a:gd name="connsiteY1" fmla="*/ 407535 h 1409707"/>
+                <a:gd name="connsiteX2" fmla="*/ 0 w 1282069"/>
+                <a:gd name="connsiteY2" fmla="*/ 0 h 1409707"/>
+                <a:gd name="connsiteX3" fmla="*/ 1142839 w 1282069"/>
+                <a:gd name="connsiteY3" fmla="*/ 407535 h 1409707"/>
+                <a:gd name="connsiteX4" fmla="*/ 1282069 w 1282069"/>
+                <a:gd name="connsiteY4" fmla="*/ 963698 h 1409707"/>
+                <a:gd name="connsiteX5" fmla="*/ 891958 w 1282069"/>
+                <a:gd name="connsiteY5" fmla="*/ 1409707 h 1409707"/>
+                <a:gd name="connsiteX6" fmla="*/ 266282 w 1282069"/>
+                <a:gd name="connsiteY6" fmla="*/ 1409707 h 1409707"/>
+                <a:gd name="connsiteX7" fmla="*/ 360041 w 1282069"/>
+                <a:gd name="connsiteY7" fmla="*/ 636038 h 1409707"/>
+                <a:gd name="connsiteX0" fmla="*/ 360041 w 1282069"/>
+                <a:gd name="connsiteY0" fmla="*/ 636038 h 1409707"/>
+                <a:gd name="connsiteX1" fmla="*/ 15401 w 1282069"/>
+                <a:gd name="connsiteY1" fmla="*/ 407535 h 1409707"/>
+                <a:gd name="connsiteX2" fmla="*/ 0 w 1282069"/>
+                <a:gd name="connsiteY2" fmla="*/ 0 h 1409707"/>
+                <a:gd name="connsiteX3" fmla="*/ 1142839 w 1282069"/>
+                <a:gd name="connsiteY3" fmla="*/ 407535 h 1409707"/>
+                <a:gd name="connsiteX4" fmla="*/ 1282069 w 1282069"/>
+                <a:gd name="connsiteY4" fmla="*/ 963698 h 1409707"/>
+                <a:gd name="connsiteX5" fmla="*/ 891958 w 1282069"/>
+                <a:gd name="connsiteY5" fmla="*/ 1409707 h 1409707"/>
+                <a:gd name="connsiteX6" fmla="*/ 64352 w 1282069"/>
+                <a:gd name="connsiteY6" fmla="*/ 918217 h 1409707"/>
+                <a:gd name="connsiteX7" fmla="*/ 360041 w 1282069"/>
+                <a:gd name="connsiteY7" fmla="*/ 636038 h 1409707"/>
+                <a:gd name="connsiteX0" fmla="*/ 360041 w 1282069"/>
+                <a:gd name="connsiteY0" fmla="*/ 636038 h 1348747"/>
+                <a:gd name="connsiteX1" fmla="*/ 15401 w 1282069"/>
+                <a:gd name="connsiteY1" fmla="*/ 407535 h 1348747"/>
+                <a:gd name="connsiteX2" fmla="*/ 0 w 1282069"/>
+                <a:gd name="connsiteY2" fmla="*/ 0 h 1348747"/>
+                <a:gd name="connsiteX3" fmla="*/ 1142839 w 1282069"/>
+                <a:gd name="connsiteY3" fmla="*/ 407535 h 1348747"/>
+                <a:gd name="connsiteX4" fmla="*/ 1282069 w 1282069"/>
+                <a:gd name="connsiteY4" fmla="*/ 963698 h 1348747"/>
+                <a:gd name="connsiteX5" fmla="*/ 68998 w 1282069"/>
+                <a:gd name="connsiteY5" fmla="*/ 1348747 h 1348747"/>
+                <a:gd name="connsiteX6" fmla="*/ 64352 w 1282069"/>
+                <a:gd name="connsiteY6" fmla="*/ 918217 h 1348747"/>
+                <a:gd name="connsiteX7" fmla="*/ 360041 w 1282069"/>
+                <a:gd name="connsiteY7" fmla="*/ 636038 h 1348747"/>
+                <a:gd name="connsiteX0" fmla="*/ 360041 w 1142839"/>
+                <a:gd name="connsiteY0" fmla="*/ 636038 h 1348747"/>
+                <a:gd name="connsiteX1" fmla="*/ 15401 w 1142839"/>
+                <a:gd name="connsiteY1" fmla="*/ 407535 h 1348747"/>
+                <a:gd name="connsiteX2" fmla="*/ 0 w 1142839"/>
+                <a:gd name="connsiteY2" fmla="*/ 0 h 1348747"/>
+                <a:gd name="connsiteX3" fmla="*/ 1142839 w 1142839"/>
+                <a:gd name="connsiteY3" fmla="*/ 407535 h 1348747"/>
+                <a:gd name="connsiteX4" fmla="*/ 733429 w 1142839"/>
+                <a:gd name="connsiteY4" fmla="*/ 937028 h 1348747"/>
+                <a:gd name="connsiteX5" fmla="*/ 68998 w 1142839"/>
+                <a:gd name="connsiteY5" fmla="*/ 1348747 h 1348747"/>
+                <a:gd name="connsiteX6" fmla="*/ 64352 w 1142839"/>
+                <a:gd name="connsiteY6" fmla="*/ 918217 h 1348747"/>
+                <a:gd name="connsiteX7" fmla="*/ 360041 w 1142839"/>
+                <a:gd name="connsiteY7" fmla="*/ 636038 h 1348747"/>
+                <a:gd name="connsiteX0" fmla="*/ 360041 w 742789"/>
+                <a:gd name="connsiteY0" fmla="*/ 636038 h 1348747"/>
+                <a:gd name="connsiteX1" fmla="*/ 15401 w 742789"/>
+                <a:gd name="connsiteY1" fmla="*/ 407535 h 1348747"/>
+                <a:gd name="connsiteX2" fmla="*/ 0 w 742789"/>
+                <a:gd name="connsiteY2" fmla="*/ 0 h 1348747"/>
+                <a:gd name="connsiteX3" fmla="*/ 742789 w 742789"/>
+                <a:gd name="connsiteY3" fmla="*/ 373245 h 1348747"/>
+                <a:gd name="connsiteX4" fmla="*/ 733429 w 742789"/>
+                <a:gd name="connsiteY4" fmla="*/ 937028 h 1348747"/>
+                <a:gd name="connsiteX5" fmla="*/ 68998 w 742789"/>
+                <a:gd name="connsiteY5" fmla="*/ 1348747 h 1348747"/>
+                <a:gd name="connsiteX6" fmla="*/ 64352 w 742789"/>
+                <a:gd name="connsiteY6" fmla="*/ 918217 h 1348747"/>
+                <a:gd name="connsiteX7" fmla="*/ 360041 w 742789"/>
+                <a:gd name="connsiteY7" fmla="*/ 636038 h 1348747"/>
+                <a:gd name="connsiteX0" fmla="*/ 360041 w 742789"/>
+                <a:gd name="connsiteY0" fmla="*/ 636038 h 1348747"/>
+                <a:gd name="connsiteX1" fmla="*/ 15401 w 742789"/>
+                <a:gd name="connsiteY1" fmla="*/ 407535 h 1348747"/>
+                <a:gd name="connsiteX2" fmla="*/ 0 w 742789"/>
+                <a:gd name="connsiteY2" fmla="*/ 0 h 1348747"/>
+                <a:gd name="connsiteX3" fmla="*/ 742789 w 742789"/>
+                <a:gd name="connsiteY3" fmla="*/ 373245 h 1348747"/>
+                <a:gd name="connsiteX4" fmla="*/ 733429 w 742789"/>
+                <a:gd name="connsiteY4" fmla="*/ 937028 h 1348747"/>
+                <a:gd name="connsiteX5" fmla="*/ 68998 w 742789"/>
+                <a:gd name="connsiteY5" fmla="*/ 1348747 h 1348747"/>
+                <a:gd name="connsiteX6" fmla="*/ 26252 w 742789"/>
+                <a:gd name="connsiteY6" fmla="*/ 853447 h 1348747"/>
+                <a:gd name="connsiteX7" fmla="*/ 360041 w 742789"/>
+                <a:gd name="connsiteY7" fmla="*/ 636038 h 1348747"/>
+                <a:gd name="connsiteX0" fmla="*/ 600071 w 982819"/>
+                <a:gd name="connsiteY0" fmla="*/ 666518 h 1379227"/>
+                <a:gd name="connsiteX1" fmla="*/ 255431 w 982819"/>
+                <a:gd name="connsiteY1" fmla="*/ 438015 h 1379227"/>
+                <a:gd name="connsiteX2" fmla="*/ 0 w 982819"/>
+                <a:gd name="connsiteY2" fmla="*/ 0 h 1379227"/>
+                <a:gd name="connsiteX3" fmla="*/ 982819 w 982819"/>
+                <a:gd name="connsiteY3" fmla="*/ 403725 h 1379227"/>
+                <a:gd name="connsiteX4" fmla="*/ 973459 w 982819"/>
+                <a:gd name="connsiteY4" fmla="*/ 967508 h 1379227"/>
+                <a:gd name="connsiteX5" fmla="*/ 309028 w 982819"/>
+                <a:gd name="connsiteY5" fmla="*/ 1379227 h 1379227"/>
+                <a:gd name="connsiteX6" fmla="*/ 266282 w 982819"/>
+                <a:gd name="connsiteY6" fmla="*/ 883927 h 1379227"/>
+                <a:gd name="connsiteX7" fmla="*/ 600071 w 982819"/>
+                <a:gd name="connsiteY7" fmla="*/ 666518 h 1379227"/>
+                <a:gd name="connsiteX0" fmla="*/ 600071 w 982819"/>
+                <a:gd name="connsiteY0" fmla="*/ 666518 h 1379227"/>
+                <a:gd name="connsiteX1" fmla="*/ 7781 w 982819"/>
+                <a:gd name="connsiteY1" fmla="*/ 700905 h 1379227"/>
+                <a:gd name="connsiteX2" fmla="*/ 0 w 982819"/>
+                <a:gd name="connsiteY2" fmla="*/ 0 h 1379227"/>
+                <a:gd name="connsiteX3" fmla="*/ 982819 w 982819"/>
+                <a:gd name="connsiteY3" fmla="*/ 403725 h 1379227"/>
+                <a:gd name="connsiteX4" fmla="*/ 973459 w 982819"/>
+                <a:gd name="connsiteY4" fmla="*/ 967508 h 1379227"/>
+                <a:gd name="connsiteX5" fmla="*/ 309028 w 982819"/>
+                <a:gd name="connsiteY5" fmla="*/ 1379227 h 1379227"/>
+                <a:gd name="connsiteX6" fmla="*/ 266282 w 982819"/>
+                <a:gd name="connsiteY6" fmla="*/ 883927 h 1379227"/>
+                <a:gd name="connsiteX7" fmla="*/ 600071 w 982819"/>
+                <a:gd name="connsiteY7" fmla="*/ 666518 h 1379227"/>
+                <a:gd name="connsiteX0" fmla="*/ 321941 w 982819"/>
+                <a:gd name="connsiteY0" fmla="*/ 1093238 h 1379227"/>
+                <a:gd name="connsiteX1" fmla="*/ 7781 w 982819"/>
+                <a:gd name="connsiteY1" fmla="*/ 700905 h 1379227"/>
+                <a:gd name="connsiteX2" fmla="*/ 0 w 982819"/>
+                <a:gd name="connsiteY2" fmla="*/ 0 h 1379227"/>
+                <a:gd name="connsiteX3" fmla="*/ 982819 w 982819"/>
+                <a:gd name="connsiteY3" fmla="*/ 403725 h 1379227"/>
+                <a:gd name="connsiteX4" fmla="*/ 973459 w 982819"/>
+                <a:gd name="connsiteY4" fmla="*/ 967508 h 1379227"/>
+                <a:gd name="connsiteX5" fmla="*/ 309028 w 982819"/>
+                <a:gd name="connsiteY5" fmla="*/ 1379227 h 1379227"/>
+                <a:gd name="connsiteX6" fmla="*/ 266282 w 982819"/>
+                <a:gd name="connsiteY6" fmla="*/ 883927 h 1379227"/>
+                <a:gd name="connsiteX7" fmla="*/ 321941 w 982819"/>
+                <a:gd name="connsiteY7" fmla="*/ 1093238 h 1379227"/>
+                <a:gd name="connsiteX0" fmla="*/ 349029 w 1009907"/>
+                <a:gd name="connsiteY0" fmla="*/ 1093238 h 1489663"/>
+                <a:gd name="connsiteX1" fmla="*/ 34869 w 1009907"/>
+                <a:gd name="connsiteY1" fmla="*/ 700905 h 1489663"/>
+                <a:gd name="connsiteX2" fmla="*/ 27088 w 1009907"/>
+                <a:gd name="connsiteY2" fmla="*/ 0 h 1489663"/>
+                <a:gd name="connsiteX3" fmla="*/ 1009907 w 1009907"/>
+                <a:gd name="connsiteY3" fmla="*/ 403725 h 1489663"/>
+                <a:gd name="connsiteX4" fmla="*/ 1000547 w 1009907"/>
+                <a:gd name="connsiteY4" fmla="*/ 967508 h 1489663"/>
+                <a:gd name="connsiteX5" fmla="*/ 336116 w 1009907"/>
+                <a:gd name="connsiteY5" fmla="*/ 1379227 h 1489663"/>
+                <a:gd name="connsiteX6" fmla="*/ 0 w 1009907"/>
+                <a:gd name="connsiteY6" fmla="*/ 1455427 h 1489663"/>
+                <a:gd name="connsiteX7" fmla="*/ 349029 w 1009907"/>
+                <a:gd name="connsiteY7" fmla="*/ 1093238 h 1489663"/>
+                <a:gd name="connsiteX0" fmla="*/ 349029 w 1009907"/>
+                <a:gd name="connsiteY0" fmla="*/ 1093238 h 2145037"/>
+                <a:gd name="connsiteX1" fmla="*/ 34869 w 1009907"/>
+                <a:gd name="connsiteY1" fmla="*/ 700905 h 2145037"/>
+                <a:gd name="connsiteX2" fmla="*/ 27088 w 1009907"/>
+                <a:gd name="connsiteY2" fmla="*/ 0 h 2145037"/>
+                <a:gd name="connsiteX3" fmla="*/ 1009907 w 1009907"/>
+                <a:gd name="connsiteY3" fmla="*/ 403725 h 2145037"/>
+                <a:gd name="connsiteX4" fmla="*/ 1000547 w 1009907"/>
+                <a:gd name="connsiteY4" fmla="*/ 967508 h 2145037"/>
+                <a:gd name="connsiteX5" fmla="*/ 19886 w 1009907"/>
+                <a:gd name="connsiteY5" fmla="*/ 2145037 h 2145037"/>
+                <a:gd name="connsiteX6" fmla="*/ 0 w 1009907"/>
+                <a:gd name="connsiteY6" fmla="*/ 1455427 h 2145037"/>
+                <a:gd name="connsiteX7" fmla="*/ 349029 w 1009907"/>
+                <a:gd name="connsiteY7" fmla="*/ 1093238 h 2145037"/>
+                <a:gd name="connsiteX0" fmla="*/ 341409 w 1002287"/>
+                <a:gd name="connsiteY0" fmla="*/ 1093238 h 2145037"/>
+                <a:gd name="connsiteX1" fmla="*/ 27249 w 1002287"/>
+                <a:gd name="connsiteY1" fmla="*/ 700905 h 2145037"/>
+                <a:gd name="connsiteX2" fmla="*/ 19468 w 1002287"/>
+                <a:gd name="connsiteY2" fmla="*/ 0 h 2145037"/>
+                <a:gd name="connsiteX3" fmla="*/ 1002287 w 1002287"/>
+                <a:gd name="connsiteY3" fmla="*/ 403725 h 2145037"/>
+                <a:gd name="connsiteX4" fmla="*/ 992927 w 1002287"/>
+                <a:gd name="connsiteY4" fmla="*/ 967508 h 2145037"/>
+                <a:gd name="connsiteX5" fmla="*/ 12266 w 1002287"/>
+                <a:gd name="connsiteY5" fmla="*/ 2145037 h 2145037"/>
+                <a:gd name="connsiteX6" fmla="*/ 0 w 1002287"/>
+                <a:gd name="connsiteY6" fmla="*/ 1440187 h 2145037"/>
+                <a:gd name="connsiteX7" fmla="*/ 341409 w 1002287"/>
+                <a:gd name="connsiteY7" fmla="*/ 1093238 h 2145037"/>
+                <a:gd name="connsiteX0" fmla="*/ 375699 w 1002287"/>
+                <a:gd name="connsiteY0" fmla="*/ 1089428 h 2145037"/>
+                <a:gd name="connsiteX1" fmla="*/ 27249 w 1002287"/>
+                <a:gd name="connsiteY1" fmla="*/ 700905 h 2145037"/>
+                <a:gd name="connsiteX2" fmla="*/ 19468 w 1002287"/>
+                <a:gd name="connsiteY2" fmla="*/ 0 h 2145037"/>
+                <a:gd name="connsiteX3" fmla="*/ 1002287 w 1002287"/>
+                <a:gd name="connsiteY3" fmla="*/ 403725 h 2145037"/>
+                <a:gd name="connsiteX4" fmla="*/ 992927 w 1002287"/>
+                <a:gd name="connsiteY4" fmla="*/ 967508 h 2145037"/>
+                <a:gd name="connsiteX5" fmla="*/ 12266 w 1002287"/>
+                <a:gd name="connsiteY5" fmla="*/ 2145037 h 2145037"/>
+                <a:gd name="connsiteX6" fmla="*/ 0 w 1002287"/>
+                <a:gd name="connsiteY6" fmla="*/ 1440187 h 2145037"/>
+                <a:gd name="connsiteX7" fmla="*/ 375699 w 1002287"/>
+                <a:gd name="connsiteY7" fmla="*/ 1089428 h 2145037"/>
+                <a:gd name="connsiteX0" fmla="*/ 375699 w 1023407"/>
+                <a:gd name="connsiteY0" fmla="*/ 1089428 h 2145037"/>
+                <a:gd name="connsiteX1" fmla="*/ 27249 w 1023407"/>
+                <a:gd name="connsiteY1" fmla="*/ 700905 h 2145037"/>
+                <a:gd name="connsiteX2" fmla="*/ 19468 w 1023407"/>
+                <a:gd name="connsiteY2" fmla="*/ 0 h 2145037"/>
+                <a:gd name="connsiteX3" fmla="*/ 1002287 w 1023407"/>
+                <a:gd name="connsiteY3" fmla="*/ 403725 h 2145037"/>
+                <a:gd name="connsiteX4" fmla="*/ 1023407 w 1023407"/>
+                <a:gd name="connsiteY4" fmla="*/ 1424708 h 2145037"/>
+                <a:gd name="connsiteX5" fmla="*/ 12266 w 1023407"/>
+                <a:gd name="connsiteY5" fmla="*/ 2145037 h 2145037"/>
+                <a:gd name="connsiteX6" fmla="*/ 0 w 1023407"/>
+                <a:gd name="connsiteY6" fmla="*/ 1440187 h 2145037"/>
+                <a:gd name="connsiteX7" fmla="*/ 375699 w 1023407"/>
+                <a:gd name="connsiteY7" fmla="*/ 1089428 h 2145037"/>
+                <a:gd name="connsiteX0" fmla="*/ 375699 w 1023407"/>
+                <a:gd name="connsiteY0" fmla="*/ 1089428 h 2145037"/>
+                <a:gd name="connsiteX1" fmla="*/ 27249 w 1023407"/>
+                <a:gd name="connsiteY1" fmla="*/ 700905 h 2145037"/>
+                <a:gd name="connsiteX2" fmla="*/ 19468 w 1023407"/>
+                <a:gd name="connsiteY2" fmla="*/ 0 h 2145037"/>
+                <a:gd name="connsiteX3" fmla="*/ 945137 w 1023407"/>
+                <a:gd name="connsiteY3" fmla="*/ 704715 h 2145037"/>
+                <a:gd name="connsiteX4" fmla="*/ 1023407 w 1023407"/>
+                <a:gd name="connsiteY4" fmla="*/ 1424708 h 2145037"/>
+                <a:gd name="connsiteX5" fmla="*/ 12266 w 1023407"/>
+                <a:gd name="connsiteY5" fmla="*/ 2145037 h 2145037"/>
+                <a:gd name="connsiteX6" fmla="*/ 0 w 1023407"/>
+                <a:gd name="connsiteY6" fmla="*/ 1440187 h 2145037"/>
+                <a:gd name="connsiteX7" fmla="*/ 375699 w 1023407"/>
+                <a:gd name="connsiteY7" fmla="*/ 1089428 h 2145037"/>
+                <a:gd name="connsiteX0" fmla="*/ 375699 w 958637"/>
+                <a:gd name="connsiteY0" fmla="*/ 1089428 h 2145037"/>
+                <a:gd name="connsiteX1" fmla="*/ 27249 w 958637"/>
+                <a:gd name="connsiteY1" fmla="*/ 700905 h 2145037"/>
+                <a:gd name="connsiteX2" fmla="*/ 19468 w 958637"/>
+                <a:gd name="connsiteY2" fmla="*/ 0 h 2145037"/>
+                <a:gd name="connsiteX3" fmla="*/ 945137 w 958637"/>
+                <a:gd name="connsiteY3" fmla="*/ 704715 h 2145037"/>
+                <a:gd name="connsiteX4" fmla="*/ 958637 w 958637"/>
+                <a:gd name="connsiteY4" fmla="*/ 1447568 h 2145037"/>
+                <a:gd name="connsiteX5" fmla="*/ 12266 w 958637"/>
+                <a:gd name="connsiteY5" fmla="*/ 2145037 h 2145037"/>
+                <a:gd name="connsiteX6" fmla="*/ 0 w 958637"/>
+                <a:gd name="connsiteY6" fmla="*/ 1440187 h 2145037"/>
+                <a:gd name="connsiteX7" fmla="*/ 375699 w 958637"/>
+                <a:gd name="connsiteY7" fmla="*/ 1089428 h 2145037"/>
+                <a:gd name="connsiteX0" fmla="*/ 375699 w 964187"/>
+                <a:gd name="connsiteY0" fmla="*/ 1089428 h 2145037"/>
+                <a:gd name="connsiteX1" fmla="*/ 27249 w 964187"/>
+                <a:gd name="connsiteY1" fmla="*/ 700905 h 2145037"/>
+                <a:gd name="connsiteX2" fmla="*/ 19468 w 964187"/>
+                <a:gd name="connsiteY2" fmla="*/ 0 h 2145037"/>
+                <a:gd name="connsiteX3" fmla="*/ 964187 w 964187"/>
+                <a:gd name="connsiteY3" fmla="*/ 716145 h 2145037"/>
+                <a:gd name="connsiteX4" fmla="*/ 958637 w 964187"/>
+                <a:gd name="connsiteY4" fmla="*/ 1447568 h 2145037"/>
+                <a:gd name="connsiteX5" fmla="*/ 12266 w 964187"/>
+                <a:gd name="connsiteY5" fmla="*/ 2145037 h 2145037"/>
+                <a:gd name="connsiteX6" fmla="*/ 0 w 964187"/>
+                <a:gd name="connsiteY6" fmla="*/ 1440187 h 2145037"/>
+                <a:gd name="connsiteX7" fmla="*/ 375699 w 964187"/>
+                <a:gd name="connsiteY7" fmla="*/ 1089428 h 2145037"/>
+                <a:gd name="connsiteX0" fmla="*/ 375699 w 958637"/>
+                <a:gd name="connsiteY0" fmla="*/ 1089428 h 2145037"/>
+                <a:gd name="connsiteX1" fmla="*/ 27249 w 958637"/>
+                <a:gd name="connsiteY1" fmla="*/ 700905 h 2145037"/>
+                <a:gd name="connsiteX2" fmla="*/ 19468 w 958637"/>
+                <a:gd name="connsiteY2" fmla="*/ 0 h 2145037"/>
+                <a:gd name="connsiteX3" fmla="*/ 853697 w 958637"/>
+                <a:gd name="connsiteY3" fmla="*/ 742815 h 2145037"/>
+                <a:gd name="connsiteX4" fmla="*/ 958637 w 958637"/>
+                <a:gd name="connsiteY4" fmla="*/ 1447568 h 2145037"/>
+                <a:gd name="connsiteX5" fmla="*/ 12266 w 958637"/>
+                <a:gd name="connsiteY5" fmla="*/ 2145037 h 2145037"/>
+                <a:gd name="connsiteX6" fmla="*/ 0 w 958637"/>
+                <a:gd name="connsiteY6" fmla="*/ 1440187 h 2145037"/>
+                <a:gd name="connsiteX7" fmla="*/ 375699 w 958637"/>
+                <a:gd name="connsiteY7" fmla="*/ 1089428 h 2145037"/>
+                <a:gd name="connsiteX0" fmla="*/ 375699 w 958637"/>
+                <a:gd name="connsiteY0" fmla="*/ 1089428 h 2145037"/>
+                <a:gd name="connsiteX1" fmla="*/ 27249 w 958637"/>
+                <a:gd name="connsiteY1" fmla="*/ 700905 h 2145037"/>
+                <a:gd name="connsiteX2" fmla="*/ 19468 w 958637"/>
+                <a:gd name="connsiteY2" fmla="*/ 0 h 2145037"/>
+                <a:gd name="connsiteX3" fmla="*/ 952757 w 958637"/>
+                <a:gd name="connsiteY3" fmla="*/ 719955 h 2145037"/>
+                <a:gd name="connsiteX4" fmla="*/ 958637 w 958637"/>
+                <a:gd name="connsiteY4" fmla="*/ 1447568 h 2145037"/>
+                <a:gd name="connsiteX5" fmla="*/ 12266 w 958637"/>
+                <a:gd name="connsiteY5" fmla="*/ 2145037 h 2145037"/>
+                <a:gd name="connsiteX6" fmla="*/ 0 w 958637"/>
+                <a:gd name="connsiteY6" fmla="*/ 1440187 h 2145037"/>
+                <a:gd name="connsiteX7" fmla="*/ 375699 w 958637"/>
+                <a:gd name="connsiteY7" fmla="*/ 1089428 h 2145037"/>
+                <a:gd name="connsiteX0" fmla="*/ 363689 w 946627"/>
+                <a:gd name="connsiteY0" fmla="*/ 1089428 h 2145037"/>
+                <a:gd name="connsiteX1" fmla="*/ 15239 w 946627"/>
+                <a:gd name="connsiteY1" fmla="*/ 700905 h 2145037"/>
+                <a:gd name="connsiteX2" fmla="*/ 7458 w 946627"/>
+                <a:gd name="connsiteY2" fmla="*/ 0 h 2145037"/>
+                <a:gd name="connsiteX3" fmla="*/ 940747 w 946627"/>
+                <a:gd name="connsiteY3" fmla="*/ 719955 h 2145037"/>
+                <a:gd name="connsiteX4" fmla="*/ 946627 w 946627"/>
+                <a:gd name="connsiteY4" fmla="*/ 1447568 h 2145037"/>
+                <a:gd name="connsiteX5" fmla="*/ 256 w 946627"/>
+                <a:gd name="connsiteY5" fmla="*/ 2145037 h 2145037"/>
+                <a:gd name="connsiteX6" fmla="*/ 3230 w 946627"/>
+                <a:gd name="connsiteY6" fmla="*/ 1428757 h 2145037"/>
+                <a:gd name="connsiteX7" fmla="*/ 363689 w 946627"/>
+                <a:gd name="connsiteY7" fmla="*/ 1089428 h 2145037"/>
+                <a:gd name="connsiteX0" fmla="*/ 364042 w 946980"/>
+                <a:gd name="connsiteY0" fmla="*/ 1089428 h 2145037"/>
+                <a:gd name="connsiteX1" fmla="*/ 352 w 946980"/>
+                <a:gd name="connsiteY1" fmla="*/ 700905 h 2145037"/>
+                <a:gd name="connsiteX2" fmla="*/ 7811 w 946980"/>
+                <a:gd name="connsiteY2" fmla="*/ 0 h 2145037"/>
+                <a:gd name="connsiteX3" fmla="*/ 941100 w 946980"/>
+                <a:gd name="connsiteY3" fmla="*/ 719955 h 2145037"/>
+                <a:gd name="connsiteX4" fmla="*/ 946980 w 946980"/>
+                <a:gd name="connsiteY4" fmla="*/ 1447568 h 2145037"/>
+                <a:gd name="connsiteX5" fmla="*/ 609 w 946980"/>
+                <a:gd name="connsiteY5" fmla="*/ 2145037 h 2145037"/>
+                <a:gd name="connsiteX6" fmla="*/ 3583 w 946980"/>
+                <a:gd name="connsiteY6" fmla="*/ 1428757 h 2145037"/>
+                <a:gd name="connsiteX7" fmla="*/ 364042 w 946980"/>
+                <a:gd name="connsiteY7" fmla="*/ 1089428 h 2145037"/>
+                <a:gd name="connsiteX0" fmla="*/ 363689 w 946627"/>
+                <a:gd name="connsiteY0" fmla="*/ 1089428 h 2145037"/>
+                <a:gd name="connsiteX1" fmla="*/ 11429 w 946627"/>
+                <a:gd name="connsiteY1" fmla="*/ 719955 h 2145037"/>
+                <a:gd name="connsiteX2" fmla="*/ 7458 w 946627"/>
+                <a:gd name="connsiteY2" fmla="*/ 0 h 2145037"/>
+                <a:gd name="connsiteX3" fmla="*/ 940747 w 946627"/>
+                <a:gd name="connsiteY3" fmla="*/ 719955 h 2145037"/>
+                <a:gd name="connsiteX4" fmla="*/ 946627 w 946627"/>
+                <a:gd name="connsiteY4" fmla="*/ 1447568 h 2145037"/>
+                <a:gd name="connsiteX5" fmla="*/ 256 w 946627"/>
+                <a:gd name="connsiteY5" fmla="*/ 2145037 h 2145037"/>
+                <a:gd name="connsiteX6" fmla="*/ 3230 w 946627"/>
+                <a:gd name="connsiteY6" fmla="*/ 1428757 h 2145037"/>
+                <a:gd name="connsiteX7" fmla="*/ 363689 w 946627"/>
+                <a:gd name="connsiteY7" fmla="*/ 1089428 h 2145037"/>
+                <a:gd name="connsiteX0" fmla="*/ 459525 w 946627"/>
+                <a:gd name="connsiteY0" fmla="*/ 1089428 h 2145037"/>
+                <a:gd name="connsiteX1" fmla="*/ 11429 w 946627"/>
+                <a:gd name="connsiteY1" fmla="*/ 719955 h 2145037"/>
+                <a:gd name="connsiteX2" fmla="*/ 7458 w 946627"/>
+                <a:gd name="connsiteY2" fmla="*/ 0 h 2145037"/>
+                <a:gd name="connsiteX3" fmla="*/ 940747 w 946627"/>
+                <a:gd name="connsiteY3" fmla="*/ 719955 h 2145037"/>
+                <a:gd name="connsiteX4" fmla="*/ 946627 w 946627"/>
+                <a:gd name="connsiteY4" fmla="*/ 1447568 h 2145037"/>
+                <a:gd name="connsiteX5" fmla="*/ 256 w 946627"/>
+                <a:gd name="connsiteY5" fmla="*/ 2145037 h 2145037"/>
+                <a:gd name="connsiteX6" fmla="*/ 3230 w 946627"/>
+                <a:gd name="connsiteY6" fmla="*/ 1428757 h 2145037"/>
+                <a:gd name="connsiteX7" fmla="*/ 459525 w 946627"/>
+                <a:gd name="connsiteY7" fmla="*/ 1089428 h 2145037"/>
+                <a:gd name="connsiteX0" fmla="*/ 576194 w 946627"/>
+                <a:gd name="connsiteY0" fmla="*/ 1105031 h 2145037"/>
+                <a:gd name="connsiteX1" fmla="*/ 11429 w 946627"/>
+                <a:gd name="connsiteY1" fmla="*/ 719955 h 2145037"/>
+                <a:gd name="connsiteX2" fmla="*/ 7458 w 946627"/>
+                <a:gd name="connsiteY2" fmla="*/ 0 h 2145037"/>
+                <a:gd name="connsiteX3" fmla="*/ 940747 w 946627"/>
+                <a:gd name="connsiteY3" fmla="*/ 719955 h 2145037"/>
+                <a:gd name="connsiteX4" fmla="*/ 946627 w 946627"/>
+                <a:gd name="connsiteY4" fmla="*/ 1447568 h 2145037"/>
+                <a:gd name="connsiteX5" fmla="*/ 256 w 946627"/>
+                <a:gd name="connsiteY5" fmla="*/ 2145037 h 2145037"/>
+                <a:gd name="connsiteX6" fmla="*/ 3230 w 946627"/>
+                <a:gd name="connsiteY6" fmla="*/ 1428757 h 2145037"/>
+                <a:gd name="connsiteX7" fmla="*/ 576194 w 946627"/>
+                <a:gd name="connsiteY7" fmla="*/ 1105031 h 2145037"/>
+                <a:gd name="connsiteX0" fmla="*/ 497025 w 946627"/>
+                <a:gd name="connsiteY0" fmla="*/ 1089428 h 2145037"/>
+                <a:gd name="connsiteX1" fmla="*/ 11429 w 946627"/>
+                <a:gd name="connsiteY1" fmla="*/ 719955 h 2145037"/>
+                <a:gd name="connsiteX2" fmla="*/ 7458 w 946627"/>
+                <a:gd name="connsiteY2" fmla="*/ 0 h 2145037"/>
+                <a:gd name="connsiteX3" fmla="*/ 940747 w 946627"/>
+                <a:gd name="connsiteY3" fmla="*/ 719955 h 2145037"/>
+                <a:gd name="connsiteX4" fmla="*/ 946627 w 946627"/>
+                <a:gd name="connsiteY4" fmla="*/ 1447568 h 2145037"/>
+                <a:gd name="connsiteX5" fmla="*/ 256 w 946627"/>
+                <a:gd name="connsiteY5" fmla="*/ 2145037 h 2145037"/>
+                <a:gd name="connsiteX6" fmla="*/ 3230 w 946627"/>
+                <a:gd name="connsiteY6" fmla="*/ 1428757 h 2145037"/>
+                <a:gd name="connsiteX7" fmla="*/ 497025 w 946627"/>
+                <a:gd name="connsiteY7" fmla="*/ 1089428 h 2145037"/>
+              </a:gdLst>
+              <a:ahLst/>
+              <a:cxnLst>
+                <a:cxn ang="0">
+                  <a:pos x="connsiteX0" y="connsiteY0"/>
+                </a:cxn>
+                <a:cxn ang="0">
+                  <a:pos x="connsiteX1" y="connsiteY1"/>
+                </a:cxn>
+                <a:cxn ang="0">
+                  <a:pos x="connsiteX2" y="connsiteY2"/>
+                </a:cxn>
+                <a:cxn ang="0">
+                  <a:pos x="connsiteX3" y="connsiteY3"/>
+                </a:cxn>
+                <a:cxn ang="0">
+                  <a:pos x="connsiteX4" y="connsiteY4"/>
+                </a:cxn>
+                <a:cxn ang="0">
+                  <a:pos x="connsiteX5" y="connsiteY5"/>
+                </a:cxn>
+                <a:cxn ang="0">
+                  <a:pos x="connsiteX6" y="connsiteY6"/>
+                </a:cxn>
+                <a:cxn ang="0">
+                  <a:pos x="connsiteX7" y="connsiteY7"/>
+                </a:cxn>
+              </a:cxnLst>
+              <a:rect l="l" t="t" r="r" b="b"/>
+              <a:pathLst>
+                <a:path w="946627" h="2145037">
+                  <a:moveTo>
+                    <a:pt x="497025" y="1089428"/>
+                  </a:moveTo>
+                  <a:lnTo>
+                    <a:pt x="11429" y="719955"/>
+                  </a:lnTo>
+                  <a:cubicBezTo>
+                    <a:pt x="8835" y="486320"/>
+                    <a:pt x="10052" y="233635"/>
+                    <a:pt x="7458" y="0"/>
+                  </a:cubicBezTo>
+                  <a:lnTo>
+                    <a:pt x="940747" y="719955"/>
+                  </a:lnTo>
+                  <a:lnTo>
+                    <a:pt x="946627" y="1447568"/>
+                  </a:lnTo>
+                  <a:lnTo>
+                    <a:pt x="256" y="2145037"/>
+                  </a:lnTo>
+                  <a:cubicBezTo>
+                    <a:pt x="-1293" y="2001527"/>
+                    <a:pt x="4779" y="1572267"/>
+                    <a:pt x="3230" y="1428757"/>
+                  </a:cubicBezTo>
+                  <a:lnTo>
+                    <a:pt x="497025" y="1089428"/>
+                  </a:lnTo>
+                  <a:close/>
+                </a:path>
+              </a:pathLst>
+            </a:custGeom>
+          </p:spPr>
+          <p:style>
+            <a:lnRef idx="1">
+              <a:schemeClr val="accent1"/>
+            </a:lnRef>
+            <a:fillRef idx="2">
+              <a:schemeClr val="accent1"/>
+            </a:fillRef>
+            <a:effectRef idx="1">
+              <a:schemeClr val="accent1"/>
+            </a:effectRef>
+            <a:fontRef idx="minor">
+              <a:schemeClr val="dk1"/>
+            </a:fontRef>
+          </p:style>
+          <p:txBody>
+            <a:bodyPr rtlCol="0" anchor="ctr">
+              <a:scene3d>
+                <a:camera prst="orthographicFront">
+                  <a:rot lat="0" lon="0" rev="16200000"/>
+                </a:camera>
+                <a:lightRig rig="threePt" dir="t"/>
+              </a:scene3d>
+            </a:bodyPr>
+            <a:lstStyle/>
+            <a:p>
+              <a:pPr algn="ctr"/>
+              <a:r>
+                <a:rPr lang="en-US" dirty="0"/>
+                <a:t>ALU</a:t>
+              </a:r>
+              <a:endParaRPr lang="en-IN" dirty="0"/>
+            </a:p>
+          </p:txBody>
+        </p:sp>
+        <p:cxnSp>
+          <p:nvCxnSpPr>
+            <p:cNvPr id="17" name="Connector: Elbow 16">
+              <a:extLst>
+                <a:ext uri="{FF2B5EF4-FFF2-40B4-BE49-F238E27FC236}">
+                  <a16:creationId xmlns:a16="http://schemas.microsoft.com/office/drawing/2014/main" id="{99792430-69EA-1163-E516-A4231BDDEAFF}"/>
+                </a:ext>
+              </a:extLst>
+            </p:cNvPr>
+            <p:cNvCxnSpPr>
+              <a:cxnSpLocks/>
+              <a:stCxn id="6" idx="3"/>
+            </p:cNvCxnSpPr>
+            <p:nvPr/>
+          </p:nvCxnSpPr>
+          <p:spPr>
+            <a:xfrm rot="16200000" flipH="1" flipV="1">
+              <a:off x="7017146" y="3689806"/>
+              <a:ext cx="358453" cy="191626"/>
+            </a:xfrm>
+            <a:prstGeom prst="bentConnector3">
+              <a:avLst/>
+            </a:prstGeom>
+            <a:ln>
+              <a:tailEnd type="triangle"/>
+            </a:ln>
+          </p:spPr>
+          <p:style>
+            <a:lnRef idx="1">
+              <a:schemeClr val="accent1"/>
+            </a:lnRef>
+            <a:fillRef idx="0">
+              <a:schemeClr val="accent1"/>
+            </a:fillRef>
+            <a:effectRef idx="0">
+              <a:schemeClr val="accent1"/>
+            </a:effectRef>
+            <a:fontRef idx="minor">
+              <a:schemeClr val="tx1"/>
+            </a:fontRef>
+          </p:style>
+        </p:cxnSp>
+        <p:cxnSp>
+          <p:nvCxnSpPr>
+            <p:cNvPr id="19" name="Connector: Elbow 18">
+              <a:extLst>
+                <a:ext uri="{FF2B5EF4-FFF2-40B4-BE49-F238E27FC236}">
+                  <a16:creationId xmlns:a16="http://schemas.microsoft.com/office/drawing/2014/main" id="{1FAE24F8-3309-3961-11AB-9232F07BA855}"/>
+                </a:ext>
+              </a:extLst>
+            </p:cNvPr>
+            <p:cNvCxnSpPr>
+              <a:cxnSpLocks/>
+              <a:stCxn id="7" idx="3"/>
+            </p:cNvCxnSpPr>
+            <p:nvPr/>
+          </p:nvCxnSpPr>
+          <p:spPr>
+            <a:xfrm rot="16200000" flipH="1">
+              <a:off x="6454726" y="3689807"/>
+              <a:ext cx="358453" cy="191625"/>
+            </a:xfrm>
+            <a:prstGeom prst="bentConnector3">
+              <a:avLst/>
+            </a:prstGeom>
+            <a:ln>
+              <a:tailEnd type="triangle"/>
+            </a:ln>
+          </p:spPr>
+          <p:style>
+            <a:lnRef idx="1">
+              <a:schemeClr val="accent1"/>
+            </a:lnRef>
+            <a:fillRef idx="0">
+              <a:schemeClr val="accent1"/>
+            </a:fillRef>
+            <a:effectRef idx="0">
+              <a:schemeClr val="accent1"/>
+            </a:effectRef>
+            <a:fontRef idx="minor">
+              <a:schemeClr val="tx1"/>
+            </a:fontRef>
+          </p:style>
+        </p:cxnSp>
+        <p:cxnSp>
+          <p:nvCxnSpPr>
+            <p:cNvPr id="21" name="Straight Arrow Connector 20">
+              <a:extLst>
+                <a:ext uri="{FF2B5EF4-FFF2-40B4-BE49-F238E27FC236}">
+                  <a16:creationId xmlns:a16="http://schemas.microsoft.com/office/drawing/2014/main" id="{EC336047-7707-22B1-DE92-1943FD06AF2E}"/>
+                </a:ext>
+              </a:extLst>
+            </p:cNvPr>
+            <p:cNvCxnSpPr>
+              <a:cxnSpLocks/>
+              <a:stCxn id="11" idx="0"/>
+            </p:cNvCxnSpPr>
+            <p:nvPr/>
+          </p:nvCxnSpPr>
+          <p:spPr>
+            <a:xfrm rot="16200000" flipH="1">
+              <a:off x="6712558" y="4611438"/>
+              <a:ext cx="410779" cy="6890"/>
+            </a:xfrm>
+            <a:prstGeom prst="straightConnector1">
+              <a:avLst/>
+            </a:prstGeom>
+            <a:ln>
+              <a:tailEnd type="triangle"/>
+            </a:ln>
+          </p:spPr>
+          <p:style>
+            <a:lnRef idx="1">
+              <a:schemeClr val="accent1"/>
+            </a:lnRef>
+            <a:fillRef idx="0">
+              <a:schemeClr val="accent1"/>
+            </a:fillRef>
+            <a:effectRef idx="0">
+              <a:schemeClr val="accent1"/>
+            </a:effectRef>
+            <a:fontRef idx="minor">
+              <a:schemeClr val="tx1"/>
+            </a:fontRef>
+          </p:style>
+        </p:cxnSp>
+        <p:cxnSp>
+          <p:nvCxnSpPr>
+            <p:cNvPr id="25" name="Connector: Elbow 24">
+              <a:extLst>
+                <a:ext uri="{FF2B5EF4-FFF2-40B4-BE49-F238E27FC236}">
+                  <a16:creationId xmlns:a16="http://schemas.microsoft.com/office/drawing/2014/main" id="{5AB0012C-4F29-CD0E-A393-C1294829C566}"/>
+                </a:ext>
+              </a:extLst>
+            </p:cNvPr>
+            <p:cNvCxnSpPr>
+              <a:cxnSpLocks/>
+              <a:endCxn id="9" idx="3"/>
+            </p:cNvCxnSpPr>
+            <p:nvPr/>
+          </p:nvCxnSpPr>
+          <p:spPr>
+            <a:xfrm rot="5400000" flipH="1" flipV="1">
+              <a:off x="8030238" y="4530752"/>
+              <a:ext cx="410779" cy="168261"/>
+            </a:xfrm>
+            <a:prstGeom prst="bentConnector3">
+              <a:avLst/>
+            </a:prstGeom>
+            <a:ln>
+              <a:tailEnd type="triangle"/>
+            </a:ln>
+          </p:spPr>
+          <p:style>
+            <a:lnRef idx="1">
+              <a:schemeClr val="accent1"/>
+            </a:lnRef>
+            <a:fillRef idx="0">
+              <a:schemeClr val="accent1"/>
+            </a:fillRef>
+            <a:effectRef idx="0">
+              <a:schemeClr val="accent1"/>
+            </a:effectRef>
+            <a:fontRef idx="minor">
+              <a:schemeClr val="tx1"/>
+            </a:fontRef>
+          </p:style>
+        </p:cxnSp>
+        <p:cxnSp>
+          <p:nvCxnSpPr>
+            <p:cNvPr id="29" name="Connector: Elbow 28">
+              <a:extLst>
+                <a:ext uri="{FF2B5EF4-FFF2-40B4-BE49-F238E27FC236}">
+                  <a16:creationId xmlns:a16="http://schemas.microsoft.com/office/drawing/2014/main" id="{D489839B-B1A7-C000-289D-4D736295C1D4}"/>
+                </a:ext>
+              </a:extLst>
+            </p:cNvPr>
+            <p:cNvCxnSpPr>
+              <a:cxnSpLocks/>
+              <a:stCxn id="8" idx="1"/>
+              <a:endCxn id="3" idx="1"/>
+            </p:cNvCxnSpPr>
+            <p:nvPr/>
+          </p:nvCxnSpPr>
+          <p:spPr>
+            <a:xfrm rot="5400000" flipH="1">
+              <a:off x="4234646" y="1381777"/>
+              <a:ext cx="13536" cy="2535662"/>
+            </a:xfrm>
+            <a:prstGeom prst="bentConnector3">
+              <a:avLst>
+                <a:gd name="adj1" fmla="val 1800000"/>
+              </a:avLst>
+            </a:prstGeom>
+            <a:ln>
+              <a:tailEnd type="triangle"/>
+            </a:ln>
+          </p:spPr>
+          <p:style>
+            <a:lnRef idx="1">
+              <a:schemeClr val="accent1"/>
+            </a:lnRef>
+            <a:fillRef idx="0">
+              <a:schemeClr val="accent1"/>
+            </a:fillRef>
+            <a:effectRef idx="0">
+              <a:schemeClr val="accent1"/>
+            </a:effectRef>
+            <a:fontRef idx="minor">
+              <a:schemeClr val="tx1"/>
+            </a:fontRef>
+          </p:style>
+        </p:cxnSp>
+        <p:cxnSp>
+          <p:nvCxnSpPr>
+            <p:cNvPr id="31" name="Connector: Elbow 30">
+              <a:extLst>
+                <a:ext uri="{FF2B5EF4-FFF2-40B4-BE49-F238E27FC236}">
+                  <a16:creationId xmlns:a16="http://schemas.microsoft.com/office/drawing/2014/main" id="{3F6835DB-9D4A-D72F-E3AA-22FDDF54DD07}"/>
+                </a:ext>
+              </a:extLst>
+            </p:cNvPr>
+            <p:cNvCxnSpPr>
+              <a:cxnSpLocks/>
+              <a:stCxn id="8" idx="1"/>
+              <a:endCxn id="4" idx="1"/>
+            </p:cNvCxnSpPr>
+            <p:nvPr/>
+          </p:nvCxnSpPr>
+          <p:spPr>
+            <a:xfrm rot="5400000" flipH="1">
+              <a:off x="4611669" y="1758800"/>
+              <a:ext cx="13536" cy="1781617"/>
+            </a:xfrm>
+            <a:prstGeom prst="bentConnector3">
+              <a:avLst>
+                <a:gd name="adj1" fmla="val 1800000"/>
+              </a:avLst>
+            </a:prstGeom>
+            <a:ln>
+              <a:tailEnd type="triangle"/>
+            </a:ln>
+          </p:spPr>
+          <p:style>
+            <a:lnRef idx="1">
+              <a:schemeClr val="accent1"/>
+            </a:lnRef>
+            <a:fillRef idx="0">
+              <a:schemeClr val="accent1"/>
+            </a:fillRef>
+            <a:effectRef idx="0">
+              <a:schemeClr val="accent1"/>
+            </a:effectRef>
+            <a:fontRef idx="minor">
+              <a:schemeClr val="tx1"/>
+            </a:fontRef>
+          </p:style>
+        </p:cxnSp>
+        <p:cxnSp>
+          <p:nvCxnSpPr>
+            <p:cNvPr id="33" name="Connector: Elbow 32">
+              <a:extLst>
+                <a:ext uri="{FF2B5EF4-FFF2-40B4-BE49-F238E27FC236}">
+                  <a16:creationId xmlns:a16="http://schemas.microsoft.com/office/drawing/2014/main" id="{72A2A3E4-2B0B-CEE2-9DF8-FAED1DA22590}"/>
+                </a:ext>
+              </a:extLst>
+            </p:cNvPr>
+            <p:cNvCxnSpPr>
+              <a:cxnSpLocks/>
+              <a:stCxn id="8" idx="1"/>
+              <a:endCxn id="5" idx="1"/>
+            </p:cNvCxnSpPr>
+            <p:nvPr/>
+          </p:nvCxnSpPr>
+          <p:spPr>
+            <a:xfrm rot="5400000" flipH="1">
+              <a:off x="4988692" y="2135822"/>
+              <a:ext cx="13536" cy="1027572"/>
+            </a:xfrm>
+            <a:prstGeom prst="bentConnector3">
+              <a:avLst>
+                <a:gd name="adj1" fmla="val 1800000"/>
+              </a:avLst>
+            </a:prstGeom>
+            <a:ln>
+              <a:tailEnd type="triangle"/>
+            </a:ln>
+          </p:spPr>
+          <p:style>
+            <a:lnRef idx="1">
+              <a:schemeClr val="accent1"/>
+            </a:lnRef>
+            <a:fillRef idx="0">
+              <a:schemeClr val="accent1"/>
+            </a:fillRef>
+            <a:effectRef idx="0">
+              <a:schemeClr val="accent1"/>
+            </a:effectRef>
+            <a:fontRef idx="minor">
+              <a:schemeClr val="tx1"/>
+            </a:fontRef>
+          </p:style>
+        </p:cxnSp>
+        <p:cxnSp>
+          <p:nvCxnSpPr>
+            <p:cNvPr id="35" name="Connector: Elbow 34">
+              <a:extLst>
+                <a:ext uri="{FF2B5EF4-FFF2-40B4-BE49-F238E27FC236}">
+                  <a16:creationId xmlns:a16="http://schemas.microsoft.com/office/drawing/2014/main" id="{053E9853-EEC6-4162-2C98-EBF339771F8F}"/>
+                </a:ext>
+              </a:extLst>
+            </p:cNvPr>
+            <p:cNvCxnSpPr>
+              <a:cxnSpLocks/>
+              <a:stCxn id="8" idx="1"/>
+              <a:endCxn id="7" idx="1"/>
+            </p:cNvCxnSpPr>
+            <p:nvPr/>
+          </p:nvCxnSpPr>
+          <p:spPr>
+            <a:xfrm rot="5400000" flipH="1" flipV="1">
+              <a:off x="6016924" y="2135161"/>
+              <a:ext cx="13536" cy="1028895"/>
+            </a:xfrm>
+            <a:prstGeom prst="bentConnector3">
+              <a:avLst>
+                <a:gd name="adj1" fmla="val 1800000"/>
+              </a:avLst>
+            </a:prstGeom>
+            <a:ln>
+              <a:tailEnd type="triangle"/>
+            </a:ln>
+          </p:spPr>
+          <p:style>
+            <a:lnRef idx="1">
+              <a:schemeClr val="accent1"/>
+            </a:lnRef>
+            <a:fillRef idx="0">
+              <a:schemeClr val="accent1"/>
+            </a:fillRef>
+            <a:effectRef idx="0">
+              <a:schemeClr val="accent1"/>
+            </a:effectRef>
+            <a:fontRef idx="minor">
+              <a:schemeClr val="tx1"/>
+            </a:fontRef>
+          </p:style>
+        </p:cxnSp>
+        <p:cxnSp>
+          <p:nvCxnSpPr>
+            <p:cNvPr id="37" name="Connector: Elbow 36">
+              <a:extLst>
+                <a:ext uri="{FF2B5EF4-FFF2-40B4-BE49-F238E27FC236}">
+                  <a16:creationId xmlns:a16="http://schemas.microsoft.com/office/drawing/2014/main" id="{7C6C6CCD-D1F5-B80D-450A-1E21EC7BAA66}"/>
+                </a:ext>
+              </a:extLst>
+            </p:cNvPr>
+            <p:cNvCxnSpPr>
+              <a:cxnSpLocks/>
+              <a:stCxn id="8" idx="1"/>
+              <a:endCxn id="6" idx="1"/>
+            </p:cNvCxnSpPr>
+            <p:nvPr/>
+          </p:nvCxnSpPr>
+          <p:spPr>
+            <a:xfrm rot="5400000" flipH="1" flipV="1">
+              <a:off x="6393946" y="1758139"/>
+              <a:ext cx="13536" cy="1782940"/>
+            </a:xfrm>
+            <a:prstGeom prst="bentConnector3">
+              <a:avLst>
+                <a:gd name="adj1" fmla="val 1800000"/>
+              </a:avLst>
+            </a:prstGeom>
+            <a:ln>
+              <a:tailEnd type="triangle"/>
+            </a:ln>
+          </p:spPr>
+          <p:style>
+            <a:lnRef idx="1">
+              <a:schemeClr val="accent1"/>
+            </a:lnRef>
+            <a:fillRef idx="0">
+              <a:schemeClr val="accent1"/>
+            </a:fillRef>
+            <a:effectRef idx="0">
+              <a:schemeClr val="accent1"/>
+            </a:effectRef>
+            <a:fontRef idx="minor">
+              <a:schemeClr val="tx1"/>
+            </a:fontRef>
+          </p:style>
+        </p:cxnSp>
+        <p:cxnSp>
+          <p:nvCxnSpPr>
+            <p:cNvPr id="39" name="Connector: Elbow 38">
+              <a:extLst>
+                <a:ext uri="{FF2B5EF4-FFF2-40B4-BE49-F238E27FC236}">
+                  <a16:creationId xmlns:a16="http://schemas.microsoft.com/office/drawing/2014/main" id="{14BD1EE5-53E1-3E51-D057-2A51AD843542}"/>
+                </a:ext>
+              </a:extLst>
+            </p:cNvPr>
+            <p:cNvCxnSpPr>
+              <a:cxnSpLocks/>
+              <a:stCxn id="8" idx="1"/>
+              <a:endCxn id="9" idx="1"/>
+            </p:cNvCxnSpPr>
+            <p:nvPr/>
+          </p:nvCxnSpPr>
+          <p:spPr>
+            <a:xfrm rot="5400000" flipH="1" flipV="1">
+              <a:off x="6914500" y="1237585"/>
+              <a:ext cx="1" cy="2810512"/>
+            </a:xfrm>
+            <a:prstGeom prst="bentConnector3">
+              <a:avLst>
+                <a:gd name="adj1" fmla="val 22860100000"/>
+              </a:avLst>
+            </a:prstGeom>
+            <a:ln>
+              <a:tailEnd type="triangle"/>
+            </a:ln>
+          </p:spPr>
+          <p:style>
+            <a:lnRef idx="1">
+              <a:schemeClr val="accent1"/>
+            </a:lnRef>
+            <a:fillRef idx="0">
+              <a:schemeClr val="accent1"/>
+            </a:fillRef>
+            <a:effectRef idx="0">
+              <a:schemeClr val="accent1"/>
+            </a:effectRef>
+            <a:fontRef idx="minor">
+              <a:schemeClr val="tx1"/>
+            </a:fontRef>
+          </p:style>
+        </p:cxnSp>
+        <p:cxnSp>
+          <p:nvCxnSpPr>
+            <p:cNvPr id="41" name="Connector: Elbow 40">
+              <a:extLst>
+                <a:ext uri="{FF2B5EF4-FFF2-40B4-BE49-F238E27FC236}">
+                  <a16:creationId xmlns:a16="http://schemas.microsoft.com/office/drawing/2014/main" id="{A260E3C6-BCB2-FD30-6C21-FDEA2E4C066F}"/>
+                </a:ext>
+              </a:extLst>
+            </p:cNvPr>
+            <p:cNvCxnSpPr>
+              <a:cxnSpLocks/>
+              <a:stCxn id="3" idx="3"/>
+            </p:cNvCxnSpPr>
+            <p:nvPr/>
+          </p:nvCxnSpPr>
+          <p:spPr>
+            <a:xfrm rot="16200000" flipH="1" flipV="1">
+              <a:off x="2781593" y="3723596"/>
+              <a:ext cx="309193" cy="74787"/>
+            </a:xfrm>
+            <a:prstGeom prst="bentConnector3">
+              <a:avLst/>
+            </a:prstGeom>
+            <a:ln>
+              <a:tailEnd type="triangle"/>
+            </a:ln>
+          </p:spPr>
+          <p:style>
+            <a:lnRef idx="1">
+              <a:schemeClr val="accent1"/>
+            </a:lnRef>
+            <a:fillRef idx="0">
+              <a:schemeClr val="accent1"/>
+            </a:fillRef>
+            <a:effectRef idx="0">
+              <a:schemeClr val="accent1"/>
+            </a:effectRef>
+            <a:fontRef idx="minor">
+              <a:schemeClr val="tx1"/>
+            </a:fontRef>
+          </p:style>
+        </p:cxnSp>
+        <p:cxnSp>
+          <p:nvCxnSpPr>
+            <p:cNvPr id="43" name="Connector: Elbow 42">
+              <a:extLst>
+                <a:ext uri="{FF2B5EF4-FFF2-40B4-BE49-F238E27FC236}">
+                  <a16:creationId xmlns:a16="http://schemas.microsoft.com/office/drawing/2014/main" id="{2973CD11-1B74-6F41-8825-4D48CAD1C18E}"/>
+                </a:ext>
+              </a:extLst>
+            </p:cNvPr>
+            <p:cNvCxnSpPr>
+              <a:cxnSpLocks/>
+              <a:stCxn id="4" idx="3"/>
+            </p:cNvCxnSpPr>
+            <p:nvPr/>
+          </p:nvCxnSpPr>
+          <p:spPr>
+            <a:xfrm rot="16200000" flipH="1">
+              <a:off x="3605653" y="3728367"/>
+              <a:ext cx="309193" cy="65245"/>
+            </a:xfrm>
+            <a:prstGeom prst="bentConnector3">
+              <a:avLst/>
+            </a:prstGeom>
+            <a:ln>
+              <a:tailEnd type="triangle"/>
+            </a:ln>
+          </p:spPr>
+          <p:style>
+            <a:lnRef idx="1">
+              <a:schemeClr val="accent1"/>
+            </a:lnRef>
+            <a:fillRef idx="0">
+              <a:schemeClr val="accent1"/>
+            </a:fillRef>
+            <a:effectRef idx="0">
+              <a:schemeClr val="accent1"/>
+            </a:effectRef>
+            <a:fontRef idx="minor">
+              <a:schemeClr val="tx1"/>
+            </a:fontRef>
+          </p:style>
+        </p:cxnSp>
+        <p:cxnSp>
+          <p:nvCxnSpPr>
+            <p:cNvPr id="49" name="Straight Arrow Connector 48">
+              <a:extLst>
+                <a:ext uri="{FF2B5EF4-FFF2-40B4-BE49-F238E27FC236}">
+                  <a16:creationId xmlns:a16="http://schemas.microsoft.com/office/drawing/2014/main" id="{7A2D6CBD-B2ED-5967-5508-965EE7C3C911}"/>
+                </a:ext>
+              </a:extLst>
+            </p:cNvPr>
+            <p:cNvCxnSpPr>
+              <a:cxnSpLocks/>
+              <a:endCxn id="3" idx="0"/>
+            </p:cNvCxnSpPr>
+            <p:nvPr/>
+          </p:nvCxnSpPr>
+          <p:spPr>
+            <a:xfrm rot="16200000">
+              <a:off x="2618903" y="2962552"/>
+              <a:ext cx="989" cy="325119"/>
+            </a:xfrm>
+            <a:prstGeom prst="straightConnector1">
+              <a:avLst/>
+            </a:prstGeom>
+            <a:ln>
+              <a:tailEnd type="triangle"/>
+            </a:ln>
+          </p:spPr>
+          <p:style>
+            <a:lnRef idx="1">
+              <a:schemeClr val="accent1"/>
+            </a:lnRef>
+            <a:fillRef idx="0">
+              <a:schemeClr val="accent1"/>
+            </a:fillRef>
+            <a:effectRef idx="0">
+              <a:schemeClr val="accent1"/>
+            </a:effectRef>
+            <a:fontRef idx="minor">
+              <a:schemeClr val="tx1"/>
+            </a:fontRef>
+          </p:style>
+        </p:cxnSp>
+        <p:cxnSp>
+          <p:nvCxnSpPr>
+            <p:cNvPr id="51" name="Connector: Elbow 50">
+              <a:extLst>
+                <a:ext uri="{FF2B5EF4-FFF2-40B4-BE49-F238E27FC236}">
+                  <a16:creationId xmlns:a16="http://schemas.microsoft.com/office/drawing/2014/main" id="{3C49E081-0948-BA3B-F05A-12ADFFC8A734}"/>
+                </a:ext>
+              </a:extLst>
+            </p:cNvPr>
+            <p:cNvCxnSpPr>
+              <a:cxnSpLocks/>
+            </p:cNvCxnSpPr>
+            <p:nvPr/>
+          </p:nvCxnSpPr>
+          <p:spPr>
+            <a:xfrm rot="5400000" flipH="1">
+              <a:off x="1948607" y="3632848"/>
+              <a:ext cx="1905458" cy="888997"/>
+            </a:xfrm>
+            <a:prstGeom prst="bentConnector3">
+              <a:avLst>
+                <a:gd name="adj1" fmla="val -12796"/>
+              </a:avLst>
+            </a:prstGeom>
+          </p:spPr>
+          <p:style>
+            <a:lnRef idx="1">
+              <a:schemeClr val="accent1"/>
+            </a:lnRef>
+            <a:fillRef idx="0">
+              <a:schemeClr val="accent1"/>
+            </a:fillRef>
+            <a:effectRef idx="0">
+              <a:schemeClr val="accent1"/>
+            </a:effectRef>
+            <a:fontRef idx="minor">
+              <a:schemeClr val="tx1"/>
+            </a:fontRef>
+          </p:style>
+        </p:cxnSp>
+        <p:sp>
+          <p:nvSpPr>
+            <p:cNvPr id="54" name="Arrow: Left-Right 53">
+              <a:extLst>
+                <a:ext uri="{FF2B5EF4-FFF2-40B4-BE49-F238E27FC236}">
+                  <a16:creationId xmlns:a16="http://schemas.microsoft.com/office/drawing/2014/main" id="{B0EB86E2-91AA-8517-B556-484156341E2D}"/>
+                </a:ext>
+              </a:extLst>
+            </p:cNvPr>
+            <p:cNvSpPr/>
+            <p:nvPr/>
+          </p:nvSpPr>
+          <p:spPr>
+            <a:xfrm flipH="1">
+              <a:off x="2453833" y="1554664"/>
+              <a:ext cx="6329396" cy="619935"/>
+            </a:xfrm>
+            <a:prstGeom prst="leftRightArrow">
+              <a:avLst/>
+            </a:prstGeom>
+          </p:spPr>
+          <p:style>
+            <a:lnRef idx="1">
+              <a:schemeClr val="accent1"/>
+            </a:lnRef>
+            <a:fillRef idx="2">
+              <a:schemeClr val="accent1"/>
+            </a:fillRef>
+            <a:effectRef idx="1">
+              <a:schemeClr val="accent1"/>
+            </a:effectRef>
+            <a:fontRef idx="minor">
+              <a:schemeClr val="dk1"/>
+            </a:fontRef>
+          </p:style>
+          <p:txBody>
+            <a:bodyPr rtlCol="0" anchor="ctr"/>
+            <a:lstStyle/>
+            <a:p>
+              <a:pPr algn="ctr"/>
+              <a:r>
+                <a:rPr lang="en-US" dirty="0"/>
+                <a:t>DATA BUS 8bit</a:t>
+              </a:r>
+              <a:endParaRPr lang="en-IN" dirty="0"/>
+            </a:p>
+          </p:txBody>
+        </p:sp>
+        <p:sp>
+          <p:nvSpPr>
+            <p:cNvPr id="56" name="Arrow: Left 55">
+              <a:extLst>
+                <a:ext uri="{FF2B5EF4-FFF2-40B4-BE49-F238E27FC236}">
+                  <a16:creationId xmlns:a16="http://schemas.microsoft.com/office/drawing/2014/main" id="{1E7161E7-9D61-39BA-7532-43F4CDD84606}"/>
+                </a:ext>
+              </a:extLst>
+            </p:cNvPr>
+            <p:cNvSpPr/>
+            <p:nvPr/>
+          </p:nvSpPr>
+          <p:spPr>
+            <a:xfrm flipH="1">
+              <a:off x="6345191" y="4684916"/>
+              <a:ext cx="2438039" cy="618420"/>
+            </a:xfrm>
+            <a:prstGeom prst="leftArrow">
+              <a:avLst/>
+            </a:prstGeom>
+          </p:spPr>
+          <p:style>
+            <a:lnRef idx="1">
+              <a:schemeClr val="accent1"/>
+            </a:lnRef>
+            <a:fillRef idx="2">
+              <a:schemeClr val="accent1"/>
+            </a:fillRef>
+            <a:effectRef idx="1">
+              <a:schemeClr val="accent1"/>
+            </a:effectRef>
+            <a:fontRef idx="minor">
+              <a:schemeClr val="dk1"/>
+            </a:fontRef>
+          </p:style>
+          <p:txBody>
+            <a:bodyPr rtlCol="0" anchor="ctr"/>
+            <a:lstStyle/>
+            <a:p>
+              <a:pPr algn="ctr"/>
+              <a:r>
+                <a:rPr lang="en-US" dirty="0"/>
+                <a:t>ADDR BUS 8bit</a:t>
+              </a:r>
+              <a:endParaRPr lang="en-IN" dirty="0"/>
+            </a:p>
+          </p:txBody>
+        </p:sp>
+        <p:cxnSp>
+          <p:nvCxnSpPr>
+            <p:cNvPr id="58" name="Straight Arrow Connector 57">
+              <a:extLst>
+                <a:ext uri="{FF2B5EF4-FFF2-40B4-BE49-F238E27FC236}">
+                  <a16:creationId xmlns:a16="http://schemas.microsoft.com/office/drawing/2014/main" id="{798182A9-846B-8065-C9AE-DAB4EFDAABFD}"/>
+                </a:ext>
+              </a:extLst>
+            </p:cNvPr>
+            <p:cNvCxnSpPr>
+              <a:cxnSpLocks/>
+            </p:cNvCxnSpPr>
+            <p:nvPr/>
+          </p:nvCxnSpPr>
+          <p:spPr>
+            <a:xfrm rot="16200000" flipH="1">
+              <a:off x="2561124" y="2338582"/>
+              <a:ext cx="635588" cy="0"/>
+            </a:xfrm>
+            <a:prstGeom prst="straightConnector1">
+              <a:avLst/>
+            </a:prstGeom>
+            <a:ln>
+              <a:headEnd type="triangle"/>
+              <a:tailEnd type="triangle"/>
+            </a:ln>
+          </p:spPr>
+          <p:style>
+            <a:lnRef idx="1">
+              <a:schemeClr val="accent1"/>
+            </a:lnRef>
+            <a:fillRef idx="0">
+              <a:schemeClr val="accent1"/>
+            </a:fillRef>
+            <a:effectRef idx="0">
+              <a:schemeClr val="accent1"/>
+            </a:effectRef>
+            <a:fontRef idx="minor">
+              <a:schemeClr val="tx1"/>
+            </a:fontRef>
+          </p:style>
+        </p:cxnSp>
+        <p:cxnSp>
+          <p:nvCxnSpPr>
+            <p:cNvPr id="59" name="Straight Arrow Connector 58">
+              <a:extLst>
+                <a:ext uri="{FF2B5EF4-FFF2-40B4-BE49-F238E27FC236}">
+                  <a16:creationId xmlns:a16="http://schemas.microsoft.com/office/drawing/2014/main" id="{03732787-7200-87D0-5BC2-24C74514C31D}"/>
+                </a:ext>
+              </a:extLst>
+            </p:cNvPr>
+            <p:cNvCxnSpPr>
+              <a:cxnSpLocks/>
+            </p:cNvCxnSpPr>
+            <p:nvPr/>
+          </p:nvCxnSpPr>
+          <p:spPr>
+            <a:xfrm rot="16200000" flipH="1">
+              <a:off x="3323121" y="2345644"/>
+              <a:ext cx="635588" cy="0"/>
+            </a:xfrm>
+            <a:prstGeom prst="straightConnector1">
+              <a:avLst/>
+            </a:prstGeom>
+            <a:ln>
+              <a:headEnd type="triangle"/>
+              <a:tailEnd type="triangle"/>
+            </a:ln>
+          </p:spPr>
+          <p:style>
+            <a:lnRef idx="1">
+              <a:schemeClr val="accent1"/>
+            </a:lnRef>
+            <a:fillRef idx="0">
+              <a:schemeClr val="accent1"/>
+            </a:fillRef>
+            <a:effectRef idx="0">
+              <a:schemeClr val="accent1"/>
+            </a:effectRef>
+            <a:fontRef idx="minor">
+              <a:schemeClr val="tx1"/>
+            </a:fontRef>
+          </p:style>
+        </p:cxnSp>
+        <p:cxnSp>
+          <p:nvCxnSpPr>
+            <p:cNvPr id="60" name="Straight Arrow Connector 59">
+              <a:extLst>
+                <a:ext uri="{FF2B5EF4-FFF2-40B4-BE49-F238E27FC236}">
+                  <a16:creationId xmlns:a16="http://schemas.microsoft.com/office/drawing/2014/main" id="{B4038CDE-B763-A396-3CB9-0B3B6ECB125C}"/>
+                </a:ext>
+              </a:extLst>
+            </p:cNvPr>
+            <p:cNvCxnSpPr>
+              <a:cxnSpLocks/>
+            </p:cNvCxnSpPr>
+            <p:nvPr/>
+          </p:nvCxnSpPr>
+          <p:spPr>
+            <a:xfrm rot="16200000" flipH="1">
+              <a:off x="4038736" y="2321184"/>
+              <a:ext cx="635588" cy="0"/>
+            </a:xfrm>
+            <a:prstGeom prst="straightConnector1">
+              <a:avLst/>
+            </a:prstGeom>
+            <a:ln>
+              <a:headEnd type="triangle"/>
+              <a:tailEnd type="triangle"/>
+            </a:ln>
+          </p:spPr>
+          <p:style>
+            <a:lnRef idx="1">
+              <a:schemeClr val="accent1"/>
+            </a:lnRef>
+            <a:fillRef idx="0">
+              <a:schemeClr val="accent1"/>
+            </a:fillRef>
+            <a:effectRef idx="0">
+              <a:schemeClr val="accent1"/>
+            </a:effectRef>
+            <a:fontRef idx="minor">
+              <a:schemeClr val="tx1"/>
+            </a:fontRef>
+          </p:style>
+        </p:cxnSp>
+        <p:cxnSp>
+          <p:nvCxnSpPr>
+            <p:cNvPr id="61" name="Straight Arrow Connector 60">
+              <a:extLst>
+                <a:ext uri="{FF2B5EF4-FFF2-40B4-BE49-F238E27FC236}">
+                  <a16:creationId xmlns:a16="http://schemas.microsoft.com/office/drawing/2014/main" id="{FF8BB1B2-60C7-1C6B-20BE-C8FDBA9B284F}"/>
+                </a:ext>
+              </a:extLst>
+            </p:cNvPr>
+            <p:cNvCxnSpPr>
+              <a:cxnSpLocks/>
+            </p:cNvCxnSpPr>
+            <p:nvPr/>
+          </p:nvCxnSpPr>
+          <p:spPr>
+            <a:xfrm rot="16200000" flipH="1">
+              <a:off x="6092418" y="2321184"/>
+              <a:ext cx="635588" cy="0"/>
+            </a:xfrm>
+            <a:prstGeom prst="straightConnector1">
+              <a:avLst/>
+            </a:prstGeom>
+            <a:ln>
+              <a:headEnd type="triangle"/>
+              <a:tailEnd type="triangle"/>
+            </a:ln>
+          </p:spPr>
+          <p:style>
+            <a:lnRef idx="1">
+              <a:schemeClr val="accent1"/>
+            </a:lnRef>
+            <a:fillRef idx="0">
+              <a:schemeClr val="accent1"/>
+            </a:fillRef>
+            <a:effectRef idx="0">
+              <a:schemeClr val="accent1"/>
+            </a:effectRef>
+            <a:fontRef idx="minor">
+              <a:schemeClr val="tx1"/>
+            </a:fontRef>
+          </p:style>
+        </p:cxnSp>
+        <p:cxnSp>
+          <p:nvCxnSpPr>
+            <p:cNvPr id="62" name="Straight Arrow Connector 61">
+              <a:extLst>
+                <a:ext uri="{FF2B5EF4-FFF2-40B4-BE49-F238E27FC236}">
+                  <a16:creationId xmlns:a16="http://schemas.microsoft.com/office/drawing/2014/main" id="{8A2DB419-4885-248D-A99A-928E51EFB0F4}"/>
+                </a:ext>
+              </a:extLst>
+            </p:cNvPr>
+            <p:cNvCxnSpPr>
+              <a:cxnSpLocks/>
+            </p:cNvCxnSpPr>
+            <p:nvPr/>
+          </p:nvCxnSpPr>
+          <p:spPr>
+            <a:xfrm rot="16200000" flipH="1">
+              <a:off x="6878578" y="2321184"/>
+              <a:ext cx="635588" cy="0"/>
+            </a:xfrm>
+            <a:prstGeom prst="straightConnector1">
+              <a:avLst/>
+            </a:prstGeom>
+            <a:ln>
+              <a:headEnd type="triangle"/>
+              <a:tailEnd type="triangle"/>
+            </a:ln>
+          </p:spPr>
+          <p:style>
+            <a:lnRef idx="1">
+              <a:schemeClr val="accent1"/>
+            </a:lnRef>
+            <a:fillRef idx="0">
+              <a:schemeClr val="accent1"/>
+            </a:fillRef>
+            <a:effectRef idx="0">
+              <a:schemeClr val="accent1"/>
+            </a:effectRef>
+            <a:fontRef idx="minor">
+              <a:schemeClr val="tx1"/>
+            </a:fontRef>
+          </p:style>
+        </p:cxnSp>
+        <p:cxnSp>
+          <p:nvCxnSpPr>
+            <p:cNvPr id="63" name="Straight Arrow Connector 62">
+              <a:extLst>
+                <a:ext uri="{FF2B5EF4-FFF2-40B4-BE49-F238E27FC236}">
+                  <a16:creationId xmlns:a16="http://schemas.microsoft.com/office/drawing/2014/main" id="{E4603A9B-0EB9-E470-2AA9-64A026C51CEF}"/>
+                </a:ext>
+              </a:extLst>
+            </p:cNvPr>
+            <p:cNvCxnSpPr>
+              <a:cxnSpLocks/>
+            </p:cNvCxnSpPr>
+            <p:nvPr/>
+          </p:nvCxnSpPr>
+          <p:spPr>
+            <a:xfrm rot="16200000" flipH="1">
+              <a:off x="7833702" y="2338582"/>
+              <a:ext cx="635588" cy="0"/>
+            </a:xfrm>
+            <a:prstGeom prst="straightConnector1">
+              <a:avLst/>
+            </a:prstGeom>
+            <a:ln>
+              <a:headEnd type="triangle"/>
+              <a:tailEnd type="triangle"/>
+            </a:ln>
+          </p:spPr>
+          <p:style>
+            <a:lnRef idx="1">
+              <a:schemeClr val="accent1"/>
+            </a:lnRef>
+            <a:fillRef idx="0">
+              <a:schemeClr val="accent1"/>
+            </a:fillRef>
+            <a:effectRef idx="0">
+              <a:schemeClr val="accent1"/>
+            </a:effectRef>
+            <a:fontRef idx="minor">
+              <a:schemeClr val="tx1"/>
+            </a:fontRef>
+          </p:style>
+        </p:cxnSp>
+      </p:grpSp>
+      <p:cxnSp>
+        <p:nvCxnSpPr>
+          <p:cNvPr id="46" name="Connector: Elbow 45">
+            <a:extLst>
+              <a:ext uri="{FF2B5EF4-FFF2-40B4-BE49-F238E27FC236}">
+                <a16:creationId xmlns:a16="http://schemas.microsoft.com/office/drawing/2014/main" id="{B18DE0CC-8AB6-8EB4-29D7-D75265B6EEEE}"/>
+              </a:ext>
+            </a:extLst>
+          </p:cNvPr>
+          <p:cNvCxnSpPr>
+            <a:stCxn id="5" idx="2"/>
+            <a:endCxn id="8" idx="0"/>
+          </p:cNvCxnSpPr>
+          <p:nvPr/>
+        </p:nvCxnSpPr>
+        <p:spPr>
+          <a:xfrm>
+            <a:off x="4673299" y="3124617"/>
+            <a:ext cx="369471" cy="401551"/>
+          </a:xfrm>
+          <a:prstGeom prst="bentConnector5">
+            <a:avLst>
+              <a:gd name="adj1" fmla="val 39873"/>
+              <a:gd name="adj2" fmla="val 99780"/>
+              <a:gd name="adj3" fmla="val 62877"/>
+            </a:avLst>
+          </a:prstGeom>
+          <a:ln>
+            <a:tailEnd type="triangle"/>
+          </a:ln>
+        </p:spPr>
+        <p:style>
+          <a:lnRef idx="1">
+            <a:schemeClr val="accent1"/>
+          </a:lnRef>
+          <a:fillRef idx="0">
+            <a:schemeClr val="accent1"/>
+          </a:fillRef>
+          <a:effectRef idx="0">
+            <a:schemeClr val="accent1"/>
+          </a:effectRef>
+          <a:fontRef idx="minor">
+            <a:schemeClr val="tx1"/>
+          </a:fontRef>
+        </p:style>
+      </p:cxnSp>
+    </p:spTree>
+    <p:extLst>
+      <p:ext uri="{BB962C8B-B14F-4D97-AF65-F5344CB8AC3E}">
+        <p14:creationId xmlns:p14="http://schemas.microsoft.com/office/powerpoint/2010/main" val="1093131546"/>
+      </p:ext>
+    </p:extLst>
+  </p:cSld>
+  <p:clrMapOvr>
+    <a:masterClrMapping/>
+  </p:clrMapOvr>
+</p:sld>
+</file>
+
 <file path=ppt/slides/slide2.xml><?xml version="1.0" encoding="utf-8"?>
+<p:sld xmlns:a="http://schemas.openxmlformats.org/drawingml/2006/main" xmlns:r="http://schemas.openxmlformats.org/officeDocument/2006/relationships" xmlns:p="http://schemas.openxmlformats.org/presentationml/2006/main">
+  <p:cSld>
+    <p:spTree>
+      <p:nvGrpSpPr>
+        <p:cNvPr id="1" name=""/>
+        <p:cNvGrpSpPr/>
+        <p:nvPr/>
+      </p:nvGrpSpPr>
+      <p:grpSpPr>
+        <a:xfrm>
+          <a:off x="0" y="0"/>
+          <a:ext cx="0" cy="0"/>
+          <a:chOff x="0" y="0"/>
+          <a:chExt cx="0" cy="0"/>
+        </a:xfrm>
+      </p:grpSpPr>
+      <p:sp>
+        <p:nvSpPr>
+          <p:cNvPr id="2" name="Title 1">
+            <a:extLst>
+              <a:ext uri="{FF2B5EF4-FFF2-40B4-BE49-F238E27FC236}">
+                <a16:creationId xmlns:a16="http://schemas.microsoft.com/office/drawing/2014/main" id="{7C86D58C-6F23-3E79-D6A2-9279BFF947B4}"/>
+              </a:ext>
+            </a:extLst>
+          </p:cNvPr>
+          <p:cNvSpPr>
+            <a:spLocks noGrp="1"/>
+          </p:cNvSpPr>
+          <p:nvPr>
+            <p:ph type="title"/>
+          </p:nvPr>
+        </p:nvSpPr>
+        <p:spPr/>
+        <p:txBody>
+          <a:bodyPr/>
+          <a:lstStyle/>
+          <a:p>
+            <a:r>
+              <a:rPr lang="en-US" dirty="0"/>
+              <a:t>CPU Block Diagram</a:t>
+            </a:r>
+            <a:endParaRPr lang="en-IN" dirty="0"/>
+          </a:p>
+        </p:txBody>
+      </p:sp>
+      <p:grpSp>
+        <p:nvGrpSpPr>
+          <p:cNvPr id="4" name="Group 3">
+            <a:extLst>
+              <a:ext uri="{FF2B5EF4-FFF2-40B4-BE49-F238E27FC236}">
+                <a16:creationId xmlns:a16="http://schemas.microsoft.com/office/drawing/2014/main" id="{1A9E40C4-B966-1446-6D54-382A62A2BADA}"/>
+              </a:ext>
+            </a:extLst>
+          </p:cNvPr>
+          <p:cNvGrpSpPr/>
+          <p:nvPr/>
+        </p:nvGrpSpPr>
+        <p:grpSpPr>
+          <a:xfrm>
+            <a:off x="2274929" y="1930400"/>
+            <a:ext cx="6332399" cy="3748672"/>
+            <a:chOff x="2453833" y="1554664"/>
+            <a:chExt cx="6332399" cy="3748672"/>
+          </a:xfrm>
+        </p:grpSpPr>
+        <p:sp>
+          <p:nvSpPr>
+            <p:cNvPr id="5" name="Rectangle: Rounded Corners 4">
+              <a:extLst>
+                <a:ext uri="{FF2B5EF4-FFF2-40B4-BE49-F238E27FC236}">
+                  <a16:creationId xmlns:a16="http://schemas.microsoft.com/office/drawing/2014/main" id="{A74DB376-0A13-2487-6DCE-07D2C719A54D}"/>
+                </a:ext>
+              </a:extLst>
+            </p:cNvPr>
+            <p:cNvSpPr/>
+            <p:nvPr/>
+          </p:nvSpPr>
+          <p:spPr>
+            <a:xfrm rot="16200000" flipH="1">
+              <a:off x="2491807" y="2932990"/>
+              <a:ext cx="963551" cy="383252"/>
+            </a:xfrm>
+            <a:prstGeom prst="roundRect">
+              <a:avLst/>
+            </a:prstGeom>
+          </p:spPr>
+          <p:style>
+            <a:lnRef idx="1">
+              <a:schemeClr val="accent1"/>
+            </a:lnRef>
+            <a:fillRef idx="2">
+              <a:schemeClr val="accent1"/>
+            </a:fillRef>
+            <a:effectRef idx="1">
+              <a:schemeClr val="accent1"/>
+            </a:effectRef>
+            <a:fontRef idx="minor">
+              <a:schemeClr val="dk1"/>
+            </a:fontRef>
+          </p:style>
+          <p:txBody>
+            <a:bodyPr rtlCol="0" anchor="ctr">
+              <a:scene3d>
+                <a:camera prst="orthographicFront">
+                  <a:rot lat="0" lon="0" rev="16200000"/>
+                </a:camera>
+                <a:lightRig rig="threePt" dir="t"/>
+              </a:scene3d>
+            </a:bodyPr>
+            <a:lstStyle/>
+            <a:p>
+              <a:pPr algn="ctr"/>
+              <a:r>
+                <a:rPr lang="en-US" dirty="0"/>
+                <a:t>A</a:t>
+              </a:r>
+            </a:p>
+          </p:txBody>
+        </p:sp>
+        <p:sp>
+          <p:nvSpPr>
+            <p:cNvPr id="6" name="Rectangle: Rounded Corners 5">
+              <a:extLst>
+                <a:ext uri="{FF2B5EF4-FFF2-40B4-BE49-F238E27FC236}">
+                  <a16:creationId xmlns:a16="http://schemas.microsoft.com/office/drawing/2014/main" id="{A4E1A1CD-A951-3A8B-2B1E-8FAC384F2348}"/>
+                </a:ext>
+              </a:extLst>
+            </p:cNvPr>
+            <p:cNvSpPr/>
+            <p:nvPr/>
+          </p:nvSpPr>
+          <p:spPr>
+            <a:xfrm rot="16200000" flipH="1">
+              <a:off x="3245852" y="2932990"/>
+              <a:ext cx="963551" cy="383252"/>
+            </a:xfrm>
+            <a:prstGeom prst="roundRect">
+              <a:avLst/>
+            </a:prstGeom>
+          </p:spPr>
+          <p:style>
+            <a:lnRef idx="1">
+              <a:schemeClr val="accent1"/>
+            </a:lnRef>
+            <a:fillRef idx="2">
+              <a:schemeClr val="accent1"/>
+            </a:fillRef>
+            <a:effectRef idx="1">
+              <a:schemeClr val="accent1"/>
+            </a:effectRef>
+            <a:fontRef idx="minor">
+              <a:schemeClr val="dk1"/>
+            </a:fontRef>
+          </p:style>
+          <p:txBody>
+            <a:bodyPr rtlCol="0" anchor="ctr">
+              <a:scene3d>
+                <a:camera prst="orthographicFront">
+                  <a:rot lat="0" lon="0" rev="16200000"/>
+                </a:camera>
+                <a:lightRig rig="threePt" dir="t"/>
+              </a:scene3d>
+            </a:bodyPr>
+            <a:lstStyle/>
+            <a:p>
+              <a:pPr algn="ctr"/>
+              <a:r>
+                <a:rPr lang="en-US" dirty="0"/>
+                <a:t>B</a:t>
+              </a:r>
+              <a:endParaRPr lang="en-IN" dirty="0"/>
+            </a:p>
+          </p:txBody>
+        </p:sp>
+        <p:sp>
+          <p:nvSpPr>
+            <p:cNvPr id="7" name="Rectangle: Rounded Corners 6">
+              <a:extLst>
+                <a:ext uri="{FF2B5EF4-FFF2-40B4-BE49-F238E27FC236}">
+                  <a16:creationId xmlns:a16="http://schemas.microsoft.com/office/drawing/2014/main" id="{B32F448F-50DA-6C4C-C636-8EDBC8CEB47E}"/>
+                </a:ext>
+              </a:extLst>
+            </p:cNvPr>
+            <p:cNvSpPr/>
+            <p:nvPr/>
+          </p:nvSpPr>
+          <p:spPr>
+            <a:xfrm rot="16200000" flipH="1">
+              <a:off x="3999897" y="2932990"/>
+              <a:ext cx="963551" cy="383252"/>
+            </a:xfrm>
+            <a:prstGeom prst="roundRect">
+              <a:avLst/>
+            </a:prstGeom>
+          </p:spPr>
+          <p:style>
+            <a:lnRef idx="1">
+              <a:schemeClr val="accent1"/>
+            </a:lnRef>
+            <a:fillRef idx="2">
+              <a:schemeClr val="accent1"/>
+            </a:fillRef>
+            <a:effectRef idx="1">
+              <a:schemeClr val="accent1"/>
+            </a:effectRef>
+            <a:fontRef idx="minor">
+              <a:schemeClr val="dk1"/>
+            </a:fontRef>
+          </p:style>
+          <p:txBody>
+            <a:bodyPr rtlCol="0" anchor="ctr">
+              <a:scene3d>
+                <a:camera prst="orthographicFront">
+                  <a:rot lat="0" lon="0" rev="16200000"/>
+                </a:camera>
+                <a:lightRig rig="threePt" dir="t"/>
+              </a:scene3d>
+            </a:bodyPr>
+            <a:lstStyle/>
+            <a:p>
+              <a:pPr algn="ctr"/>
+              <a:r>
+                <a:rPr lang="en-US" dirty="0"/>
+                <a:t>IR</a:t>
+              </a:r>
+              <a:endParaRPr lang="en-IN" dirty="0"/>
+            </a:p>
+          </p:txBody>
+        </p:sp>
+        <p:sp>
+          <p:nvSpPr>
+            <p:cNvPr id="8" name="Rectangle: Rounded Corners 7">
+              <a:extLst>
+                <a:ext uri="{FF2B5EF4-FFF2-40B4-BE49-F238E27FC236}">
+                  <a16:creationId xmlns:a16="http://schemas.microsoft.com/office/drawing/2014/main" id="{E1B1B735-8C91-E95C-3EF2-1289BE43680F}"/>
+                </a:ext>
+              </a:extLst>
+            </p:cNvPr>
+            <p:cNvSpPr/>
+            <p:nvPr/>
+          </p:nvSpPr>
+          <p:spPr>
+            <a:xfrm rot="16200000" flipH="1">
+              <a:off x="6810409" y="2932990"/>
+              <a:ext cx="963551" cy="383252"/>
+            </a:xfrm>
+            <a:prstGeom prst="roundRect">
+              <a:avLst/>
+            </a:prstGeom>
+          </p:spPr>
+          <p:style>
+            <a:lnRef idx="1">
+              <a:schemeClr val="accent1"/>
+            </a:lnRef>
+            <a:fillRef idx="2">
+              <a:schemeClr val="accent1"/>
+            </a:fillRef>
+            <a:effectRef idx="1">
+              <a:schemeClr val="accent1"/>
+            </a:effectRef>
+            <a:fontRef idx="minor">
+              <a:schemeClr val="dk1"/>
+            </a:fontRef>
+          </p:style>
+          <p:txBody>
+            <a:bodyPr rtlCol="0" anchor="ctr">
+              <a:scene3d>
+                <a:camera prst="orthographicFront">
+                  <a:rot lat="0" lon="0" rev="16200000"/>
+                </a:camera>
+                <a:lightRig rig="threePt" dir="t"/>
+              </a:scene3d>
+            </a:bodyPr>
+            <a:lstStyle/>
+            <a:p>
+              <a:pPr algn="ctr"/>
+              <a:r>
+                <a:rPr lang="en-US" dirty="0"/>
+                <a:t>PC</a:t>
+              </a:r>
+              <a:endParaRPr lang="en-IN" dirty="0"/>
+            </a:p>
+          </p:txBody>
+        </p:sp>
+        <p:sp>
+          <p:nvSpPr>
+            <p:cNvPr id="9" name="Rectangle: Rounded Corners 8">
+              <a:extLst>
+                <a:ext uri="{FF2B5EF4-FFF2-40B4-BE49-F238E27FC236}">
+                  <a16:creationId xmlns:a16="http://schemas.microsoft.com/office/drawing/2014/main" id="{5FF24C6E-854A-81C1-F80B-E5FB1C33C31C}"/>
+                </a:ext>
+              </a:extLst>
+            </p:cNvPr>
+            <p:cNvSpPr/>
+            <p:nvPr/>
+          </p:nvSpPr>
+          <p:spPr>
+            <a:xfrm rot="16200000" flipH="1">
+              <a:off x="6056364" y="2932990"/>
+              <a:ext cx="963551" cy="383252"/>
+            </a:xfrm>
+            <a:prstGeom prst="roundRect">
+              <a:avLst/>
+            </a:prstGeom>
+          </p:spPr>
+          <p:style>
+            <a:lnRef idx="1">
+              <a:schemeClr val="accent1"/>
+            </a:lnRef>
+            <a:fillRef idx="2">
+              <a:schemeClr val="accent1"/>
+            </a:fillRef>
+            <a:effectRef idx="1">
+              <a:schemeClr val="accent1"/>
+            </a:effectRef>
+            <a:fontRef idx="minor">
+              <a:schemeClr val="dk1"/>
+            </a:fontRef>
+          </p:style>
+          <p:txBody>
+            <a:bodyPr rtlCol="0" anchor="ctr">
+              <a:scene3d>
+                <a:camera prst="orthographicFront">
+                  <a:rot lat="0" lon="0" rev="16200000"/>
+                </a:camera>
+                <a:lightRig rig="threePt" dir="t"/>
+              </a:scene3d>
+            </a:bodyPr>
+            <a:lstStyle/>
+            <a:p>
+              <a:pPr algn="ctr"/>
+              <a:r>
+                <a:rPr lang="en-US" dirty="0"/>
+                <a:t>AR</a:t>
+              </a:r>
+              <a:endParaRPr lang="en-IN" dirty="0"/>
+            </a:p>
+          </p:txBody>
+        </p:sp>
+        <p:sp>
+          <p:nvSpPr>
+            <p:cNvPr id="10" name="Rectangle 9">
+              <a:extLst>
+                <a:ext uri="{FF2B5EF4-FFF2-40B4-BE49-F238E27FC236}">
+                  <a16:creationId xmlns:a16="http://schemas.microsoft.com/office/drawing/2014/main" id="{A05D0351-4DE3-4794-B0A3-0E43C8C3C521}"/>
+                </a:ext>
+              </a:extLst>
+            </p:cNvPr>
+            <p:cNvSpPr/>
+            <p:nvPr/>
+          </p:nvSpPr>
+          <p:spPr>
+            <a:xfrm rot="16200000" flipH="1">
+              <a:off x="4625918" y="3059692"/>
+              <a:ext cx="1766654" cy="932951"/>
+            </a:xfrm>
+            <a:prstGeom prst="rect">
+              <a:avLst/>
+            </a:prstGeom>
+          </p:spPr>
+          <p:style>
+            <a:lnRef idx="1">
+              <a:schemeClr val="accent1"/>
+            </a:lnRef>
+            <a:fillRef idx="2">
+              <a:schemeClr val="accent1"/>
+            </a:fillRef>
+            <a:effectRef idx="1">
+              <a:schemeClr val="accent1"/>
+            </a:effectRef>
+            <a:fontRef idx="minor">
+              <a:schemeClr val="dk1"/>
+            </a:fontRef>
+          </p:style>
+          <p:txBody>
+            <a:bodyPr rtlCol="0" anchor="ctr">
+              <a:scene3d>
+                <a:camera prst="orthographicFront">
+                  <a:rot lat="0" lon="0" rev="16200000"/>
+                </a:camera>
+                <a:lightRig rig="threePt" dir="t"/>
+              </a:scene3d>
+            </a:bodyPr>
+            <a:lstStyle/>
+            <a:p>
+              <a:pPr algn="ctr"/>
+              <a:r>
+                <a:rPr lang="en-US" dirty="0"/>
+                <a:t>Control </a:t>
+              </a:r>
+            </a:p>
+            <a:p>
+              <a:pPr algn="ctr"/>
+              <a:r>
+                <a:rPr lang="en-US" dirty="0"/>
+                <a:t>Unit</a:t>
+              </a:r>
+              <a:endParaRPr lang="en-IN" dirty="0"/>
+            </a:p>
+          </p:txBody>
+        </p:sp>
+        <p:sp>
+          <p:nvSpPr>
+            <p:cNvPr id="11" name="Rectangle 10">
+              <a:extLst>
+                <a:ext uri="{FF2B5EF4-FFF2-40B4-BE49-F238E27FC236}">
+                  <a16:creationId xmlns:a16="http://schemas.microsoft.com/office/drawing/2014/main" id="{3DB652E2-100E-8DA9-7DB2-39BA4E3F3E65}"/>
+                </a:ext>
+              </a:extLst>
+            </p:cNvPr>
+            <p:cNvSpPr/>
+            <p:nvPr/>
+          </p:nvSpPr>
+          <p:spPr>
+            <a:xfrm rot="16200000" flipH="1">
+              <a:off x="7436430" y="3059691"/>
+              <a:ext cx="1766654" cy="932951"/>
+            </a:xfrm>
+            <a:prstGeom prst="rect">
+              <a:avLst/>
+            </a:prstGeom>
+          </p:spPr>
+          <p:style>
+            <a:lnRef idx="1">
+              <a:schemeClr val="accent1"/>
+            </a:lnRef>
+            <a:fillRef idx="2">
+              <a:schemeClr val="accent1"/>
+            </a:fillRef>
+            <a:effectRef idx="1">
+              <a:schemeClr val="accent1"/>
+            </a:effectRef>
+            <a:fontRef idx="minor">
+              <a:schemeClr val="dk1"/>
+            </a:fontRef>
+          </p:style>
+          <p:txBody>
+            <a:bodyPr rtlCol="0" anchor="ctr">
+              <a:scene3d>
+                <a:camera prst="orthographicFront">
+                  <a:rot lat="0" lon="0" rev="16200000"/>
+                </a:camera>
+                <a:lightRig rig="threePt" dir="t"/>
+              </a:scene3d>
+            </a:bodyPr>
+            <a:lstStyle/>
+            <a:p>
+              <a:pPr algn="ctr"/>
+              <a:r>
+                <a:rPr lang="en-US" dirty="0"/>
+                <a:t>RAM</a:t>
+              </a:r>
+            </a:p>
+            <a:p>
+              <a:pPr algn="ctr"/>
+              <a:r>
+                <a:rPr lang="en-US" dirty="0"/>
+                <a:t>256X8</a:t>
+              </a:r>
+              <a:endParaRPr lang="en-IN" dirty="0"/>
+            </a:p>
+          </p:txBody>
+        </p:sp>
+        <p:sp>
+          <p:nvSpPr>
+            <p:cNvPr id="12" name="Trapezoid 11">
+              <a:extLst>
+                <a:ext uri="{FF2B5EF4-FFF2-40B4-BE49-F238E27FC236}">
+                  <a16:creationId xmlns:a16="http://schemas.microsoft.com/office/drawing/2014/main" id="{B7CF225F-1294-C519-42FE-20FC634AF6E7}"/>
+                </a:ext>
+              </a:extLst>
+            </p:cNvPr>
+            <p:cNvSpPr/>
+            <p:nvPr/>
+          </p:nvSpPr>
+          <p:spPr>
+            <a:xfrm rot="10800000" flipH="1">
+              <a:off x="6345191" y="3964846"/>
+              <a:ext cx="1138620" cy="444647"/>
+            </a:xfrm>
+            <a:prstGeom prst="trapezoid">
+              <a:avLst>
+                <a:gd name="adj" fmla="val 55137"/>
+              </a:avLst>
+            </a:prstGeom>
+          </p:spPr>
+          <p:style>
+            <a:lnRef idx="1">
+              <a:schemeClr val="accent1"/>
+            </a:lnRef>
+            <a:fillRef idx="2">
+              <a:schemeClr val="accent1"/>
+            </a:fillRef>
+            <a:effectRef idx="1">
+              <a:schemeClr val="accent1"/>
+            </a:effectRef>
+            <a:fontRef idx="minor">
+              <a:schemeClr val="dk1"/>
+            </a:fontRef>
+          </p:style>
+          <p:txBody>
+            <a:bodyPr rtlCol="0" anchor="ctr"/>
+            <a:lstStyle/>
+            <a:p>
+              <a:pPr algn="ctr"/>
+              <a:endParaRPr lang="en-IN"/>
+            </a:p>
+          </p:txBody>
+        </p:sp>
+        <p:sp>
+          <p:nvSpPr>
+            <p:cNvPr id="13" name="Heptagon 11">
+              <a:extLst>
+                <a:ext uri="{FF2B5EF4-FFF2-40B4-BE49-F238E27FC236}">
+                  <a16:creationId xmlns:a16="http://schemas.microsoft.com/office/drawing/2014/main" id="{410D9105-8584-90B9-BFAC-60C3B2EE9E57}"/>
+                </a:ext>
+              </a:extLst>
+            </p:cNvPr>
+            <p:cNvSpPr/>
+            <p:nvPr/>
+          </p:nvSpPr>
+          <p:spPr>
+            <a:xfrm rot="16200000" flipH="1">
+              <a:off x="2782112" y="3774460"/>
+              <a:ext cx="1114490" cy="1396740"/>
+            </a:xfrm>
+            <a:custGeom>
+              <a:avLst/>
+              <a:gdLst>
+                <a:gd name="connsiteX0" fmla="*/ -4 w 1405890"/>
+                <a:gd name="connsiteY0" fmla="*/ 803678 h 1249680"/>
+                <a:gd name="connsiteX1" fmla="*/ 139226 w 1405890"/>
+                <a:gd name="connsiteY1" fmla="*/ 247515 h 1249680"/>
+                <a:gd name="connsiteX2" fmla="*/ 702945 w 1405890"/>
+                <a:gd name="connsiteY2" fmla="*/ 0 h 1249680"/>
+                <a:gd name="connsiteX3" fmla="*/ 1266664 w 1405890"/>
+                <a:gd name="connsiteY3" fmla="*/ 247515 h 1249680"/>
+                <a:gd name="connsiteX4" fmla="*/ 1405894 w 1405890"/>
+                <a:gd name="connsiteY4" fmla="*/ 803678 h 1249680"/>
+                <a:gd name="connsiteX5" fmla="*/ 1015783 w 1405890"/>
+                <a:gd name="connsiteY5" fmla="*/ 1249687 h 1249680"/>
+                <a:gd name="connsiteX6" fmla="*/ 390107 w 1405890"/>
+                <a:gd name="connsiteY6" fmla="*/ 1249687 h 1249680"/>
+                <a:gd name="connsiteX7" fmla="*/ -4 w 1405890"/>
+                <a:gd name="connsiteY7" fmla="*/ 803678 h 1249680"/>
+                <a:gd name="connsiteX0" fmla="*/ 653250 w 1266668"/>
+                <a:gd name="connsiteY0" fmla="*/ 792248 h 1249687"/>
+                <a:gd name="connsiteX1" fmla="*/ 0 w 1266668"/>
+                <a:gd name="connsiteY1" fmla="*/ 247515 h 1249687"/>
+                <a:gd name="connsiteX2" fmla="*/ 563719 w 1266668"/>
+                <a:gd name="connsiteY2" fmla="*/ 0 h 1249687"/>
+                <a:gd name="connsiteX3" fmla="*/ 1127438 w 1266668"/>
+                <a:gd name="connsiteY3" fmla="*/ 247515 h 1249687"/>
+                <a:gd name="connsiteX4" fmla="*/ 1266668 w 1266668"/>
+                <a:gd name="connsiteY4" fmla="*/ 803678 h 1249687"/>
+                <a:gd name="connsiteX5" fmla="*/ 876557 w 1266668"/>
+                <a:gd name="connsiteY5" fmla="*/ 1249687 h 1249687"/>
+                <a:gd name="connsiteX6" fmla="*/ 250881 w 1266668"/>
+                <a:gd name="connsiteY6" fmla="*/ 1249687 h 1249687"/>
+                <a:gd name="connsiteX7" fmla="*/ 653250 w 1266668"/>
+                <a:gd name="connsiteY7" fmla="*/ 792248 h 1249687"/>
+                <a:gd name="connsiteX0" fmla="*/ 668651 w 1282069"/>
+                <a:gd name="connsiteY0" fmla="*/ 952268 h 1409707"/>
+                <a:gd name="connsiteX1" fmla="*/ 15401 w 1282069"/>
+                <a:gd name="connsiteY1" fmla="*/ 407535 h 1409707"/>
+                <a:gd name="connsiteX2" fmla="*/ 0 w 1282069"/>
+                <a:gd name="connsiteY2" fmla="*/ 0 h 1409707"/>
+                <a:gd name="connsiteX3" fmla="*/ 1142839 w 1282069"/>
+                <a:gd name="connsiteY3" fmla="*/ 407535 h 1409707"/>
+                <a:gd name="connsiteX4" fmla="*/ 1282069 w 1282069"/>
+                <a:gd name="connsiteY4" fmla="*/ 963698 h 1409707"/>
+                <a:gd name="connsiteX5" fmla="*/ 891958 w 1282069"/>
+                <a:gd name="connsiteY5" fmla="*/ 1409707 h 1409707"/>
+                <a:gd name="connsiteX6" fmla="*/ 266282 w 1282069"/>
+                <a:gd name="connsiteY6" fmla="*/ 1409707 h 1409707"/>
+                <a:gd name="connsiteX7" fmla="*/ 668651 w 1282069"/>
+                <a:gd name="connsiteY7" fmla="*/ 952268 h 1409707"/>
+                <a:gd name="connsiteX0" fmla="*/ 360041 w 1282069"/>
+                <a:gd name="connsiteY0" fmla="*/ 636038 h 1409707"/>
+                <a:gd name="connsiteX1" fmla="*/ 15401 w 1282069"/>
+                <a:gd name="connsiteY1" fmla="*/ 407535 h 1409707"/>
+                <a:gd name="connsiteX2" fmla="*/ 0 w 1282069"/>
+                <a:gd name="connsiteY2" fmla="*/ 0 h 1409707"/>
+                <a:gd name="connsiteX3" fmla="*/ 1142839 w 1282069"/>
+                <a:gd name="connsiteY3" fmla="*/ 407535 h 1409707"/>
+                <a:gd name="connsiteX4" fmla="*/ 1282069 w 1282069"/>
+                <a:gd name="connsiteY4" fmla="*/ 963698 h 1409707"/>
+                <a:gd name="connsiteX5" fmla="*/ 891958 w 1282069"/>
+                <a:gd name="connsiteY5" fmla="*/ 1409707 h 1409707"/>
+                <a:gd name="connsiteX6" fmla="*/ 266282 w 1282069"/>
+                <a:gd name="connsiteY6" fmla="*/ 1409707 h 1409707"/>
+                <a:gd name="connsiteX7" fmla="*/ 360041 w 1282069"/>
+                <a:gd name="connsiteY7" fmla="*/ 636038 h 1409707"/>
+                <a:gd name="connsiteX0" fmla="*/ 360041 w 1282069"/>
+                <a:gd name="connsiteY0" fmla="*/ 636038 h 1409707"/>
+                <a:gd name="connsiteX1" fmla="*/ 15401 w 1282069"/>
+                <a:gd name="connsiteY1" fmla="*/ 407535 h 1409707"/>
+                <a:gd name="connsiteX2" fmla="*/ 0 w 1282069"/>
+                <a:gd name="connsiteY2" fmla="*/ 0 h 1409707"/>
+                <a:gd name="connsiteX3" fmla="*/ 1142839 w 1282069"/>
+                <a:gd name="connsiteY3" fmla="*/ 407535 h 1409707"/>
+                <a:gd name="connsiteX4" fmla="*/ 1282069 w 1282069"/>
+                <a:gd name="connsiteY4" fmla="*/ 963698 h 1409707"/>
+                <a:gd name="connsiteX5" fmla="*/ 891958 w 1282069"/>
+                <a:gd name="connsiteY5" fmla="*/ 1409707 h 1409707"/>
+                <a:gd name="connsiteX6" fmla="*/ 64352 w 1282069"/>
+                <a:gd name="connsiteY6" fmla="*/ 918217 h 1409707"/>
+                <a:gd name="connsiteX7" fmla="*/ 360041 w 1282069"/>
+                <a:gd name="connsiteY7" fmla="*/ 636038 h 1409707"/>
+                <a:gd name="connsiteX0" fmla="*/ 360041 w 1282069"/>
+                <a:gd name="connsiteY0" fmla="*/ 636038 h 1348747"/>
+                <a:gd name="connsiteX1" fmla="*/ 15401 w 1282069"/>
+                <a:gd name="connsiteY1" fmla="*/ 407535 h 1348747"/>
+                <a:gd name="connsiteX2" fmla="*/ 0 w 1282069"/>
+                <a:gd name="connsiteY2" fmla="*/ 0 h 1348747"/>
+                <a:gd name="connsiteX3" fmla="*/ 1142839 w 1282069"/>
+                <a:gd name="connsiteY3" fmla="*/ 407535 h 1348747"/>
+                <a:gd name="connsiteX4" fmla="*/ 1282069 w 1282069"/>
+                <a:gd name="connsiteY4" fmla="*/ 963698 h 1348747"/>
+                <a:gd name="connsiteX5" fmla="*/ 68998 w 1282069"/>
+                <a:gd name="connsiteY5" fmla="*/ 1348747 h 1348747"/>
+                <a:gd name="connsiteX6" fmla="*/ 64352 w 1282069"/>
+                <a:gd name="connsiteY6" fmla="*/ 918217 h 1348747"/>
+                <a:gd name="connsiteX7" fmla="*/ 360041 w 1282069"/>
+                <a:gd name="connsiteY7" fmla="*/ 636038 h 1348747"/>
+                <a:gd name="connsiteX0" fmla="*/ 360041 w 1142839"/>
+                <a:gd name="connsiteY0" fmla="*/ 636038 h 1348747"/>
+                <a:gd name="connsiteX1" fmla="*/ 15401 w 1142839"/>
+                <a:gd name="connsiteY1" fmla="*/ 407535 h 1348747"/>
+                <a:gd name="connsiteX2" fmla="*/ 0 w 1142839"/>
+                <a:gd name="connsiteY2" fmla="*/ 0 h 1348747"/>
+                <a:gd name="connsiteX3" fmla="*/ 1142839 w 1142839"/>
+                <a:gd name="connsiteY3" fmla="*/ 407535 h 1348747"/>
+                <a:gd name="connsiteX4" fmla="*/ 733429 w 1142839"/>
+                <a:gd name="connsiteY4" fmla="*/ 937028 h 1348747"/>
+                <a:gd name="connsiteX5" fmla="*/ 68998 w 1142839"/>
+                <a:gd name="connsiteY5" fmla="*/ 1348747 h 1348747"/>
+                <a:gd name="connsiteX6" fmla="*/ 64352 w 1142839"/>
+                <a:gd name="connsiteY6" fmla="*/ 918217 h 1348747"/>
+                <a:gd name="connsiteX7" fmla="*/ 360041 w 1142839"/>
+                <a:gd name="connsiteY7" fmla="*/ 636038 h 1348747"/>
+                <a:gd name="connsiteX0" fmla="*/ 360041 w 742789"/>
+                <a:gd name="connsiteY0" fmla="*/ 636038 h 1348747"/>
+                <a:gd name="connsiteX1" fmla="*/ 15401 w 742789"/>
+                <a:gd name="connsiteY1" fmla="*/ 407535 h 1348747"/>
+                <a:gd name="connsiteX2" fmla="*/ 0 w 742789"/>
+                <a:gd name="connsiteY2" fmla="*/ 0 h 1348747"/>
+                <a:gd name="connsiteX3" fmla="*/ 742789 w 742789"/>
+                <a:gd name="connsiteY3" fmla="*/ 373245 h 1348747"/>
+                <a:gd name="connsiteX4" fmla="*/ 733429 w 742789"/>
+                <a:gd name="connsiteY4" fmla="*/ 937028 h 1348747"/>
+                <a:gd name="connsiteX5" fmla="*/ 68998 w 742789"/>
+                <a:gd name="connsiteY5" fmla="*/ 1348747 h 1348747"/>
+                <a:gd name="connsiteX6" fmla="*/ 64352 w 742789"/>
+                <a:gd name="connsiteY6" fmla="*/ 918217 h 1348747"/>
+                <a:gd name="connsiteX7" fmla="*/ 360041 w 742789"/>
+                <a:gd name="connsiteY7" fmla="*/ 636038 h 1348747"/>
+                <a:gd name="connsiteX0" fmla="*/ 360041 w 742789"/>
+                <a:gd name="connsiteY0" fmla="*/ 636038 h 1348747"/>
+                <a:gd name="connsiteX1" fmla="*/ 15401 w 742789"/>
+                <a:gd name="connsiteY1" fmla="*/ 407535 h 1348747"/>
+                <a:gd name="connsiteX2" fmla="*/ 0 w 742789"/>
+                <a:gd name="connsiteY2" fmla="*/ 0 h 1348747"/>
+                <a:gd name="connsiteX3" fmla="*/ 742789 w 742789"/>
+                <a:gd name="connsiteY3" fmla="*/ 373245 h 1348747"/>
+                <a:gd name="connsiteX4" fmla="*/ 733429 w 742789"/>
+                <a:gd name="connsiteY4" fmla="*/ 937028 h 1348747"/>
+                <a:gd name="connsiteX5" fmla="*/ 68998 w 742789"/>
+                <a:gd name="connsiteY5" fmla="*/ 1348747 h 1348747"/>
+                <a:gd name="connsiteX6" fmla="*/ 26252 w 742789"/>
+                <a:gd name="connsiteY6" fmla="*/ 853447 h 1348747"/>
+                <a:gd name="connsiteX7" fmla="*/ 360041 w 742789"/>
+                <a:gd name="connsiteY7" fmla="*/ 636038 h 1348747"/>
+                <a:gd name="connsiteX0" fmla="*/ 600071 w 982819"/>
+                <a:gd name="connsiteY0" fmla="*/ 666518 h 1379227"/>
+                <a:gd name="connsiteX1" fmla="*/ 255431 w 982819"/>
+                <a:gd name="connsiteY1" fmla="*/ 438015 h 1379227"/>
+                <a:gd name="connsiteX2" fmla="*/ 0 w 982819"/>
+                <a:gd name="connsiteY2" fmla="*/ 0 h 1379227"/>
+                <a:gd name="connsiteX3" fmla="*/ 982819 w 982819"/>
+                <a:gd name="connsiteY3" fmla="*/ 403725 h 1379227"/>
+                <a:gd name="connsiteX4" fmla="*/ 973459 w 982819"/>
+                <a:gd name="connsiteY4" fmla="*/ 967508 h 1379227"/>
+                <a:gd name="connsiteX5" fmla="*/ 309028 w 982819"/>
+                <a:gd name="connsiteY5" fmla="*/ 1379227 h 1379227"/>
+                <a:gd name="connsiteX6" fmla="*/ 266282 w 982819"/>
+                <a:gd name="connsiteY6" fmla="*/ 883927 h 1379227"/>
+                <a:gd name="connsiteX7" fmla="*/ 600071 w 982819"/>
+                <a:gd name="connsiteY7" fmla="*/ 666518 h 1379227"/>
+                <a:gd name="connsiteX0" fmla="*/ 600071 w 982819"/>
+                <a:gd name="connsiteY0" fmla="*/ 666518 h 1379227"/>
+                <a:gd name="connsiteX1" fmla="*/ 7781 w 982819"/>
+                <a:gd name="connsiteY1" fmla="*/ 700905 h 1379227"/>
+                <a:gd name="connsiteX2" fmla="*/ 0 w 982819"/>
+                <a:gd name="connsiteY2" fmla="*/ 0 h 1379227"/>
+                <a:gd name="connsiteX3" fmla="*/ 982819 w 982819"/>
+                <a:gd name="connsiteY3" fmla="*/ 403725 h 1379227"/>
+                <a:gd name="connsiteX4" fmla="*/ 973459 w 982819"/>
+                <a:gd name="connsiteY4" fmla="*/ 967508 h 1379227"/>
+                <a:gd name="connsiteX5" fmla="*/ 309028 w 982819"/>
+                <a:gd name="connsiteY5" fmla="*/ 1379227 h 1379227"/>
+                <a:gd name="connsiteX6" fmla="*/ 266282 w 982819"/>
+                <a:gd name="connsiteY6" fmla="*/ 883927 h 1379227"/>
+                <a:gd name="connsiteX7" fmla="*/ 600071 w 982819"/>
+                <a:gd name="connsiteY7" fmla="*/ 666518 h 1379227"/>
+                <a:gd name="connsiteX0" fmla="*/ 321941 w 982819"/>
+                <a:gd name="connsiteY0" fmla="*/ 1093238 h 1379227"/>
+                <a:gd name="connsiteX1" fmla="*/ 7781 w 982819"/>
+                <a:gd name="connsiteY1" fmla="*/ 700905 h 1379227"/>
+                <a:gd name="connsiteX2" fmla="*/ 0 w 982819"/>
+                <a:gd name="connsiteY2" fmla="*/ 0 h 1379227"/>
+                <a:gd name="connsiteX3" fmla="*/ 982819 w 982819"/>
+                <a:gd name="connsiteY3" fmla="*/ 403725 h 1379227"/>
+                <a:gd name="connsiteX4" fmla="*/ 973459 w 982819"/>
+                <a:gd name="connsiteY4" fmla="*/ 967508 h 1379227"/>
+                <a:gd name="connsiteX5" fmla="*/ 309028 w 982819"/>
+                <a:gd name="connsiteY5" fmla="*/ 1379227 h 1379227"/>
+                <a:gd name="connsiteX6" fmla="*/ 266282 w 982819"/>
+                <a:gd name="connsiteY6" fmla="*/ 883927 h 1379227"/>
+                <a:gd name="connsiteX7" fmla="*/ 321941 w 982819"/>
+                <a:gd name="connsiteY7" fmla="*/ 1093238 h 1379227"/>
+                <a:gd name="connsiteX0" fmla="*/ 349029 w 1009907"/>
+                <a:gd name="connsiteY0" fmla="*/ 1093238 h 1489663"/>
+                <a:gd name="connsiteX1" fmla="*/ 34869 w 1009907"/>
+                <a:gd name="connsiteY1" fmla="*/ 700905 h 1489663"/>
+                <a:gd name="connsiteX2" fmla="*/ 27088 w 1009907"/>
+                <a:gd name="connsiteY2" fmla="*/ 0 h 1489663"/>
+                <a:gd name="connsiteX3" fmla="*/ 1009907 w 1009907"/>
+                <a:gd name="connsiteY3" fmla="*/ 403725 h 1489663"/>
+                <a:gd name="connsiteX4" fmla="*/ 1000547 w 1009907"/>
+                <a:gd name="connsiteY4" fmla="*/ 967508 h 1489663"/>
+                <a:gd name="connsiteX5" fmla="*/ 336116 w 1009907"/>
+                <a:gd name="connsiteY5" fmla="*/ 1379227 h 1489663"/>
+                <a:gd name="connsiteX6" fmla="*/ 0 w 1009907"/>
+                <a:gd name="connsiteY6" fmla="*/ 1455427 h 1489663"/>
+                <a:gd name="connsiteX7" fmla="*/ 349029 w 1009907"/>
+                <a:gd name="connsiteY7" fmla="*/ 1093238 h 1489663"/>
+                <a:gd name="connsiteX0" fmla="*/ 349029 w 1009907"/>
+                <a:gd name="connsiteY0" fmla="*/ 1093238 h 2145037"/>
+                <a:gd name="connsiteX1" fmla="*/ 34869 w 1009907"/>
+                <a:gd name="connsiteY1" fmla="*/ 700905 h 2145037"/>
+                <a:gd name="connsiteX2" fmla="*/ 27088 w 1009907"/>
+                <a:gd name="connsiteY2" fmla="*/ 0 h 2145037"/>
+                <a:gd name="connsiteX3" fmla="*/ 1009907 w 1009907"/>
+                <a:gd name="connsiteY3" fmla="*/ 403725 h 2145037"/>
+                <a:gd name="connsiteX4" fmla="*/ 1000547 w 1009907"/>
+                <a:gd name="connsiteY4" fmla="*/ 967508 h 2145037"/>
+                <a:gd name="connsiteX5" fmla="*/ 19886 w 1009907"/>
+                <a:gd name="connsiteY5" fmla="*/ 2145037 h 2145037"/>
+                <a:gd name="connsiteX6" fmla="*/ 0 w 1009907"/>
+                <a:gd name="connsiteY6" fmla="*/ 1455427 h 2145037"/>
+                <a:gd name="connsiteX7" fmla="*/ 349029 w 1009907"/>
+                <a:gd name="connsiteY7" fmla="*/ 1093238 h 2145037"/>
+                <a:gd name="connsiteX0" fmla="*/ 341409 w 1002287"/>
+                <a:gd name="connsiteY0" fmla="*/ 1093238 h 2145037"/>
+                <a:gd name="connsiteX1" fmla="*/ 27249 w 1002287"/>
+                <a:gd name="connsiteY1" fmla="*/ 700905 h 2145037"/>
+                <a:gd name="connsiteX2" fmla="*/ 19468 w 1002287"/>
+                <a:gd name="connsiteY2" fmla="*/ 0 h 2145037"/>
+                <a:gd name="connsiteX3" fmla="*/ 1002287 w 1002287"/>
+                <a:gd name="connsiteY3" fmla="*/ 403725 h 2145037"/>
+                <a:gd name="connsiteX4" fmla="*/ 992927 w 1002287"/>
+                <a:gd name="connsiteY4" fmla="*/ 967508 h 2145037"/>
+                <a:gd name="connsiteX5" fmla="*/ 12266 w 1002287"/>
+                <a:gd name="connsiteY5" fmla="*/ 2145037 h 2145037"/>
+                <a:gd name="connsiteX6" fmla="*/ 0 w 1002287"/>
+                <a:gd name="connsiteY6" fmla="*/ 1440187 h 2145037"/>
+                <a:gd name="connsiteX7" fmla="*/ 341409 w 1002287"/>
+                <a:gd name="connsiteY7" fmla="*/ 1093238 h 2145037"/>
+                <a:gd name="connsiteX0" fmla="*/ 375699 w 1002287"/>
+                <a:gd name="connsiteY0" fmla="*/ 1089428 h 2145037"/>
+                <a:gd name="connsiteX1" fmla="*/ 27249 w 1002287"/>
+                <a:gd name="connsiteY1" fmla="*/ 700905 h 2145037"/>
+                <a:gd name="connsiteX2" fmla="*/ 19468 w 1002287"/>
+                <a:gd name="connsiteY2" fmla="*/ 0 h 2145037"/>
+                <a:gd name="connsiteX3" fmla="*/ 1002287 w 1002287"/>
+                <a:gd name="connsiteY3" fmla="*/ 403725 h 2145037"/>
+                <a:gd name="connsiteX4" fmla="*/ 992927 w 1002287"/>
+                <a:gd name="connsiteY4" fmla="*/ 967508 h 2145037"/>
+                <a:gd name="connsiteX5" fmla="*/ 12266 w 1002287"/>
+                <a:gd name="connsiteY5" fmla="*/ 2145037 h 2145037"/>
+                <a:gd name="connsiteX6" fmla="*/ 0 w 1002287"/>
+                <a:gd name="connsiteY6" fmla="*/ 1440187 h 2145037"/>
+                <a:gd name="connsiteX7" fmla="*/ 375699 w 1002287"/>
+                <a:gd name="connsiteY7" fmla="*/ 1089428 h 2145037"/>
+                <a:gd name="connsiteX0" fmla="*/ 375699 w 1023407"/>
+                <a:gd name="connsiteY0" fmla="*/ 1089428 h 2145037"/>
+                <a:gd name="connsiteX1" fmla="*/ 27249 w 1023407"/>
+                <a:gd name="connsiteY1" fmla="*/ 700905 h 2145037"/>
+                <a:gd name="connsiteX2" fmla="*/ 19468 w 1023407"/>
+                <a:gd name="connsiteY2" fmla="*/ 0 h 2145037"/>
+                <a:gd name="connsiteX3" fmla="*/ 1002287 w 1023407"/>
+                <a:gd name="connsiteY3" fmla="*/ 403725 h 2145037"/>
+                <a:gd name="connsiteX4" fmla="*/ 1023407 w 1023407"/>
+                <a:gd name="connsiteY4" fmla="*/ 1424708 h 2145037"/>
+                <a:gd name="connsiteX5" fmla="*/ 12266 w 1023407"/>
+                <a:gd name="connsiteY5" fmla="*/ 2145037 h 2145037"/>
+                <a:gd name="connsiteX6" fmla="*/ 0 w 1023407"/>
+                <a:gd name="connsiteY6" fmla="*/ 1440187 h 2145037"/>
+                <a:gd name="connsiteX7" fmla="*/ 375699 w 1023407"/>
+                <a:gd name="connsiteY7" fmla="*/ 1089428 h 2145037"/>
+                <a:gd name="connsiteX0" fmla="*/ 375699 w 1023407"/>
+                <a:gd name="connsiteY0" fmla="*/ 1089428 h 2145037"/>
+                <a:gd name="connsiteX1" fmla="*/ 27249 w 1023407"/>
+                <a:gd name="connsiteY1" fmla="*/ 700905 h 2145037"/>
+                <a:gd name="connsiteX2" fmla="*/ 19468 w 1023407"/>
+                <a:gd name="connsiteY2" fmla="*/ 0 h 2145037"/>
+                <a:gd name="connsiteX3" fmla="*/ 945137 w 1023407"/>
+                <a:gd name="connsiteY3" fmla="*/ 704715 h 2145037"/>
+                <a:gd name="connsiteX4" fmla="*/ 1023407 w 1023407"/>
+                <a:gd name="connsiteY4" fmla="*/ 1424708 h 2145037"/>
+                <a:gd name="connsiteX5" fmla="*/ 12266 w 1023407"/>
+                <a:gd name="connsiteY5" fmla="*/ 2145037 h 2145037"/>
+                <a:gd name="connsiteX6" fmla="*/ 0 w 1023407"/>
+                <a:gd name="connsiteY6" fmla="*/ 1440187 h 2145037"/>
+                <a:gd name="connsiteX7" fmla="*/ 375699 w 1023407"/>
+                <a:gd name="connsiteY7" fmla="*/ 1089428 h 2145037"/>
+                <a:gd name="connsiteX0" fmla="*/ 375699 w 958637"/>
+                <a:gd name="connsiteY0" fmla="*/ 1089428 h 2145037"/>
+                <a:gd name="connsiteX1" fmla="*/ 27249 w 958637"/>
+                <a:gd name="connsiteY1" fmla="*/ 700905 h 2145037"/>
+                <a:gd name="connsiteX2" fmla="*/ 19468 w 958637"/>
+                <a:gd name="connsiteY2" fmla="*/ 0 h 2145037"/>
+                <a:gd name="connsiteX3" fmla="*/ 945137 w 958637"/>
+                <a:gd name="connsiteY3" fmla="*/ 704715 h 2145037"/>
+                <a:gd name="connsiteX4" fmla="*/ 958637 w 958637"/>
+                <a:gd name="connsiteY4" fmla="*/ 1447568 h 2145037"/>
+                <a:gd name="connsiteX5" fmla="*/ 12266 w 958637"/>
+                <a:gd name="connsiteY5" fmla="*/ 2145037 h 2145037"/>
+                <a:gd name="connsiteX6" fmla="*/ 0 w 958637"/>
+                <a:gd name="connsiteY6" fmla="*/ 1440187 h 2145037"/>
+                <a:gd name="connsiteX7" fmla="*/ 375699 w 958637"/>
+                <a:gd name="connsiteY7" fmla="*/ 1089428 h 2145037"/>
+                <a:gd name="connsiteX0" fmla="*/ 375699 w 964187"/>
+                <a:gd name="connsiteY0" fmla="*/ 1089428 h 2145037"/>
+                <a:gd name="connsiteX1" fmla="*/ 27249 w 964187"/>
+                <a:gd name="connsiteY1" fmla="*/ 700905 h 2145037"/>
+                <a:gd name="connsiteX2" fmla="*/ 19468 w 964187"/>
+                <a:gd name="connsiteY2" fmla="*/ 0 h 2145037"/>
+                <a:gd name="connsiteX3" fmla="*/ 964187 w 964187"/>
+                <a:gd name="connsiteY3" fmla="*/ 716145 h 2145037"/>
+                <a:gd name="connsiteX4" fmla="*/ 958637 w 964187"/>
+                <a:gd name="connsiteY4" fmla="*/ 1447568 h 2145037"/>
+                <a:gd name="connsiteX5" fmla="*/ 12266 w 964187"/>
+                <a:gd name="connsiteY5" fmla="*/ 2145037 h 2145037"/>
+                <a:gd name="connsiteX6" fmla="*/ 0 w 964187"/>
+                <a:gd name="connsiteY6" fmla="*/ 1440187 h 2145037"/>
+                <a:gd name="connsiteX7" fmla="*/ 375699 w 964187"/>
+                <a:gd name="connsiteY7" fmla="*/ 1089428 h 2145037"/>
+                <a:gd name="connsiteX0" fmla="*/ 375699 w 958637"/>
+                <a:gd name="connsiteY0" fmla="*/ 1089428 h 2145037"/>
+                <a:gd name="connsiteX1" fmla="*/ 27249 w 958637"/>
+                <a:gd name="connsiteY1" fmla="*/ 700905 h 2145037"/>
+                <a:gd name="connsiteX2" fmla="*/ 19468 w 958637"/>
+                <a:gd name="connsiteY2" fmla="*/ 0 h 2145037"/>
+                <a:gd name="connsiteX3" fmla="*/ 853697 w 958637"/>
+                <a:gd name="connsiteY3" fmla="*/ 742815 h 2145037"/>
+                <a:gd name="connsiteX4" fmla="*/ 958637 w 958637"/>
+                <a:gd name="connsiteY4" fmla="*/ 1447568 h 2145037"/>
+                <a:gd name="connsiteX5" fmla="*/ 12266 w 958637"/>
+                <a:gd name="connsiteY5" fmla="*/ 2145037 h 2145037"/>
+                <a:gd name="connsiteX6" fmla="*/ 0 w 958637"/>
+                <a:gd name="connsiteY6" fmla="*/ 1440187 h 2145037"/>
+                <a:gd name="connsiteX7" fmla="*/ 375699 w 958637"/>
+                <a:gd name="connsiteY7" fmla="*/ 1089428 h 2145037"/>
+                <a:gd name="connsiteX0" fmla="*/ 375699 w 958637"/>
+                <a:gd name="connsiteY0" fmla="*/ 1089428 h 2145037"/>
+                <a:gd name="connsiteX1" fmla="*/ 27249 w 958637"/>
+                <a:gd name="connsiteY1" fmla="*/ 700905 h 2145037"/>
+                <a:gd name="connsiteX2" fmla="*/ 19468 w 958637"/>
+                <a:gd name="connsiteY2" fmla="*/ 0 h 2145037"/>
+                <a:gd name="connsiteX3" fmla="*/ 952757 w 958637"/>
+                <a:gd name="connsiteY3" fmla="*/ 719955 h 2145037"/>
+                <a:gd name="connsiteX4" fmla="*/ 958637 w 958637"/>
+                <a:gd name="connsiteY4" fmla="*/ 1447568 h 2145037"/>
+                <a:gd name="connsiteX5" fmla="*/ 12266 w 958637"/>
+                <a:gd name="connsiteY5" fmla="*/ 2145037 h 2145037"/>
+                <a:gd name="connsiteX6" fmla="*/ 0 w 958637"/>
+                <a:gd name="connsiteY6" fmla="*/ 1440187 h 2145037"/>
+                <a:gd name="connsiteX7" fmla="*/ 375699 w 958637"/>
+                <a:gd name="connsiteY7" fmla="*/ 1089428 h 2145037"/>
+                <a:gd name="connsiteX0" fmla="*/ 363689 w 946627"/>
+                <a:gd name="connsiteY0" fmla="*/ 1089428 h 2145037"/>
+                <a:gd name="connsiteX1" fmla="*/ 15239 w 946627"/>
+                <a:gd name="connsiteY1" fmla="*/ 700905 h 2145037"/>
+                <a:gd name="connsiteX2" fmla="*/ 7458 w 946627"/>
+                <a:gd name="connsiteY2" fmla="*/ 0 h 2145037"/>
+                <a:gd name="connsiteX3" fmla="*/ 940747 w 946627"/>
+                <a:gd name="connsiteY3" fmla="*/ 719955 h 2145037"/>
+                <a:gd name="connsiteX4" fmla="*/ 946627 w 946627"/>
+                <a:gd name="connsiteY4" fmla="*/ 1447568 h 2145037"/>
+                <a:gd name="connsiteX5" fmla="*/ 256 w 946627"/>
+                <a:gd name="connsiteY5" fmla="*/ 2145037 h 2145037"/>
+                <a:gd name="connsiteX6" fmla="*/ 3230 w 946627"/>
+                <a:gd name="connsiteY6" fmla="*/ 1428757 h 2145037"/>
+                <a:gd name="connsiteX7" fmla="*/ 363689 w 946627"/>
+                <a:gd name="connsiteY7" fmla="*/ 1089428 h 2145037"/>
+                <a:gd name="connsiteX0" fmla="*/ 364042 w 946980"/>
+                <a:gd name="connsiteY0" fmla="*/ 1089428 h 2145037"/>
+                <a:gd name="connsiteX1" fmla="*/ 352 w 946980"/>
+                <a:gd name="connsiteY1" fmla="*/ 700905 h 2145037"/>
+                <a:gd name="connsiteX2" fmla="*/ 7811 w 946980"/>
+                <a:gd name="connsiteY2" fmla="*/ 0 h 2145037"/>
+                <a:gd name="connsiteX3" fmla="*/ 941100 w 946980"/>
+                <a:gd name="connsiteY3" fmla="*/ 719955 h 2145037"/>
+                <a:gd name="connsiteX4" fmla="*/ 946980 w 946980"/>
+                <a:gd name="connsiteY4" fmla="*/ 1447568 h 2145037"/>
+                <a:gd name="connsiteX5" fmla="*/ 609 w 946980"/>
+                <a:gd name="connsiteY5" fmla="*/ 2145037 h 2145037"/>
+                <a:gd name="connsiteX6" fmla="*/ 3583 w 946980"/>
+                <a:gd name="connsiteY6" fmla="*/ 1428757 h 2145037"/>
+                <a:gd name="connsiteX7" fmla="*/ 364042 w 946980"/>
+                <a:gd name="connsiteY7" fmla="*/ 1089428 h 2145037"/>
+                <a:gd name="connsiteX0" fmla="*/ 363689 w 946627"/>
+                <a:gd name="connsiteY0" fmla="*/ 1089428 h 2145037"/>
+                <a:gd name="connsiteX1" fmla="*/ 11429 w 946627"/>
+                <a:gd name="connsiteY1" fmla="*/ 719955 h 2145037"/>
+                <a:gd name="connsiteX2" fmla="*/ 7458 w 946627"/>
+                <a:gd name="connsiteY2" fmla="*/ 0 h 2145037"/>
+                <a:gd name="connsiteX3" fmla="*/ 940747 w 946627"/>
+                <a:gd name="connsiteY3" fmla="*/ 719955 h 2145037"/>
+                <a:gd name="connsiteX4" fmla="*/ 946627 w 946627"/>
+                <a:gd name="connsiteY4" fmla="*/ 1447568 h 2145037"/>
+                <a:gd name="connsiteX5" fmla="*/ 256 w 946627"/>
+                <a:gd name="connsiteY5" fmla="*/ 2145037 h 2145037"/>
+                <a:gd name="connsiteX6" fmla="*/ 3230 w 946627"/>
+                <a:gd name="connsiteY6" fmla="*/ 1428757 h 2145037"/>
+                <a:gd name="connsiteX7" fmla="*/ 363689 w 946627"/>
+                <a:gd name="connsiteY7" fmla="*/ 1089428 h 2145037"/>
+                <a:gd name="connsiteX0" fmla="*/ 459525 w 946627"/>
+                <a:gd name="connsiteY0" fmla="*/ 1089428 h 2145037"/>
+                <a:gd name="connsiteX1" fmla="*/ 11429 w 946627"/>
+                <a:gd name="connsiteY1" fmla="*/ 719955 h 2145037"/>
+                <a:gd name="connsiteX2" fmla="*/ 7458 w 946627"/>
+                <a:gd name="connsiteY2" fmla="*/ 0 h 2145037"/>
+                <a:gd name="connsiteX3" fmla="*/ 940747 w 946627"/>
+                <a:gd name="connsiteY3" fmla="*/ 719955 h 2145037"/>
+                <a:gd name="connsiteX4" fmla="*/ 946627 w 946627"/>
+                <a:gd name="connsiteY4" fmla="*/ 1447568 h 2145037"/>
+                <a:gd name="connsiteX5" fmla="*/ 256 w 946627"/>
+                <a:gd name="connsiteY5" fmla="*/ 2145037 h 2145037"/>
+                <a:gd name="connsiteX6" fmla="*/ 3230 w 946627"/>
+                <a:gd name="connsiteY6" fmla="*/ 1428757 h 2145037"/>
+                <a:gd name="connsiteX7" fmla="*/ 459525 w 946627"/>
+                <a:gd name="connsiteY7" fmla="*/ 1089428 h 2145037"/>
+                <a:gd name="connsiteX0" fmla="*/ 576194 w 946627"/>
+                <a:gd name="connsiteY0" fmla="*/ 1105031 h 2145037"/>
+                <a:gd name="connsiteX1" fmla="*/ 11429 w 946627"/>
+                <a:gd name="connsiteY1" fmla="*/ 719955 h 2145037"/>
+                <a:gd name="connsiteX2" fmla="*/ 7458 w 946627"/>
+                <a:gd name="connsiteY2" fmla="*/ 0 h 2145037"/>
+                <a:gd name="connsiteX3" fmla="*/ 940747 w 946627"/>
+                <a:gd name="connsiteY3" fmla="*/ 719955 h 2145037"/>
+                <a:gd name="connsiteX4" fmla="*/ 946627 w 946627"/>
+                <a:gd name="connsiteY4" fmla="*/ 1447568 h 2145037"/>
+                <a:gd name="connsiteX5" fmla="*/ 256 w 946627"/>
+                <a:gd name="connsiteY5" fmla="*/ 2145037 h 2145037"/>
+                <a:gd name="connsiteX6" fmla="*/ 3230 w 946627"/>
+                <a:gd name="connsiteY6" fmla="*/ 1428757 h 2145037"/>
+                <a:gd name="connsiteX7" fmla="*/ 576194 w 946627"/>
+                <a:gd name="connsiteY7" fmla="*/ 1105031 h 2145037"/>
+                <a:gd name="connsiteX0" fmla="*/ 497025 w 946627"/>
+                <a:gd name="connsiteY0" fmla="*/ 1089428 h 2145037"/>
+                <a:gd name="connsiteX1" fmla="*/ 11429 w 946627"/>
+                <a:gd name="connsiteY1" fmla="*/ 719955 h 2145037"/>
+                <a:gd name="connsiteX2" fmla="*/ 7458 w 946627"/>
+                <a:gd name="connsiteY2" fmla="*/ 0 h 2145037"/>
+                <a:gd name="connsiteX3" fmla="*/ 940747 w 946627"/>
+                <a:gd name="connsiteY3" fmla="*/ 719955 h 2145037"/>
+                <a:gd name="connsiteX4" fmla="*/ 946627 w 946627"/>
+                <a:gd name="connsiteY4" fmla="*/ 1447568 h 2145037"/>
+                <a:gd name="connsiteX5" fmla="*/ 256 w 946627"/>
+                <a:gd name="connsiteY5" fmla="*/ 2145037 h 2145037"/>
+                <a:gd name="connsiteX6" fmla="*/ 3230 w 946627"/>
+                <a:gd name="connsiteY6" fmla="*/ 1428757 h 2145037"/>
+                <a:gd name="connsiteX7" fmla="*/ 497025 w 946627"/>
+                <a:gd name="connsiteY7" fmla="*/ 1089428 h 2145037"/>
+              </a:gdLst>
+              <a:ahLst/>
+              <a:cxnLst>
+                <a:cxn ang="0">
+                  <a:pos x="connsiteX0" y="connsiteY0"/>
+                </a:cxn>
+                <a:cxn ang="0">
+                  <a:pos x="connsiteX1" y="connsiteY1"/>
+                </a:cxn>
+                <a:cxn ang="0">
+                  <a:pos x="connsiteX2" y="connsiteY2"/>
+                </a:cxn>
+                <a:cxn ang="0">
+                  <a:pos x="connsiteX3" y="connsiteY3"/>
+                </a:cxn>
+                <a:cxn ang="0">
+                  <a:pos x="connsiteX4" y="connsiteY4"/>
+                </a:cxn>
+                <a:cxn ang="0">
+                  <a:pos x="connsiteX5" y="connsiteY5"/>
+                </a:cxn>
+                <a:cxn ang="0">
+                  <a:pos x="connsiteX6" y="connsiteY6"/>
+                </a:cxn>
+                <a:cxn ang="0">
+                  <a:pos x="connsiteX7" y="connsiteY7"/>
+                </a:cxn>
+              </a:cxnLst>
+              <a:rect l="l" t="t" r="r" b="b"/>
+              <a:pathLst>
+                <a:path w="946627" h="2145037">
+                  <a:moveTo>
+                    <a:pt x="497025" y="1089428"/>
+                  </a:moveTo>
+                  <a:lnTo>
+                    <a:pt x="11429" y="719955"/>
+                  </a:lnTo>
+                  <a:cubicBezTo>
+                    <a:pt x="8835" y="486320"/>
+                    <a:pt x="10052" y="233635"/>
+                    <a:pt x="7458" y="0"/>
+                  </a:cubicBezTo>
+                  <a:lnTo>
+                    <a:pt x="940747" y="719955"/>
+                  </a:lnTo>
+                  <a:lnTo>
+                    <a:pt x="946627" y="1447568"/>
+                  </a:lnTo>
+                  <a:lnTo>
+                    <a:pt x="256" y="2145037"/>
+                  </a:lnTo>
+                  <a:cubicBezTo>
+                    <a:pt x="-1293" y="2001527"/>
+                    <a:pt x="4779" y="1572267"/>
+                    <a:pt x="3230" y="1428757"/>
+                  </a:cubicBezTo>
+                  <a:lnTo>
+                    <a:pt x="497025" y="1089428"/>
+                  </a:lnTo>
+                  <a:close/>
+                </a:path>
+              </a:pathLst>
+            </a:custGeom>
+          </p:spPr>
+          <p:style>
+            <a:lnRef idx="1">
+              <a:schemeClr val="accent1"/>
+            </a:lnRef>
+            <a:fillRef idx="2">
+              <a:schemeClr val="accent1"/>
+            </a:fillRef>
+            <a:effectRef idx="1">
+              <a:schemeClr val="accent1"/>
+            </a:effectRef>
+            <a:fontRef idx="minor">
+              <a:schemeClr val="dk1"/>
+            </a:fontRef>
+          </p:style>
+          <p:txBody>
+            <a:bodyPr rtlCol="0" anchor="ctr">
+              <a:scene3d>
+                <a:camera prst="orthographicFront">
+                  <a:rot lat="0" lon="0" rev="16200000"/>
+                </a:camera>
+                <a:lightRig rig="threePt" dir="t"/>
+              </a:scene3d>
+            </a:bodyPr>
+            <a:lstStyle/>
+            <a:p>
+              <a:pPr algn="ctr"/>
+              <a:r>
+                <a:rPr lang="en-US" dirty="0"/>
+                <a:t>ALU</a:t>
+              </a:r>
+              <a:endParaRPr lang="en-IN" dirty="0"/>
+            </a:p>
+          </p:txBody>
+        </p:sp>
+        <p:cxnSp>
+          <p:nvCxnSpPr>
+            <p:cNvPr id="14" name="Connector: Elbow 13">
+              <a:extLst>
+                <a:ext uri="{FF2B5EF4-FFF2-40B4-BE49-F238E27FC236}">
+                  <a16:creationId xmlns:a16="http://schemas.microsoft.com/office/drawing/2014/main" id="{E9138FBB-9915-2E45-933C-6F42C6C3350E}"/>
+                </a:ext>
+              </a:extLst>
+            </p:cNvPr>
+            <p:cNvCxnSpPr>
+              <a:cxnSpLocks/>
+              <a:stCxn id="8" idx="3"/>
+            </p:cNvCxnSpPr>
+            <p:nvPr/>
+          </p:nvCxnSpPr>
+          <p:spPr>
+            <a:xfrm rot="16200000" flipH="1" flipV="1">
+              <a:off x="7017146" y="3689806"/>
+              <a:ext cx="358453" cy="191626"/>
+            </a:xfrm>
+            <a:prstGeom prst="bentConnector3">
+              <a:avLst/>
+            </a:prstGeom>
+            <a:ln>
+              <a:tailEnd type="triangle"/>
+            </a:ln>
+          </p:spPr>
+          <p:style>
+            <a:lnRef idx="1">
+              <a:schemeClr val="accent1"/>
+            </a:lnRef>
+            <a:fillRef idx="0">
+              <a:schemeClr val="accent1"/>
+            </a:fillRef>
+            <a:effectRef idx="0">
+              <a:schemeClr val="accent1"/>
+            </a:effectRef>
+            <a:fontRef idx="minor">
+              <a:schemeClr val="tx1"/>
+            </a:fontRef>
+          </p:style>
+        </p:cxnSp>
+        <p:cxnSp>
+          <p:nvCxnSpPr>
+            <p:cNvPr id="15" name="Connector: Elbow 14">
+              <a:extLst>
+                <a:ext uri="{FF2B5EF4-FFF2-40B4-BE49-F238E27FC236}">
+                  <a16:creationId xmlns:a16="http://schemas.microsoft.com/office/drawing/2014/main" id="{3B9DFCD1-E4D9-200E-4E94-1C9C900EE25E}"/>
+                </a:ext>
+              </a:extLst>
+            </p:cNvPr>
+            <p:cNvCxnSpPr>
+              <a:cxnSpLocks/>
+              <a:stCxn id="9" idx="3"/>
+            </p:cNvCxnSpPr>
+            <p:nvPr/>
+          </p:nvCxnSpPr>
+          <p:spPr>
+            <a:xfrm rot="16200000" flipH="1">
+              <a:off x="6454726" y="3689807"/>
+              <a:ext cx="358453" cy="191625"/>
+            </a:xfrm>
+            <a:prstGeom prst="bentConnector3">
+              <a:avLst/>
+            </a:prstGeom>
+            <a:ln>
+              <a:tailEnd type="triangle"/>
+            </a:ln>
+          </p:spPr>
+          <p:style>
+            <a:lnRef idx="1">
+              <a:schemeClr val="accent1"/>
+            </a:lnRef>
+            <a:fillRef idx="0">
+              <a:schemeClr val="accent1"/>
+            </a:fillRef>
+            <a:effectRef idx="0">
+              <a:schemeClr val="accent1"/>
+            </a:effectRef>
+            <a:fontRef idx="minor">
+              <a:schemeClr val="tx1"/>
+            </a:fontRef>
+          </p:style>
+        </p:cxnSp>
+        <p:cxnSp>
+          <p:nvCxnSpPr>
+            <p:cNvPr id="16" name="Straight Arrow Connector 15">
+              <a:extLst>
+                <a:ext uri="{FF2B5EF4-FFF2-40B4-BE49-F238E27FC236}">
+                  <a16:creationId xmlns:a16="http://schemas.microsoft.com/office/drawing/2014/main" id="{29777592-FC53-B133-23D0-25293AE6E142}"/>
+                </a:ext>
+              </a:extLst>
+            </p:cNvPr>
+            <p:cNvCxnSpPr>
+              <a:cxnSpLocks/>
+              <a:stCxn id="12" idx="0"/>
+            </p:cNvCxnSpPr>
+            <p:nvPr/>
+          </p:nvCxnSpPr>
+          <p:spPr>
+            <a:xfrm rot="16200000" flipH="1">
+              <a:off x="6712558" y="4611438"/>
+              <a:ext cx="410779" cy="6890"/>
+            </a:xfrm>
+            <a:prstGeom prst="straightConnector1">
+              <a:avLst/>
+            </a:prstGeom>
+            <a:ln>
+              <a:tailEnd type="triangle"/>
+            </a:ln>
+          </p:spPr>
+          <p:style>
+            <a:lnRef idx="1">
+              <a:schemeClr val="accent1"/>
+            </a:lnRef>
+            <a:fillRef idx="0">
+              <a:schemeClr val="accent1"/>
+            </a:fillRef>
+            <a:effectRef idx="0">
+              <a:schemeClr val="accent1"/>
+            </a:effectRef>
+            <a:fontRef idx="minor">
+              <a:schemeClr val="tx1"/>
+            </a:fontRef>
+          </p:style>
+        </p:cxnSp>
+        <p:cxnSp>
+          <p:nvCxnSpPr>
+            <p:cNvPr id="17" name="Connector: Elbow 16">
+              <a:extLst>
+                <a:ext uri="{FF2B5EF4-FFF2-40B4-BE49-F238E27FC236}">
+                  <a16:creationId xmlns:a16="http://schemas.microsoft.com/office/drawing/2014/main" id="{6DF16835-426C-0EE6-762F-890645E7FC84}"/>
+                </a:ext>
+              </a:extLst>
+            </p:cNvPr>
+            <p:cNvCxnSpPr>
+              <a:cxnSpLocks/>
+              <a:endCxn id="11" idx="3"/>
+            </p:cNvCxnSpPr>
+            <p:nvPr/>
+          </p:nvCxnSpPr>
+          <p:spPr>
+            <a:xfrm rot="5400000" flipH="1" flipV="1">
+              <a:off x="8030238" y="4530752"/>
+              <a:ext cx="410779" cy="168261"/>
+            </a:xfrm>
+            <a:prstGeom prst="bentConnector3">
+              <a:avLst/>
+            </a:prstGeom>
+            <a:ln>
+              <a:tailEnd type="triangle"/>
+            </a:ln>
+          </p:spPr>
+          <p:style>
+            <a:lnRef idx="1">
+              <a:schemeClr val="accent1"/>
+            </a:lnRef>
+            <a:fillRef idx="0">
+              <a:schemeClr val="accent1"/>
+            </a:fillRef>
+            <a:effectRef idx="0">
+              <a:schemeClr val="accent1"/>
+            </a:effectRef>
+            <a:fontRef idx="minor">
+              <a:schemeClr val="tx1"/>
+            </a:fontRef>
+          </p:style>
+        </p:cxnSp>
+        <p:cxnSp>
+          <p:nvCxnSpPr>
+            <p:cNvPr id="18" name="Connector: Elbow 17">
+              <a:extLst>
+                <a:ext uri="{FF2B5EF4-FFF2-40B4-BE49-F238E27FC236}">
+                  <a16:creationId xmlns:a16="http://schemas.microsoft.com/office/drawing/2014/main" id="{E89F9EA3-96BC-BA0C-24C6-10EFFFA1B346}"/>
+                </a:ext>
+              </a:extLst>
+            </p:cNvPr>
+            <p:cNvCxnSpPr>
+              <a:cxnSpLocks/>
+              <a:stCxn id="10" idx="1"/>
+              <a:endCxn id="5" idx="1"/>
+            </p:cNvCxnSpPr>
+            <p:nvPr/>
+          </p:nvCxnSpPr>
+          <p:spPr>
+            <a:xfrm rot="5400000" flipH="1">
+              <a:off x="4234646" y="1381777"/>
+              <a:ext cx="13536" cy="2535662"/>
+            </a:xfrm>
+            <a:prstGeom prst="bentConnector3">
+              <a:avLst>
+                <a:gd name="adj1" fmla="val 1800000"/>
+              </a:avLst>
+            </a:prstGeom>
+            <a:ln>
+              <a:tailEnd type="triangle"/>
+            </a:ln>
+          </p:spPr>
+          <p:style>
+            <a:lnRef idx="1">
+              <a:schemeClr val="accent1"/>
+            </a:lnRef>
+            <a:fillRef idx="0">
+              <a:schemeClr val="accent1"/>
+            </a:fillRef>
+            <a:effectRef idx="0">
+              <a:schemeClr val="accent1"/>
+            </a:effectRef>
+            <a:fontRef idx="minor">
+              <a:schemeClr val="tx1"/>
+            </a:fontRef>
+          </p:style>
+        </p:cxnSp>
+        <p:cxnSp>
+          <p:nvCxnSpPr>
+            <p:cNvPr id="19" name="Connector: Elbow 18">
+              <a:extLst>
+                <a:ext uri="{FF2B5EF4-FFF2-40B4-BE49-F238E27FC236}">
+                  <a16:creationId xmlns:a16="http://schemas.microsoft.com/office/drawing/2014/main" id="{B089D874-6BEA-7E22-34E3-8A4592C5C588}"/>
+                </a:ext>
+              </a:extLst>
+            </p:cNvPr>
+            <p:cNvCxnSpPr>
+              <a:cxnSpLocks/>
+              <a:stCxn id="10" idx="1"/>
+              <a:endCxn id="6" idx="1"/>
+            </p:cNvCxnSpPr>
+            <p:nvPr/>
+          </p:nvCxnSpPr>
+          <p:spPr>
+            <a:xfrm rot="5400000" flipH="1">
+              <a:off x="4611669" y="1758800"/>
+              <a:ext cx="13536" cy="1781617"/>
+            </a:xfrm>
+            <a:prstGeom prst="bentConnector3">
+              <a:avLst>
+                <a:gd name="adj1" fmla="val 1800000"/>
+              </a:avLst>
+            </a:prstGeom>
+            <a:ln>
+              <a:tailEnd type="triangle"/>
+            </a:ln>
+          </p:spPr>
+          <p:style>
+            <a:lnRef idx="1">
+              <a:schemeClr val="accent1"/>
+            </a:lnRef>
+            <a:fillRef idx="0">
+              <a:schemeClr val="accent1"/>
+            </a:fillRef>
+            <a:effectRef idx="0">
+              <a:schemeClr val="accent1"/>
+            </a:effectRef>
+            <a:fontRef idx="minor">
+              <a:schemeClr val="tx1"/>
+            </a:fontRef>
+          </p:style>
+        </p:cxnSp>
+        <p:cxnSp>
+          <p:nvCxnSpPr>
+            <p:cNvPr id="20" name="Connector: Elbow 19">
+              <a:extLst>
+                <a:ext uri="{FF2B5EF4-FFF2-40B4-BE49-F238E27FC236}">
+                  <a16:creationId xmlns:a16="http://schemas.microsoft.com/office/drawing/2014/main" id="{1F7184C3-B8F3-57B3-FB7E-8E664DD28B06}"/>
+                </a:ext>
+              </a:extLst>
+            </p:cNvPr>
+            <p:cNvCxnSpPr>
+              <a:cxnSpLocks/>
+              <a:stCxn id="10" idx="1"/>
+              <a:endCxn id="7" idx="1"/>
+            </p:cNvCxnSpPr>
+            <p:nvPr/>
+          </p:nvCxnSpPr>
+          <p:spPr>
+            <a:xfrm rot="5400000" flipH="1">
+              <a:off x="4988692" y="2135822"/>
+              <a:ext cx="13536" cy="1027572"/>
+            </a:xfrm>
+            <a:prstGeom prst="bentConnector3">
+              <a:avLst>
+                <a:gd name="adj1" fmla="val 1800000"/>
+              </a:avLst>
+            </a:prstGeom>
+            <a:ln>
+              <a:tailEnd type="triangle"/>
+            </a:ln>
+          </p:spPr>
+          <p:style>
+            <a:lnRef idx="1">
+              <a:schemeClr val="accent1"/>
+            </a:lnRef>
+            <a:fillRef idx="0">
+              <a:schemeClr val="accent1"/>
+            </a:fillRef>
+            <a:effectRef idx="0">
+              <a:schemeClr val="accent1"/>
+            </a:effectRef>
+            <a:fontRef idx="minor">
+              <a:schemeClr val="tx1"/>
+            </a:fontRef>
+          </p:style>
+        </p:cxnSp>
+        <p:cxnSp>
+          <p:nvCxnSpPr>
+            <p:cNvPr id="21" name="Connector: Elbow 20">
+              <a:extLst>
+                <a:ext uri="{FF2B5EF4-FFF2-40B4-BE49-F238E27FC236}">
+                  <a16:creationId xmlns:a16="http://schemas.microsoft.com/office/drawing/2014/main" id="{3FC467AE-865C-0499-86CA-9D3049302D6D}"/>
+                </a:ext>
+              </a:extLst>
+            </p:cNvPr>
+            <p:cNvCxnSpPr>
+              <a:cxnSpLocks/>
+              <a:stCxn id="10" idx="1"/>
+              <a:endCxn id="9" idx="1"/>
+            </p:cNvCxnSpPr>
+            <p:nvPr/>
+          </p:nvCxnSpPr>
+          <p:spPr>
+            <a:xfrm rot="5400000" flipH="1" flipV="1">
+              <a:off x="6016924" y="2135161"/>
+              <a:ext cx="13536" cy="1028895"/>
+            </a:xfrm>
+            <a:prstGeom prst="bentConnector3">
+              <a:avLst>
+                <a:gd name="adj1" fmla="val 1800000"/>
+              </a:avLst>
+            </a:prstGeom>
+            <a:ln>
+              <a:tailEnd type="triangle"/>
+            </a:ln>
+          </p:spPr>
+          <p:style>
+            <a:lnRef idx="1">
+              <a:schemeClr val="accent1"/>
+            </a:lnRef>
+            <a:fillRef idx="0">
+              <a:schemeClr val="accent1"/>
+            </a:fillRef>
+            <a:effectRef idx="0">
+              <a:schemeClr val="accent1"/>
+            </a:effectRef>
+            <a:fontRef idx="minor">
+              <a:schemeClr val="tx1"/>
+            </a:fontRef>
+          </p:style>
+        </p:cxnSp>
+        <p:cxnSp>
+          <p:nvCxnSpPr>
+            <p:cNvPr id="22" name="Connector: Elbow 21">
+              <a:extLst>
+                <a:ext uri="{FF2B5EF4-FFF2-40B4-BE49-F238E27FC236}">
+                  <a16:creationId xmlns:a16="http://schemas.microsoft.com/office/drawing/2014/main" id="{93B1E449-AA0C-747A-205D-0EF98966CD31}"/>
+                </a:ext>
+              </a:extLst>
+            </p:cNvPr>
+            <p:cNvCxnSpPr>
+              <a:cxnSpLocks/>
+              <a:stCxn id="10" idx="1"/>
+              <a:endCxn id="8" idx="1"/>
+            </p:cNvCxnSpPr>
+            <p:nvPr/>
+          </p:nvCxnSpPr>
+          <p:spPr>
+            <a:xfrm rot="5400000" flipH="1" flipV="1">
+              <a:off x="6393946" y="1758139"/>
+              <a:ext cx="13536" cy="1782940"/>
+            </a:xfrm>
+            <a:prstGeom prst="bentConnector3">
+              <a:avLst>
+                <a:gd name="adj1" fmla="val 1800000"/>
+              </a:avLst>
+            </a:prstGeom>
+            <a:ln>
+              <a:tailEnd type="triangle"/>
+            </a:ln>
+          </p:spPr>
+          <p:style>
+            <a:lnRef idx="1">
+              <a:schemeClr val="accent1"/>
+            </a:lnRef>
+            <a:fillRef idx="0">
+              <a:schemeClr val="accent1"/>
+            </a:fillRef>
+            <a:effectRef idx="0">
+              <a:schemeClr val="accent1"/>
+            </a:effectRef>
+            <a:fontRef idx="minor">
+              <a:schemeClr val="tx1"/>
+            </a:fontRef>
+          </p:style>
+        </p:cxnSp>
+        <p:cxnSp>
+          <p:nvCxnSpPr>
+            <p:cNvPr id="23" name="Connector: Elbow 22">
+              <a:extLst>
+                <a:ext uri="{FF2B5EF4-FFF2-40B4-BE49-F238E27FC236}">
+                  <a16:creationId xmlns:a16="http://schemas.microsoft.com/office/drawing/2014/main" id="{94EFDF26-9B28-778C-8D0A-00BCC48E27A4}"/>
+                </a:ext>
+              </a:extLst>
+            </p:cNvPr>
+            <p:cNvCxnSpPr>
+              <a:cxnSpLocks/>
+              <a:stCxn id="10" idx="1"/>
+              <a:endCxn id="11" idx="1"/>
+            </p:cNvCxnSpPr>
+            <p:nvPr/>
+          </p:nvCxnSpPr>
+          <p:spPr>
+            <a:xfrm rot="5400000" flipH="1" flipV="1">
+              <a:off x="6914500" y="1237585"/>
+              <a:ext cx="1" cy="2810512"/>
+            </a:xfrm>
+            <a:prstGeom prst="bentConnector3">
+              <a:avLst>
+                <a:gd name="adj1" fmla="val 22860100000"/>
+              </a:avLst>
+            </a:prstGeom>
+            <a:ln>
+              <a:tailEnd type="triangle"/>
+            </a:ln>
+          </p:spPr>
+          <p:style>
+            <a:lnRef idx="1">
+              <a:schemeClr val="accent1"/>
+            </a:lnRef>
+            <a:fillRef idx="0">
+              <a:schemeClr val="accent1"/>
+            </a:fillRef>
+            <a:effectRef idx="0">
+              <a:schemeClr val="accent1"/>
+            </a:effectRef>
+            <a:fontRef idx="minor">
+              <a:schemeClr val="tx1"/>
+            </a:fontRef>
+          </p:style>
+        </p:cxnSp>
+        <p:cxnSp>
+          <p:nvCxnSpPr>
+            <p:cNvPr id="24" name="Connector: Elbow 23">
+              <a:extLst>
+                <a:ext uri="{FF2B5EF4-FFF2-40B4-BE49-F238E27FC236}">
+                  <a16:creationId xmlns:a16="http://schemas.microsoft.com/office/drawing/2014/main" id="{DA8E2C30-DB86-3049-DD8C-61A0F2AF34E9}"/>
+                </a:ext>
+              </a:extLst>
+            </p:cNvPr>
+            <p:cNvCxnSpPr>
+              <a:cxnSpLocks/>
+              <a:stCxn id="5" idx="3"/>
+            </p:cNvCxnSpPr>
+            <p:nvPr/>
+          </p:nvCxnSpPr>
+          <p:spPr>
+            <a:xfrm rot="16200000" flipH="1" flipV="1">
+              <a:off x="2781593" y="3723596"/>
+              <a:ext cx="309193" cy="74787"/>
+            </a:xfrm>
+            <a:prstGeom prst="bentConnector3">
+              <a:avLst/>
+            </a:prstGeom>
+            <a:ln>
+              <a:tailEnd type="triangle"/>
+            </a:ln>
+          </p:spPr>
+          <p:style>
+            <a:lnRef idx="1">
+              <a:schemeClr val="accent1"/>
+            </a:lnRef>
+            <a:fillRef idx="0">
+              <a:schemeClr val="accent1"/>
+            </a:fillRef>
+            <a:effectRef idx="0">
+              <a:schemeClr val="accent1"/>
+            </a:effectRef>
+            <a:fontRef idx="minor">
+              <a:schemeClr val="tx1"/>
+            </a:fontRef>
+          </p:style>
+        </p:cxnSp>
+        <p:cxnSp>
+          <p:nvCxnSpPr>
+            <p:cNvPr id="25" name="Connector: Elbow 24">
+              <a:extLst>
+                <a:ext uri="{FF2B5EF4-FFF2-40B4-BE49-F238E27FC236}">
+                  <a16:creationId xmlns:a16="http://schemas.microsoft.com/office/drawing/2014/main" id="{52403F70-8449-41CE-1637-FA89704588DC}"/>
+                </a:ext>
+              </a:extLst>
+            </p:cNvPr>
+            <p:cNvCxnSpPr>
+              <a:cxnSpLocks/>
+              <a:stCxn id="6" idx="3"/>
+            </p:cNvCxnSpPr>
+            <p:nvPr/>
+          </p:nvCxnSpPr>
+          <p:spPr>
+            <a:xfrm rot="16200000" flipH="1">
+              <a:off x="3605653" y="3728367"/>
+              <a:ext cx="309193" cy="65245"/>
+            </a:xfrm>
+            <a:prstGeom prst="bentConnector3">
+              <a:avLst/>
+            </a:prstGeom>
+            <a:ln>
+              <a:tailEnd type="triangle"/>
+            </a:ln>
+          </p:spPr>
+          <p:style>
+            <a:lnRef idx="1">
+              <a:schemeClr val="accent1"/>
+            </a:lnRef>
+            <a:fillRef idx="0">
+              <a:schemeClr val="accent1"/>
+            </a:fillRef>
+            <a:effectRef idx="0">
+              <a:schemeClr val="accent1"/>
+            </a:effectRef>
+            <a:fontRef idx="minor">
+              <a:schemeClr val="tx1"/>
+            </a:fontRef>
+          </p:style>
+        </p:cxnSp>
+        <p:cxnSp>
+          <p:nvCxnSpPr>
+            <p:cNvPr id="26" name="Straight Arrow Connector 25">
+              <a:extLst>
+                <a:ext uri="{FF2B5EF4-FFF2-40B4-BE49-F238E27FC236}">
+                  <a16:creationId xmlns:a16="http://schemas.microsoft.com/office/drawing/2014/main" id="{A1DC264B-5D0E-75E2-3B90-B2CA96B0A66D}"/>
+                </a:ext>
+              </a:extLst>
+            </p:cNvPr>
+            <p:cNvCxnSpPr>
+              <a:cxnSpLocks/>
+              <a:endCxn id="5" idx="0"/>
+            </p:cNvCxnSpPr>
+            <p:nvPr/>
+          </p:nvCxnSpPr>
+          <p:spPr>
+            <a:xfrm rot="16200000">
+              <a:off x="2618903" y="2962552"/>
+              <a:ext cx="989" cy="325119"/>
+            </a:xfrm>
+            <a:prstGeom prst="straightConnector1">
+              <a:avLst/>
+            </a:prstGeom>
+            <a:ln>
+              <a:tailEnd type="triangle"/>
+            </a:ln>
+          </p:spPr>
+          <p:style>
+            <a:lnRef idx="1">
+              <a:schemeClr val="accent1"/>
+            </a:lnRef>
+            <a:fillRef idx="0">
+              <a:schemeClr val="accent1"/>
+            </a:fillRef>
+            <a:effectRef idx="0">
+              <a:schemeClr val="accent1"/>
+            </a:effectRef>
+            <a:fontRef idx="minor">
+              <a:schemeClr val="tx1"/>
+            </a:fontRef>
+          </p:style>
+        </p:cxnSp>
+        <p:cxnSp>
+          <p:nvCxnSpPr>
+            <p:cNvPr id="27" name="Connector: Elbow 26">
+              <a:extLst>
+                <a:ext uri="{FF2B5EF4-FFF2-40B4-BE49-F238E27FC236}">
+                  <a16:creationId xmlns:a16="http://schemas.microsoft.com/office/drawing/2014/main" id="{71BD800F-05CA-6E48-5ED4-A4DFCE7C7A9C}"/>
+                </a:ext>
+              </a:extLst>
+            </p:cNvPr>
+            <p:cNvCxnSpPr>
+              <a:cxnSpLocks/>
+            </p:cNvCxnSpPr>
+            <p:nvPr/>
+          </p:nvCxnSpPr>
+          <p:spPr>
+            <a:xfrm rot="5400000" flipH="1">
+              <a:off x="1948607" y="3632848"/>
+              <a:ext cx="1905458" cy="888997"/>
+            </a:xfrm>
+            <a:prstGeom prst="bentConnector3">
+              <a:avLst>
+                <a:gd name="adj1" fmla="val -12796"/>
+              </a:avLst>
+            </a:prstGeom>
+          </p:spPr>
+          <p:style>
+            <a:lnRef idx="1">
+              <a:schemeClr val="accent1"/>
+            </a:lnRef>
+            <a:fillRef idx="0">
+              <a:schemeClr val="accent1"/>
+            </a:fillRef>
+            <a:effectRef idx="0">
+              <a:schemeClr val="accent1"/>
+            </a:effectRef>
+            <a:fontRef idx="minor">
+              <a:schemeClr val="tx1"/>
+            </a:fontRef>
+          </p:style>
+        </p:cxnSp>
+        <p:sp>
+          <p:nvSpPr>
+            <p:cNvPr id="28" name="Arrow: Left-Right 27">
+              <a:extLst>
+                <a:ext uri="{FF2B5EF4-FFF2-40B4-BE49-F238E27FC236}">
+                  <a16:creationId xmlns:a16="http://schemas.microsoft.com/office/drawing/2014/main" id="{D5454A2B-C985-2052-8BB8-3F611E2374B1}"/>
+                </a:ext>
+              </a:extLst>
+            </p:cNvPr>
+            <p:cNvSpPr/>
+            <p:nvPr/>
+          </p:nvSpPr>
+          <p:spPr>
+            <a:xfrm flipH="1">
+              <a:off x="2453833" y="1554664"/>
+              <a:ext cx="6329396" cy="619935"/>
+            </a:xfrm>
+            <a:prstGeom prst="leftRightArrow">
+              <a:avLst/>
+            </a:prstGeom>
+          </p:spPr>
+          <p:style>
+            <a:lnRef idx="1">
+              <a:schemeClr val="accent1"/>
+            </a:lnRef>
+            <a:fillRef idx="2">
+              <a:schemeClr val="accent1"/>
+            </a:fillRef>
+            <a:effectRef idx="1">
+              <a:schemeClr val="accent1"/>
+            </a:effectRef>
+            <a:fontRef idx="minor">
+              <a:schemeClr val="dk1"/>
+            </a:fontRef>
+          </p:style>
+          <p:txBody>
+            <a:bodyPr rtlCol="0" anchor="ctr"/>
+            <a:lstStyle/>
+            <a:p>
+              <a:pPr algn="ctr"/>
+              <a:r>
+                <a:rPr lang="en-US" dirty="0"/>
+                <a:t>DATA BUS 8bit</a:t>
+              </a:r>
+              <a:endParaRPr lang="en-IN" dirty="0"/>
+            </a:p>
+          </p:txBody>
+        </p:sp>
+        <p:sp>
+          <p:nvSpPr>
+            <p:cNvPr id="29" name="Arrow: Left 28">
+              <a:extLst>
+                <a:ext uri="{FF2B5EF4-FFF2-40B4-BE49-F238E27FC236}">
+                  <a16:creationId xmlns:a16="http://schemas.microsoft.com/office/drawing/2014/main" id="{15D60C6F-BFB8-6EA5-9593-64969E8665BA}"/>
+                </a:ext>
+              </a:extLst>
+            </p:cNvPr>
+            <p:cNvSpPr/>
+            <p:nvPr/>
+          </p:nvSpPr>
+          <p:spPr>
+            <a:xfrm flipH="1">
+              <a:off x="6345191" y="4684916"/>
+              <a:ext cx="2438039" cy="618420"/>
+            </a:xfrm>
+            <a:prstGeom prst="leftArrow">
+              <a:avLst/>
+            </a:prstGeom>
+          </p:spPr>
+          <p:style>
+            <a:lnRef idx="1">
+              <a:schemeClr val="accent1"/>
+            </a:lnRef>
+            <a:fillRef idx="2">
+              <a:schemeClr val="accent1"/>
+            </a:fillRef>
+            <a:effectRef idx="1">
+              <a:schemeClr val="accent1"/>
+            </a:effectRef>
+            <a:fontRef idx="minor">
+              <a:schemeClr val="dk1"/>
+            </a:fontRef>
+          </p:style>
+          <p:txBody>
+            <a:bodyPr rtlCol="0" anchor="ctr"/>
+            <a:lstStyle/>
+            <a:p>
+              <a:pPr algn="ctr"/>
+              <a:r>
+                <a:rPr lang="en-US" dirty="0"/>
+                <a:t>ADDR BUS 8bit</a:t>
+              </a:r>
+              <a:endParaRPr lang="en-IN" dirty="0"/>
+            </a:p>
+          </p:txBody>
+        </p:sp>
+        <p:cxnSp>
+          <p:nvCxnSpPr>
+            <p:cNvPr id="30" name="Straight Arrow Connector 29">
+              <a:extLst>
+                <a:ext uri="{FF2B5EF4-FFF2-40B4-BE49-F238E27FC236}">
+                  <a16:creationId xmlns:a16="http://schemas.microsoft.com/office/drawing/2014/main" id="{DC147318-16FB-0A31-4A04-4455DE0D35F5}"/>
+                </a:ext>
+              </a:extLst>
+            </p:cNvPr>
+            <p:cNvCxnSpPr>
+              <a:cxnSpLocks/>
+            </p:cNvCxnSpPr>
+            <p:nvPr/>
+          </p:nvCxnSpPr>
+          <p:spPr>
+            <a:xfrm rot="16200000" flipH="1">
+              <a:off x="2561124" y="2338582"/>
+              <a:ext cx="635588" cy="0"/>
+            </a:xfrm>
+            <a:prstGeom prst="straightConnector1">
+              <a:avLst/>
+            </a:prstGeom>
+            <a:ln>
+              <a:headEnd type="triangle"/>
+              <a:tailEnd type="triangle"/>
+            </a:ln>
+          </p:spPr>
+          <p:style>
+            <a:lnRef idx="1">
+              <a:schemeClr val="accent1"/>
+            </a:lnRef>
+            <a:fillRef idx="0">
+              <a:schemeClr val="accent1"/>
+            </a:fillRef>
+            <a:effectRef idx="0">
+              <a:schemeClr val="accent1"/>
+            </a:effectRef>
+            <a:fontRef idx="minor">
+              <a:schemeClr val="tx1"/>
+            </a:fontRef>
+          </p:style>
+        </p:cxnSp>
+        <p:cxnSp>
+          <p:nvCxnSpPr>
+            <p:cNvPr id="31" name="Straight Arrow Connector 30">
+              <a:extLst>
+                <a:ext uri="{FF2B5EF4-FFF2-40B4-BE49-F238E27FC236}">
+                  <a16:creationId xmlns:a16="http://schemas.microsoft.com/office/drawing/2014/main" id="{F089BC79-5A43-8741-DA6C-8C6FCD9BF25B}"/>
+                </a:ext>
+              </a:extLst>
+            </p:cNvPr>
+            <p:cNvCxnSpPr>
+              <a:cxnSpLocks/>
+            </p:cNvCxnSpPr>
+            <p:nvPr/>
+          </p:nvCxnSpPr>
+          <p:spPr>
+            <a:xfrm rot="16200000" flipH="1">
+              <a:off x="3323121" y="2345644"/>
+              <a:ext cx="635588" cy="0"/>
+            </a:xfrm>
+            <a:prstGeom prst="straightConnector1">
+              <a:avLst/>
+            </a:prstGeom>
+            <a:ln>
+              <a:headEnd type="triangle"/>
+              <a:tailEnd type="triangle"/>
+            </a:ln>
+          </p:spPr>
+          <p:style>
+            <a:lnRef idx="1">
+              <a:schemeClr val="accent1"/>
+            </a:lnRef>
+            <a:fillRef idx="0">
+              <a:schemeClr val="accent1"/>
+            </a:fillRef>
+            <a:effectRef idx="0">
+              <a:schemeClr val="accent1"/>
+            </a:effectRef>
+            <a:fontRef idx="minor">
+              <a:schemeClr val="tx1"/>
+            </a:fontRef>
+          </p:style>
+        </p:cxnSp>
+        <p:cxnSp>
+          <p:nvCxnSpPr>
+            <p:cNvPr id="32" name="Straight Arrow Connector 31">
+              <a:extLst>
+                <a:ext uri="{FF2B5EF4-FFF2-40B4-BE49-F238E27FC236}">
+                  <a16:creationId xmlns:a16="http://schemas.microsoft.com/office/drawing/2014/main" id="{8C52C569-5B69-A4E5-574D-1CB5BCCF5F27}"/>
+                </a:ext>
+              </a:extLst>
+            </p:cNvPr>
+            <p:cNvCxnSpPr>
+              <a:cxnSpLocks/>
+            </p:cNvCxnSpPr>
+            <p:nvPr/>
+          </p:nvCxnSpPr>
+          <p:spPr>
+            <a:xfrm rot="16200000" flipH="1">
+              <a:off x="4038736" y="2321184"/>
+              <a:ext cx="635588" cy="0"/>
+            </a:xfrm>
+            <a:prstGeom prst="straightConnector1">
+              <a:avLst/>
+            </a:prstGeom>
+            <a:ln>
+              <a:headEnd type="triangle"/>
+              <a:tailEnd type="triangle"/>
+            </a:ln>
+          </p:spPr>
+          <p:style>
+            <a:lnRef idx="1">
+              <a:schemeClr val="accent1"/>
+            </a:lnRef>
+            <a:fillRef idx="0">
+              <a:schemeClr val="accent1"/>
+            </a:fillRef>
+            <a:effectRef idx="0">
+              <a:schemeClr val="accent1"/>
+            </a:effectRef>
+            <a:fontRef idx="minor">
+              <a:schemeClr val="tx1"/>
+            </a:fontRef>
+          </p:style>
+        </p:cxnSp>
+        <p:cxnSp>
+          <p:nvCxnSpPr>
+            <p:cNvPr id="33" name="Straight Arrow Connector 32">
+              <a:extLst>
+                <a:ext uri="{FF2B5EF4-FFF2-40B4-BE49-F238E27FC236}">
+                  <a16:creationId xmlns:a16="http://schemas.microsoft.com/office/drawing/2014/main" id="{7FE37939-CE64-0093-E3C0-745E52D6D401}"/>
+                </a:ext>
+              </a:extLst>
+            </p:cNvPr>
+            <p:cNvCxnSpPr>
+              <a:cxnSpLocks/>
+            </p:cNvCxnSpPr>
+            <p:nvPr/>
+          </p:nvCxnSpPr>
+          <p:spPr>
+            <a:xfrm rot="16200000" flipH="1">
+              <a:off x="6092418" y="2321184"/>
+              <a:ext cx="635588" cy="0"/>
+            </a:xfrm>
+            <a:prstGeom prst="straightConnector1">
+              <a:avLst/>
+            </a:prstGeom>
+            <a:ln>
+              <a:headEnd type="triangle"/>
+              <a:tailEnd type="triangle"/>
+            </a:ln>
+          </p:spPr>
+          <p:style>
+            <a:lnRef idx="1">
+              <a:schemeClr val="accent1"/>
+            </a:lnRef>
+            <a:fillRef idx="0">
+              <a:schemeClr val="accent1"/>
+            </a:fillRef>
+            <a:effectRef idx="0">
+              <a:schemeClr val="accent1"/>
+            </a:effectRef>
+            <a:fontRef idx="minor">
+              <a:schemeClr val="tx1"/>
+            </a:fontRef>
+          </p:style>
+        </p:cxnSp>
+        <p:cxnSp>
+          <p:nvCxnSpPr>
+            <p:cNvPr id="34" name="Straight Arrow Connector 33">
+              <a:extLst>
+                <a:ext uri="{FF2B5EF4-FFF2-40B4-BE49-F238E27FC236}">
+                  <a16:creationId xmlns:a16="http://schemas.microsoft.com/office/drawing/2014/main" id="{5C66B019-DB89-3869-C7EC-E0F374E8B878}"/>
+                </a:ext>
+              </a:extLst>
+            </p:cNvPr>
+            <p:cNvCxnSpPr>
+              <a:cxnSpLocks/>
+            </p:cNvCxnSpPr>
+            <p:nvPr/>
+          </p:nvCxnSpPr>
+          <p:spPr>
+            <a:xfrm rot="16200000" flipH="1">
+              <a:off x="6878578" y="2321184"/>
+              <a:ext cx="635588" cy="0"/>
+            </a:xfrm>
+            <a:prstGeom prst="straightConnector1">
+              <a:avLst/>
+            </a:prstGeom>
+            <a:ln>
+              <a:headEnd type="triangle"/>
+              <a:tailEnd type="triangle"/>
+            </a:ln>
+          </p:spPr>
+          <p:style>
+            <a:lnRef idx="1">
+              <a:schemeClr val="accent1"/>
+            </a:lnRef>
+            <a:fillRef idx="0">
+              <a:schemeClr val="accent1"/>
+            </a:fillRef>
+            <a:effectRef idx="0">
+              <a:schemeClr val="accent1"/>
+            </a:effectRef>
+            <a:fontRef idx="minor">
+              <a:schemeClr val="tx1"/>
+            </a:fontRef>
+          </p:style>
+        </p:cxnSp>
+        <p:cxnSp>
+          <p:nvCxnSpPr>
+            <p:cNvPr id="35" name="Straight Arrow Connector 34">
+              <a:extLst>
+                <a:ext uri="{FF2B5EF4-FFF2-40B4-BE49-F238E27FC236}">
+                  <a16:creationId xmlns:a16="http://schemas.microsoft.com/office/drawing/2014/main" id="{8AAEAA8B-A9E3-95AD-47D6-C15A1312D6FB}"/>
+                </a:ext>
+              </a:extLst>
+            </p:cNvPr>
+            <p:cNvCxnSpPr>
+              <a:cxnSpLocks/>
+            </p:cNvCxnSpPr>
+            <p:nvPr/>
+          </p:nvCxnSpPr>
+          <p:spPr>
+            <a:xfrm rot="16200000" flipH="1">
+              <a:off x="7833702" y="2338582"/>
+              <a:ext cx="635588" cy="0"/>
+            </a:xfrm>
+            <a:prstGeom prst="straightConnector1">
+              <a:avLst/>
+            </a:prstGeom>
+            <a:ln>
+              <a:headEnd type="triangle"/>
+              <a:tailEnd type="triangle"/>
+            </a:ln>
+          </p:spPr>
+          <p:style>
+            <a:lnRef idx="1">
+              <a:schemeClr val="accent1"/>
+            </a:lnRef>
+            <a:fillRef idx="0">
+              <a:schemeClr val="accent1"/>
+            </a:fillRef>
+            <a:effectRef idx="0">
+              <a:schemeClr val="accent1"/>
+            </a:effectRef>
+            <a:fontRef idx="minor">
+              <a:schemeClr val="tx1"/>
+            </a:fontRef>
+          </p:style>
+        </p:cxnSp>
+      </p:grpSp>
+    </p:spTree>
+    <p:extLst>
+      <p:ext uri="{BB962C8B-B14F-4D97-AF65-F5344CB8AC3E}">
+        <p14:creationId xmlns:p14="http://schemas.microsoft.com/office/powerpoint/2010/main" val="1234629933"/>
+      </p:ext>
+    </p:extLst>
+  </p:cSld>
+  <p:clrMapOvr>
+    <a:masterClrMapping/>
+  </p:clrMapOvr>
+</p:sld>
+</file>
+
+<file path=ppt/slides/slide3.xml><?xml version="1.0" encoding="utf-8"?>
 <p:sld xmlns:a="http://schemas.openxmlformats.org/drawingml/2006/main" xmlns:r="http://schemas.openxmlformats.org/officeDocument/2006/relationships" xmlns:p="http://schemas.openxmlformats.org/presentationml/2006/main">
   <p:cSld>
     <p:bg>
@@ -6344,7 +12516,7 @@
 </p:sld>
 </file>
 
-<file path=ppt/slides/slide3.xml><?xml version="1.0" encoding="utf-8"?>
+<file path=ppt/slides/slide4.xml><?xml version="1.0" encoding="utf-8"?>
 <p:sld xmlns:a="http://schemas.openxmlformats.org/drawingml/2006/main" xmlns:r="http://schemas.openxmlformats.org/officeDocument/2006/relationships" xmlns:p="http://schemas.openxmlformats.org/presentationml/2006/main">
   <p:cSld>
     <p:spTree>
@@ -6446,7 +12618,7 @@
 </p:sld>
 </file>
 
-<file path=ppt/slides/slide4.xml><?xml version="1.0" encoding="utf-8"?>
+<file path=ppt/slides/slide5.xml><?xml version="1.0" encoding="utf-8"?>
 <p:sld xmlns:a="http://schemas.openxmlformats.org/drawingml/2006/main" xmlns:r="http://schemas.openxmlformats.org/officeDocument/2006/relationships" xmlns:p="http://schemas.openxmlformats.org/presentationml/2006/main">
   <p:cSld>
     <p:bg>
@@ -7310,116 +13482,6 @@
 </p:sld>
 </file>
 
-<file path=ppt/slides/slide5.xml><?xml version="1.0" encoding="utf-8"?>
-<p:sld xmlns:a="http://schemas.openxmlformats.org/drawingml/2006/main" xmlns:r="http://schemas.openxmlformats.org/officeDocument/2006/relationships" xmlns:p="http://schemas.openxmlformats.org/presentationml/2006/main">
-  <p:cSld>
-    <p:spTree>
-      <p:nvGrpSpPr>
-        <p:cNvPr id="1" name=""/>
-        <p:cNvGrpSpPr/>
-        <p:nvPr/>
-      </p:nvGrpSpPr>
-      <p:grpSpPr>
-        <a:xfrm>
-          <a:off x="0" y="0"/>
-          <a:ext cx="0" cy="0"/>
-          <a:chOff x="0" y="0"/>
-          <a:chExt cx="0" cy="0"/>
-        </a:xfrm>
-      </p:grpSpPr>
-      <p:sp>
-        <p:nvSpPr>
-          <p:cNvPr id="2" name="Title 1">
-            <a:extLst>
-              <a:ext uri="{FF2B5EF4-FFF2-40B4-BE49-F238E27FC236}">
-                <a16:creationId xmlns:a16="http://schemas.microsoft.com/office/drawing/2014/main" id="{5E9DAB2F-5F10-414E-EFA9-CA78D5D877E7}"/>
-              </a:ext>
-            </a:extLst>
-          </p:cNvPr>
-          <p:cNvSpPr>
-            <a:spLocks noGrp="1"/>
-          </p:cNvSpPr>
-          <p:nvPr>
-            <p:ph type="title"/>
-          </p:nvPr>
-        </p:nvSpPr>
-        <p:spPr>
-          <a:xfrm>
-            <a:off x="1507067" y="1578133"/>
-            <a:ext cx="4335468" cy="2875534"/>
-          </a:xfrm>
-        </p:spPr>
-        <p:txBody>
-          <a:bodyPr vert="horz" lIns="91440" tIns="45720" rIns="91440" bIns="45720" rtlCol="0" anchor="b">
-            <a:normAutofit/>
-          </a:bodyPr>
-          <a:lstStyle/>
-          <a:p>
-            <a:pPr algn="r"/>
-            <a:r>
-              <a:rPr lang="en-US" sz="5400" dirty="0"/>
-              <a:t>MVI</a:t>
-            </a:r>
-            <a:endParaRPr lang="en-US" sz="5400" kern="1200" dirty="0">
-              <a:solidFill>
-                <a:schemeClr val="accent1"/>
-              </a:solidFill>
-              <a:latin typeface="+mj-lt"/>
-              <a:ea typeface="+mj-ea"/>
-              <a:cs typeface="+mj-cs"/>
-            </a:endParaRPr>
-          </a:p>
-        </p:txBody>
-      </p:sp>
-      <p:pic>
-        <p:nvPicPr>
-          <p:cNvPr id="7" name="Picture 6" descr="A diagram of a computer&#10;&#10;Description automatically generated">
-            <a:extLst>
-              <a:ext uri="{FF2B5EF4-FFF2-40B4-BE49-F238E27FC236}">
-                <a16:creationId xmlns:a16="http://schemas.microsoft.com/office/drawing/2014/main" id="{0077843A-4095-AA28-2FD1-39339A2917F8}"/>
-              </a:ext>
-            </a:extLst>
-          </p:cNvPr>
-          <p:cNvPicPr>
-            <a:picLocks noChangeAspect="1"/>
-          </p:cNvPicPr>
-          <p:nvPr/>
-        </p:nvPicPr>
-        <p:blipFill>
-          <a:blip r:embed="rId2">
-            <a:extLst>
-              <a:ext uri="{28A0092B-C50C-407E-A947-70E740481C1C}">
-                <a14:useLocalDpi xmlns:a14="http://schemas.microsoft.com/office/drawing/2010/main" val="0"/>
-              </a:ext>
-            </a:extLst>
-          </a:blip>
-          <a:stretch>
-            <a:fillRect/>
-          </a:stretch>
-        </p:blipFill>
-        <p:spPr>
-          <a:xfrm>
-            <a:off x="7525263" y="483615"/>
-            <a:ext cx="4138019" cy="5890770"/>
-          </a:xfrm>
-          <a:prstGeom prst="rect">
-            <a:avLst/>
-          </a:prstGeom>
-        </p:spPr>
-      </p:pic>
-    </p:spTree>
-    <p:extLst>
-      <p:ext uri="{BB962C8B-B14F-4D97-AF65-F5344CB8AC3E}">
-        <p14:creationId xmlns:p14="http://schemas.microsoft.com/office/powerpoint/2010/main" val="1584841560"/>
-      </p:ext>
-    </p:extLst>
-  </p:cSld>
-  <p:clrMapOvr>
-    <a:masterClrMapping/>
-  </p:clrMapOvr>
-</p:sld>
-</file>
-
 <file path=ppt/slides/slide6.xml><?xml version="1.0" encoding="utf-8"?>
 <p:sld xmlns:a="http://schemas.openxmlformats.org/drawingml/2006/main" xmlns:r="http://schemas.openxmlformats.org/officeDocument/2006/relationships" xmlns:p="http://schemas.openxmlformats.org/presentationml/2006/main">
   <p:cSld>
@@ -7468,14 +13530,7 @@
             <a:pPr algn="r"/>
             <a:r>
               <a:rPr lang="en-US" sz="5400" dirty="0"/>
-              <a:t>MOV_MEM_A:</a:t>
-            </a:r>
-            <a:br>
-              <a:rPr lang="en-US" sz="5400" dirty="0"/>
-            </a:br>
-            <a:r>
-              <a:rPr lang="en-US" sz="5400" dirty="0"/>
-              <a:t>Memory Read</a:t>
+              <a:t>MVI</a:t>
             </a:r>
             <a:endParaRPr lang="en-US" sz="5400" kern="1200" dirty="0">
               <a:solidFill>
@@ -7490,10 +13545,10 @@
       </p:sp>
       <p:pic>
         <p:nvPicPr>
-          <p:cNvPr id="11" name="Picture 10" descr="A diagram of a computer&#10;&#10;Description automatically generated">
+          <p:cNvPr id="7" name="Picture 6" descr="A diagram of a computer&#10;&#10;Description automatically generated">
             <a:extLst>
               <a:ext uri="{FF2B5EF4-FFF2-40B4-BE49-F238E27FC236}">
-                <a16:creationId xmlns:a16="http://schemas.microsoft.com/office/drawing/2014/main" id="{81DC814C-46EF-F0DB-AC54-F3504AB0FBC4}"/>
+                <a16:creationId xmlns:a16="http://schemas.microsoft.com/office/drawing/2014/main" id="{0077843A-4095-AA28-2FD1-39339A2917F8}"/>
               </a:ext>
             </a:extLst>
           </p:cNvPr>
@@ -7516,8 +13571,8 @@
         </p:blipFill>
         <p:spPr>
           <a:xfrm>
-            <a:off x="7297651" y="308263"/>
-            <a:ext cx="4355162" cy="6241473"/>
+            <a:off x="7525263" y="483615"/>
+            <a:ext cx="4138019" cy="5890770"/>
           </a:xfrm>
           <a:prstGeom prst="rect">
             <a:avLst/>
@@ -7527,7 +13582,7 @@
     </p:spTree>
     <p:extLst>
       <p:ext uri="{BB962C8B-B14F-4D97-AF65-F5344CB8AC3E}">
-        <p14:creationId xmlns:p14="http://schemas.microsoft.com/office/powerpoint/2010/main" val="963845432"/>
+        <p14:creationId xmlns:p14="http://schemas.microsoft.com/office/powerpoint/2010/main" val="1584841560"/>
       </p:ext>
     </p:extLst>
   </p:cSld>
@@ -7585,6 +13640,123 @@
             <a:pPr algn="r"/>
             <a:r>
               <a:rPr lang="en-US" sz="5400" dirty="0"/>
+              <a:t>MOV_MEM_A:</a:t>
+            </a:r>
+            <a:br>
+              <a:rPr lang="en-US" sz="5400" dirty="0"/>
+            </a:br>
+            <a:r>
+              <a:rPr lang="en-US" sz="5400" dirty="0"/>
+              <a:t>Memory Read</a:t>
+            </a:r>
+            <a:endParaRPr lang="en-US" sz="5400" kern="1200" dirty="0">
+              <a:solidFill>
+                <a:schemeClr val="accent1"/>
+              </a:solidFill>
+              <a:latin typeface="+mj-lt"/>
+              <a:ea typeface="+mj-ea"/>
+              <a:cs typeface="+mj-cs"/>
+            </a:endParaRPr>
+          </a:p>
+        </p:txBody>
+      </p:sp>
+      <p:pic>
+        <p:nvPicPr>
+          <p:cNvPr id="11" name="Picture 10" descr="A diagram of a computer&#10;&#10;Description automatically generated">
+            <a:extLst>
+              <a:ext uri="{FF2B5EF4-FFF2-40B4-BE49-F238E27FC236}">
+                <a16:creationId xmlns:a16="http://schemas.microsoft.com/office/drawing/2014/main" id="{81DC814C-46EF-F0DB-AC54-F3504AB0FBC4}"/>
+              </a:ext>
+            </a:extLst>
+          </p:cNvPr>
+          <p:cNvPicPr>
+            <a:picLocks noChangeAspect="1"/>
+          </p:cNvPicPr>
+          <p:nvPr/>
+        </p:nvPicPr>
+        <p:blipFill>
+          <a:blip r:embed="rId2">
+            <a:extLst>
+              <a:ext uri="{28A0092B-C50C-407E-A947-70E740481C1C}">
+                <a14:useLocalDpi xmlns:a14="http://schemas.microsoft.com/office/drawing/2010/main" val="0"/>
+              </a:ext>
+            </a:extLst>
+          </a:blip>
+          <a:stretch>
+            <a:fillRect/>
+          </a:stretch>
+        </p:blipFill>
+        <p:spPr>
+          <a:xfrm>
+            <a:off x="7297651" y="308263"/>
+            <a:ext cx="4355162" cy="6241473"/>
+          </a:xfrm>
+          <a:prstGeom prst="rect">
+            <a:avLst/>
+          </a:prstGeom>
+        </p:spPr>
+      </p:pic>
+    </p:spTree>
+    <p:extLst>
+      <p:ext uri="{BB962C8B-B14F-4D97-AF65-F5344CB8AC3E}">
+        <p14:creationId xmlns:p14="http://schemas.microsoft.com/office/powerpoint/2010/main" val="963845432"/>
+      </p:ext>
+    </p:extLst>
+  </p:cSld>
+  <p:clrMapOvr>
+    <a:masterClrMapping/>
+  </p:clrMapOvr>
+</p:sld>
+</file>
+
+<file path=ppt/slides/slide8.xml><?xml version="1.0" encoding="utf-8"?>
+<p:sld xmlns:a="http://schemas.openxmlformats.org/drawingml/2006/main" xmlns:r="http://schemas.openxmlformats.org/officeDocument/2006/relationships" xmlns:p="http://schemas.openxmlformats.org/presentationml/2006/main">
+  <p:cSld>
+    <p:spTree>
+      <p:nvGrpSpPr>
+        <p:cNvPr id="1" name=""/>
+        <p:cNvGrpSpPr/>
+        <p:nvPr/>
+      </p:nvGrpSpPr>
+      <p:grpSpPr>
+        <a:xfrm>
+          <a:off x="0" y="0"/>
+          <a:ext cx="0" cy="0"/>
+          <a:chOff x="0" y="0"/>
+          <a:chExt cx="0" cy="0"/>
+        </a:xfrm>
+      </p:grpSpPr>
+      <p:sp>
+        <p:nvSpPr>
+          <p:cNvPr id="2" name="Title 1">
+            <a:extLst>
+              <a:ext uri="{FF2B5EF4-FFF2-40B4-BE49-F238E27FC236}">
+                <a16:creationId xmlns:a16="http://schemas.microsoft.com/office/drawing/2014/main" id="{5E9DAB2F-5F10-414E-EFA9-CA78D5D877E7}"/>
+              </a:ext>
+            </a:extLst>
+          </p:cNvPr>
+          <p:cNvSpPr>
+            <a:spLocks noGrp="1"/>
+          </p:cNvSpPr>
+          <p:nvPr>
+            <p:ph type="title"/>
+          </p:nvPr>
+        </p:nvSpPr>
+        <p:spPr>
+          <a:xfrm>
+            <a:off x="1507067" y="1578133"/>
+            <a:ext cx="4335468" cy="2875534"/>
+          </a:xfrm>
+        </p:spPr>
+        <p:txBody>
+          <a:bodyPr vert="horz" lIns="91440" tIns="45720" rIns="91440" bIns="45720" rtlCol="0" anchor="b">
+            <a:normAutofit/>
+          </a:bodyPr>
+          <a:lstStyle/>
+          <a:p>
+            <a:pPr algn="r"/>
+            <a:r>
+              <a:rPr lang="en-US" sz="5400" dirty="0"/>
               <a:t>ALU:</a:t>
             </a:r>
             <a:br>
@@ -7650,7 +13822,7 @@
 </p:sld>
 </file>
 
-<file path=ppt/slides/slide8.xml><?xml version="1.0" encoding="utf-8"?>
+<file path=ppt/slides/slide9.xml><?xml version="1.0" encoding="utf-8"?>
 <p:sld xmlns:a="http://schemas.openxmlformats.org/drawingml/2006/main" xmlns:r="http://schemas.openxmlformats.org/officeDocument/2006/relationships" xmlns:p="http://schemas.openxmlformats.org/presentationml/2006/main">
   <p:cSld>
     <p:spTree>
@@ -7754,119 +13926,6 @@
     <p:extLst>
       <p:ext uri="{BB962C8B-B14F-4D97-AF65-F5344CB8AC3E}">
         <p14:creationId xmlns:p14="http://schemas.microsoft.com/office/powerpoint/2010/main" val="372619532"/>
-      </p:ext>
-    </p:extLst>
-  </p:cSld>
-  <p:clrMapOvr>
-    <a:masterClrMapping/>
-  </p:clrMapOvr>
-</p:sld>
-</file>
-
-<file path=ppt/slides/slide9.xml><?xml version="1.0" encoding="utf-8"?>
-<p:sld xmlns:a="http://schemas.openxmlformats.org/drawingml/2006/main" xmlns:r="http://schemas.openxmlformats.org/officeDocument/2006/relationships" xmlns:p="http://schemas.openxmlformats.org/presentationml/2006/main">
-  <p:cSld>
-    <p:spTree>
-      <p:nvGrpSpPr>
-        <p:cNvPr id="1" name=""/>
-        <p:cNvGrpSpPr/>
-        <p:nvPr/>
-      </p:nvGrpSpPr>
-      <p:grpSpPr>
-        <a:xfrm>
-          <a:off x="0" y="0"/>
-          <a:ext cx="0" cy="0"/>
-          <a:chOff x="0" y="0"/>
-          <a:chExt cx="0" cy="0"/>
-        </a:xfrm>
-      </p:grpSpPr>
-      <p:sp>
-        <p:nvSpPr>
-          <p:cNvPr id="2" name="Title 1">
-            <a:extLst>
-              <a:ext uri="{FF2B5EF4-FFF2-40B4-BE49-F238E27FC236}">
-                <a16:creationId xmlns:a16="http://schemas.microsoft.com/office/drawing/2014/main" id="{5E9DAB2F-5F10-414E-EFA9-CA78D5D877E7}"/>
-              </a:ext>
-            </a:extLst>
-          </p:cNvPr>
-          <p:cNvSpPr>
-            <a:spLocks noGrp="1"/>
-          </p:cNvSpPr>
-          <p:nvPr>
-            <p:ph type="title"/>
-          </p:nvPr>
-        </p:nvSpPr>
-        <p:spPr>
-          <a:xfrm>
-            <a:off x="1507067" y="1578133"/>
-            <a:ext cx="4335468" cy="2875534"/>
-          </a:xfrm>
-        </p:spPr>
-        <p:txBody>
-          <a:bodyPr vert="horz" lIns="91440" tIns="45720" rIns="91440" bIns="45720" rtlCol="0" anchor="b">
-            <a:normAutofit/>
-          </a:bodyPr>
-          <a:lstStyle/>
-          <a:p>
-            <a:pPr algn="r"/>
-            <a:r>
-              <a:rPr lang="en-US" sz="5400" dirty="0"/>
-              <a:t>Conditional jump, pass:</a:t>
-            </a:r>
-            <a:br>
-              <a:rPr lang="en-US" sz="5400" dirty="0"/>
-            </a:br>
-            <a:endParaRPr lang="en-US" sz="5400" kern="1200" dirty="0">
-              <a:solidFill>
-                <a:schemeClr val="accent1"/>
-              </a:solidFill>
-              <a:latin typeface="+mj-lt"/>
-              <a:ea typeface="+mj-ea"/>
-              <a:cs typeface="+mj-cs"/>
-            </a:endParaRPr>
-          </a:p>
-        </p:txBody>
-      </p:sp>
-      <p:pic>
-        <p:nvPicPr>
-          <p:cNvPr id="4" name="Picture 3" descr="A diagram of a computer&#10;&#10;Description automatically generated">
-            <a:extLst>
-              <a:ext uri="{FF2B5EF4-FFF2-40B4-BE49-F238E27FC236}">
-                <a16:creationId xmlns:a16="http://schemas.microsoft.com/office/drawing/2014/main" id="{6B98307E-A69F-7A20-110A-C23D01010F3F}"/>
-              </a:ext>
-            </a:extLst>
-          </p:cNvPr>
-          <p:cNvPicPr>
-            <a:picLocks noChangeAspect="1"/>
-          </p:cNvPicPr>
-          <p:nvPr/>
-        </p:nvPicPr>
-        <p:blipFill>
-          <a:blip r:embed="rId2">
-            <a:extLst>
-              <a:ext uri="{28A0092B-C50C-407E-A947-70E740481C1C}">
-                <a14:useLocalDpi xmlns:a14="http://schemas.microsoft.com/office/drawing/2010/main" val="0"/>
-              </a:ext>
-            </a:extLst>
-          </a:blip>
-          <a:stretch>
-            <a:fillRect/>
-          </a:stretch>
-        </p:blipFill>
-        <p:spPr>
-          <a:xfrm>
-            <a:off x="7148039" y="479804"/>
-            <a:ext cx="4458086" cy="5898391"/>
-          </a:xfrm>
-          <a:prstGeom prst="rect">
-            <a:avLst/>
-          </a:prstGeom>
-        </p:spPr>
-      </p:pic>
-    </p:spTree>
-    <p:extLst>
-      <p:ext uri="{BB962C8B-B14F-4D97-AF65-F5344CB8AC3E}">
-        <p14:creationId xmlns:p14="http://schemas.microsoft.com/office/powerpoint/2010/main" val="2686032263"/>
       </p:ext>
     </p:extLst>
   </p:cSld>
